--- a/Tutorial/TensorFlow-Obj-API.pptx
+++ b/Tutorial/TensorFlow-Obj-API.pptx
@@ -9,20 +9,22 @@
     <p:sldId id="257" r:id="rId3"/>
     <p:sldId id="271" r:id="rId4"/>
     <p:sldId id="272" r:id="rId5"/>
-    <p:sldId id="258" r:id="rId6"/>
-    <p:sldId id="259" r:id="rId7"/>
-    <p:sldId id="273" r:id="rId8"/>
-    <p:sldId id="260" r:id="rId9"/>
-    <p:sldId id="261" r:id="rId10"/>
-    <p:sldId id="263" r:id="rId11"/>
-    <p:sldId id="264" r:id="rId12"/>
-    <p:sldId id="267" r:id="rId13"/>
-    <p:sldId id="262" r:id="rId14"/>
-    <p:sldId id="265" r:id="rId15"/>
-    <p:sldId id="266" r:id="rId16"/>
-    <p:sldId id="268" r:id="rId17"/>
-    <p:sldId id="269" r:id="rId18"/>
-    <p:sldId id="270" r:id="rId19"/>
+    <p:sldId id="259" r:id="rId6"/>
+    <p:sldId id="273" r:id="rId7"/>
+    <p:sldId id="260" r:id="rId8"/>
+    <p:sldId id="261" r:id="rId9"/>
+    <p:sldId id="275" r:id="rId10"/>
+    <p:sldId id="276" r:id="rId11"/>
+    <p:sldId id="263" r:id="rId12"/>
+    <p:sldId id="264" r:id="rId13"/>
+    <p:sldId id="274" r:id="rId14"/>
+    <p:sldId id="267" r:id="rId15"/>
+    <p:sldId id="262" r:id="rId16"/>
+    <p:sldId id="265" r:id="rId17"/>
+    <p:sldId id="266" r:id="rId18"/>
+    <p:sldId id="268" r:id="rId19"/>
+    <p:sldId id="269" r:id="rId20"/>
+    <p:sldId id="270" r:id="rId21"/>
   </p:sldIdLst>
   <p:sldSz cx="9144000" cy="6858000" type="screen4x3"/>
   <p:notesSz cx="6858000" cy="9144000"/>
@@ -3084,7 +3086,7 @@
           <p:cNvPr id="2" name="Title 1">
             <a:extLst>
               <a:ext uri="{FF2B5EF4-FFF2-40B4-BE49-F238E27FC236}">
-                <a16:creationId xmlns:a16="http://schemas.microsoft.com/office/drawing/2014/main" id="{F45EAB2C-8B6C-4582-BE71-72A1344185DB}"/>
+                <a16:creationId xmlns:a16="http://schemas.microsoft.com/office/drawing/2014/main" id="{2408206F-BFDA-4614-BF27-98E8DE5AC4CB}"/>
               </a:ext>
             </a:extLst>
           </p:cNvPr>
@@ -3102,13 +3104,8 @@
           <a:p>
             <a:r>
               <a:rPr lang="en-US" dirty="0"/>
-              <a:t>Test a </a:t>
-            </a:r>
-            <a:r>
-              <a:rPr lang="en-US" altLang="zh-CN" dirty="0"/>
-              <a:t>traffic light image</a:t>
-            </a:r>
-            <a:endParaRPr lang="en-US" dirty="0"/>
+              <a:t>Test demo</a:t>
+            </a:r>
           </a:p>
         </p:txBody>
       </p:sp>
@@ -3117,7 +3114,7 @@
           <p:cNvPr id="3" name="Content Placeholder 2">
             <a:extLst>
               <a:ext uri="{FF2B5EF4-FFF2-40B4-BE49-F238E27FC236}">
-                <a16:creationId xmlns:a16="http://schemas.microsoft.com/office/drawing/2014/main" id="{F01497AD-727B-47B0-91E6-8617AA785657}"/>
+                <a16:creationId xmlns:a16="http://schemas.microsoft.com/office/drawing/2014/main" id="{DD0EB4C8-7A1A-4D86-940B-67468D8F666E}"/>
               </a:ext>
             </a:extLst>
           </p:cNvPr>
@@ -3134,15 +3131,149 @@
           <a:lstStyle/>
           <a:p>
             <a:r>
-              <a:rPr lang="en-US" dirty="0" err="1"/>
+              <a:rPr lang="en-US" dirty="0">
+                <a:solidFill>
+                  <a:schemeClr val="bg2">
+                    <a:lumMod val="75000"/>
+                  </a:schemeClr>
+                </a:solidFill>
+              </a:rPr>
+              <a:t>Run </a:t>
+            </a:r>
+            <a:r>
+              <a:rPr lang="en-US" dirty="0" err="1">
+                <a:solidFill>
+                  <a:schemeClr val="bg2">
+                    <a:lumMod val="75000"/>
+                  </a:schemeClr>
+                </a:solidFill>
+              </a:rPr>
               <a:t>Jupyter</a:t>
             </a:r>
             <a:r>
-              <a:rPr lang="en-US" dirty="0"/>
-              <a:t> notebook</a:t>
-            </a:r>
-          </a:p>
-          <a:p>
+              <a:rPr lang="en-US" dirty="0">
+                <a:solidFill>
+                  <a:schemeClr val="bg2">
+                    <a:lumMod val="75000"/>
+                  </a:schemeClr>
+                </a:solidFill>
+              </a:rPr>
+              <a:t> notebook:</a:t>
+            </a:r>
+          </a:p>
+          <a:p>
+            <a:pPr lvl="1"/>
+            <a:r>
+              <a:rPr lang="en-US" dirty="0" err="1">
+                <a:solidFill>
+                  <a:schemeClr val="bg2">
+                    <a:lumMod val="75000"/>
+                  </a:schemeClr>
+                </a:solidFill>
+              </a:rPr>
+              <a:t>object_detection_tutorial.ipynb</a:t>
+            </a:r>
+            <a:endParaRPr lang="en-US" dirty="0">
+              <a:solidFill>
+                <a:schemeClr val="bg2">
+                  <a:lumMod val="75000"/>
+                </a:schemeClr>
+              </a:solidFill>
+            </a:endParaRPr>
+          </a:p>
+          <a:p>
+            <a:r>
+              <a:rPr lang="en-US" dirty="0">
+                <a:solidFill>
+                  <a:schemeClr val="bg2">
+                    <a:lumMod val="75000"/>
+                  </a:schemeClr>
+                </a:solidFill>
+              </a:rPr>
+              <a:t>Exercise:</a:t>
+            </a:r>
+          </a:p>
+          <a:p>
+            <a:pPr lvl="1"/>
+            <a:r>
+              <a:rPr lang="en-US" dirty="0">
+                <a:solidFill>
+                  <a:schemeClr val="bg2">
+                    <a:lumMod val="75000"/>
+                  </a:schemeClr>
+                </a:solidFill>
+              </a:rPr>
+              <a:t>Put some of your favorite images into </a:t>
+            </a:r>
+            <a:r>
+              <a:rPr lang="en-US" dirty="0" err="1">
+                <a:solidFill>
+                  <a:schemeClr val="bg2">
+                    <a:lumMod val="75000"/>
+                  </a:schemeClr>
+                </a:solidFill>
+              </a:rPr>
+              <a:t>test_images</a:t>
+            </a:r>
+            <a:r>
+              <a:rPr lang="en-US" dirty="0">
+                <a:solidFill>
+                  <a:schemeClr val="bg2">
+                    <a:lumMod val="75000"/>
+                  </a:schemeClr>
+                </a:solidFill>
+              </a:rPr>
+              <a:t> folder</a:t>
+            </a:r>
+          </a:p>
+          <a:p>
+            <a:pPr lvl="1"/>
+            <a:r>
+              <a:rPr lang="en-US" dirty="0">
+                <a:solidFill>
+                  <a:schemeClr val="bg2">
+                    <a:lumMod val="75000"/>
+                  </a:schemeClr>
+                </a:solidFill>
+              </a:rPr>
+              <a:t>Name them as image{}.jpg</a:t>
+            </a:r>
+          </a:p>
+          <a:p>
+            <a:pPr lvl="1"/>
+            <a:r>
+              <a:rPr lang="en-US" dirty="0">
+                <a:solidFill>
+                  <a:schemeClr val="bg2">
+                    <a:lumMod val="75000"/>
+                  </a:schemeClr>
+                </a:solidFill>
+              </a:rPr>
+              <a:t>Run the notebook again</a:t>
+            </a:r>
+          </a:p>
+          <a:p>
+            <a:r>
+              <a:rPr lang="en-US" dirty="0"/>
+              <a:t>Exercise:</a:t>
+            </a:r>
+          </a:p>
+          <a:p>
+            <a:pPr lvl="1"/>
+            <a:r>
+              <a:rPr lang="en-US" dirty="0"/>
+              <a:t>Use a different pretrained model</a:t>
+            </a:r>
+          </a:p>
+          <a:p>
+            <a:pPr lvl="1"/>
+            <a:r>
+              <a:rPr lang="en-US" dirty="0"/>
+              <a:t>Run the notebook again</a:t>
+            </a:r>
+          </a:p>
+          <a:p>
+            <a:pPr lvl="1"/>
             <a:endParaRPr lang="en-US" dirty="0"/>
           </a:p>
         </p:txBody>
@@ -3150,7 +3281,7 @@
     </p:spTree>
     <p:extLst>
       <p:ext uri="{BB962C8B-B14F-4D97-AF65-F5344CB8AC3E}">
-        <p14:creationId xmlns:p14="http://schemas.microsoft.com/office/powerpoint/2010/main" val="2468071800"/>
+        <p14:creationId xmlns:p14="http://schemas.microsoft.com/office/powerpoint/2010/main" val="1593692460"/>
       </p:ext>
     </p:extLst>
   </p:cSld>
@@ -3182,7 +3313,7 @@
           <p:cNvPr id="2" name="Title 1">
             <a:extLst>
               <a:ext uri="{FF2B5EF4-FFF2-40B4-BE49-F238E27FC236}">
-                <a16:creationId xmlns:a16="http://schemas.microsoft.com/office/drawing/2014/main" id="{848AAB63-207E-411B-B6C8-1BC8BCD88158}"/>
+                <a16:creationId xmlns:a16="http://schemas.microsoft.com/office/drawing/2014/main" id="{F45EAB2C-8B6C-4582-BE71-72A1344185DB}"/>
               </a:ext>
             </a:extLst>
           </p:cNvPr>
@@ -3200,8 +3331,13 @@
           <a:p>
             <a:r>
               <a:rPr lang="en-US" dirty="0"/>
-              <a:t>Create your own training samples</a:t>
-            </a:r>
+              <a:t>Detect a </a:t>
+            </a:r>
+            <a:r>
+              <a:rPr lang="en-US" altLang="zh-CN" dirty="0"/>
+              <a:t>traffic light</a:t>
+            </a:r>
+            <a:endParaRPr lang="en-US" dirty="0"/>
           </a:p>
         </p:txBody>
       </p:sp>
@@ -3210,7 +3346,7 @@
           <p:cNvPr id="3" name="Content Placeholder 2">
             <a:extLst>
               <a:ext uri="{FF2B5EF4-FFF2-40B4-BE49-F238E27FC236}">
-                <a16:creationId xmlns:a16="http://schemas.microsoft.com/office/drawing/2014/main" id="{1D066574-7C25-4FC6-AAC8-4310CD8FFEF6}"/>
+                <a16:creationId xmlns:a16="http://schemas.microsoft.com/office/drawing/2014/main" id="{F01497AD-727B-47B0-91E6-8617AA785657}"/>
               </a:ext>
             </a:extLst>
           </p:cNvPr>
@@ -3227,16 +3363,44 @@
           <a:lstStyle/>
           <a:p>
             <a:r>
-              <a:rPr lang="en-US" dirty="0"/>
-              <a:t>https://github.com/tzutalin/labelImg</a:t>
-            </a:r>
+              <a:rPr lang="en-US" dirty="0" err="1"/>
+              <a:t>Jupyter</a:t>
+            </a:r>
+            <a:r>
+              <a:rPr lang="en-US" dirty="0"/>
+              <a:t> notebook</a:t>
+            </a:r>
+          </a:p>
+          <a:p>
+            <a:pPr lvl="1"/>
+            <a:r>
+              <a:rPr lang="en-US" dirty="0"/>
+              <a:t>Output “Stop” when the traffic light is red</a:t>
+            </a:r>
+          </a:p>
+          <a:p>
+            <a:r>
+              <a:rPr lang="en-US" dirty="0"/>
+              <a:t>Exercise</a:t>
+            </a:r>
+          </a:p>
+          <a:p>
+            <a:pPr lvl="1"/>
+            <a:r>
+              <a:rPr lang="en-US" dirty="0"/>
+              <a:t>Output “GO” when the traffic light is green</a:t>
+            </a:r>
+          </a:p>
+          <a:p>
+            <a:pPr lvl="1"/>
+            <a:endParaRPr lang="en-US" dirty="0"/>
           </a:p>
         </p:txBody>
       </p:sp>
     </p:spTree>
     <p:extLst>
       <p:ext uri="{BB962C8B-B14F-4D97-AF65-F5344CB8AC3E}">
-        <p14:creationId xmlns:p14="http://schemas.microsoft.com/office/powerpoint/2010/main" val="4294361763"/>
+        <p14:creationId xmlns:p14="http://schemas.microsoft.com/office/powerpoint/2010/main" val="2468071800"/>
       </p:ext>
     </p:extLst>
   </p:cSld>
@@ -3268,7 +3432,7 @@
           <p:cNvPr id="2" name="Title 1">
             <a:extLst>
               <a:ext uri="{FF2B5EF4-FFF2-40B4-BE49-F238E27FC236}">
-                <a16:creationId xmlns:a16="http://schemas.microsoft.com/office/drawing/2014/main" id="{7CCAC708-FD76-4D87-88A5-CD37128228DC}"/>
+                <a16:creationId xmlns:a16="http://schemas.microsoft.com/office/drawing/2014/main" id="{848AAB63-207E-411B-B6C8-1BC8BCD88158}"/>
               </a:ext>
             </a:extLst>
           </p:cNvPr>
@@ -3286,7 +3450,7 @@
           <a:p>
             <a:r>
               <a:rPr lang="en-US" dirty="0"/>
-              <a:t>Next lecture</a:t>
+              <a:t>Create your own training samples</a:t>
             </a:r>
           </a:p>
         </p:txBody>
@@ -3296,7 +3460,7 @@
           <p:cNvPr id="3" name="Content Placeholder 2">
             <a:extLst>
               <a:ext uri="{FF2B5EF4-FFF2-40B4-BE49-F238E27FC236}">
-                <a16:creationId xmlns:a16="http://schemas.microsoft.com/office/drawing/2014/main" id="{3BDC04B2-641D-4634-BBED-E3EE50936B0C}"/>
+                <a16:creationId xmlns:a16="http://schemas.microsoft.com/office/drawing/2014/main" id="{1D066574-7C25-4FC6-AAC8-4310CD8FFEF6}"/>
               </a:ext>
             </a:extLst>
           </p:cNvPr>
@@ -3313,20 +3477,45 @@
           <a:lstStyle/>
           <a:p>
             <a:r>
-              <a:rPr lang="en-US" dirty="0"/>
-              <a:t>Train your own model</a:t>
-            </a:r>
-          </a:p>
-          <a:p>
-            <a:r>
-              <a:rPr lang="en-US" dirty="0"/>
-              <a:t>OpenCV video</a:t>
-            </a:r>
-          </a:p>
-          <a:p>
-            <a:r>
-              <a:rPr lang="en-US" dirty="0"/>
-              <a:t>OpenCV camera</a:t>
+              <a:rPr lang="en-US" dirty="0">
+                <a:hlinkClick r:id="rId2"/>
+              </a:rPr>
+              <a:t>https://github.com/tzutalin/labelImg</a:t>
+            </a:r>
+            <a:endParaRPr lang="en-US" dirty="0"/>
+          </a:p>
+          <a:p>
+            <a:r>
+              <a:rPr lang="en-US" dirty="0"/>
+              <a:t>Hotkeys:</a:t>
+            </a:r>
+          </a:p>
+          <a:p>
+            <a:pPr lvl="1"/>
+            <a:r>
+              <a:rPr lang="en-US" dirty="0"/>
+              <a:t>W: draw a region</a:t>
+            </a:r>
+          </a:p>
+          <a:p>
+            <a:pPr lvl="1"/>
+            <a:r>
+              <a:rPr lang="en-US" dirty="0"/>
+              <a:t>A: previous</a:t>
+            </a:r>
+          </a:p>
+          <a:p>
+            <a:pPr lvl="1"/>
+            <a:r>
+              <a:rPr lang="en-US" dirty="0"/>
+              <a:t>D: next</a:t>
+            </a:r>
+          </a:p>
+          <a:p>
+            <a:pPr lvl="1"/>
+            <a:r>
+              <a:rPr lang="en-US" dirty="0"/>
+              <a:t>Save : Ctrl + S</a:t>
             </a:r>
           </a:p>
         </p:txBody>
@@ -3334,7 +3523,7 @@
     </p:spTree>
     <p:extLst>
       <p:ext uri="{BB962C8B-B14F-4D97-AF65-F5344CB8AC3E}">
-        <p14:creationId xmlns:p14="http://schemas.microsoft.com/office/powerpoint/2010/main" val="2263133118"/>
+        <p14:creationId xmlns:p14="http://schemas.microsoft.com/office/powerpoint/2010/main" val="4294361763"/>
       </p:ext>
     </p:extLst>
   </p:cSld>
@@ -3366,7 +3555,7 @@
           <p:cNvPr id="2" name="Title 1">
             <a:extLst>
               <a:ext uri="{FF2B5EF4-FFF2-40B4-BE49-F238E27FC236}">
-                <a16:creationId xmlns:a16="http://schemas.microsoft.com/office/drawing/2014/main" id="{690061B0-AAB6-4CF9-A3AE-6596B9F84FD7}"/>
+                <a16:creationId xmlns:a16="http://schemas.microsoft.com/office/drawing/2014/main" id="{3A8A3511-ECB9-448B-A07E-FEDC21DF2CAF}"/>
               </a:ext>
             </a:extLst>
           </p:cNvPr>
@@ -3382,7 +3571,10 @@
           <a:bodyPr/>
           <a:lstStyle/>
           <a:p>
-            <a:endParaRPr lang="en-US"/>
+            <a:r>
+              <a:rPr lang="en-US" dirty="0"/>
+              <a:t>Homework</a:t>
+            </a:r>
           </a:p>
         </p:txBody>
       </p:sp>
@@ -3391,7 +3583,7 @@
           <p:cNvPr id="3" name="Content Placeholder 2">
             <a:extLst>
               <a:ext uri="{FF2B5EF4-FFF2-40B4-BE49-F238E27FC236}">
-                <a16:creationId xmlns:a16="http://schemas.microsoft.com/office/drawing/2014/main" id="{B4DF1C92-AACF-42F9-B52C-D0FA227AF0C7}"/>
+                <a16:creationId xmlns:a16="http://schemas.microsoft.com/office/drawing/2014/main" id="{A272664D-A143-46A8-B518-B59917B54699}"/>
               </a:ext>
             </a:extLst>
           </p:cNvPr>
@@ -3407,14 +3599,17 @@
           <a:bodyPr/>
           <a:lstStyle/>
           <a:p>
-            <a:endParaRPr lang="en-US"/>
+            <a:r>
+              <a:rPr lang="en-US" dirty="0"/>
+              <a:t>Generate some training samples for the next lecture</a:t>
+            </a:r>
           </a:p>
         </p:txBody>
       </p:sp>
     </p:spTree>
     <p:extLst>
       <p:ext uri="{BB962C8B-B14F-4D97-AF65-F5344CB8AC3E}">
-        <p14:creationId xmlns:p14="http://schemas.microsoft.com/office/powerpoint/2010/main" val="2794420764"/>
+        <p14:creationId xmlns:p14="http://schemas.microsoft.com/office/powerpoint/2010/main" val="348923770"/>
       </p:ext>
     </p:extLst>
   </p:cSld>
@@ -3446,7 +3641,7 @@
           <p:cNvPr id="2" name="Title 1">
             <a:extLst>
               <a:ext uri="{FF2B5EF4-FFF2-40B4-BE49-F238E27FC236}">
-                <a16:creationId xmlns:a16="http://schemas.microsoft.com/office/drawing/2014/main" id="{4A593239-0538-4658-9AFC-8C6C299A9C47}"/>
+                <a16:creationId xmlns:a16="http://schemas.microsoft.com/office/drawing/2014/main" id="{7CCAC708-FD76-4D87-88A5-CD37128228DC}"/>
               </a:ext>
             </a:extLst>
           </p:cNvPr>
@@ -3462,7 +3657,10 @@
           <a:bodyPr/>
           <a:lstStyle/>
           <a:p>
-            <a:endParaRPr lang="en-US"/>
+            <a:r>
+              <a:rPr lang="en-US" dirty="0"/>
+              <a:t>Next lecture</a:t>
+            </a:r>
           </a:p>
         </p:txBody>
       </p:sp>
@@ -3471,7 +3669,7 @@
           <p:cNvPr id="3" name="Content Placeholder 2">
             <a:extLst>
               <a:ext uri="{FF2B5EF4-FFF2-40B4-BE49-F238E27FC236}">
-                <a16:creationId xmlns:a16="http://schemas.microsoft.com/office/drawing/2014/main" id="{960C1DB5-B796-4BA2-9F39-42656FACD009}"/>
+                <a16:creationId xmlns:a16="http://schemas.microsoft.com/office/drawing/2014/main" id="{3BDC04B2-641D-4634-BBED-E3EE50936B0C}"/>
               </a:ext>
             </a:extLst>
           </p:cNvPr>
@@ -3487,14 +3685,29 @@
           <a:bodyPr/>
           <a:lstStyle/>
           <a:p>
-            <a:endParaRPr lang="en-US"/>
+            <a:r>
+              <a:rPr lang="en-US" dirty="0"/>
+              <a:t>Train your own model</a:t>
+            </a:r>
+          </a:p>
+          <a:p>
+            <a:r>
+              <a:rPr lang="en-US" dirty="0"/>
+              <a:t>OpenCV video</a:t>
+            </a:r>
+          </a:p>
+          <a:p>
+            <a:r>
+              <a:rPr lang="en-US" dirty="0"/>
+              <a:t>OpenCV camera</a:t>
+            </a:r>
           </a:p>
         </p:txBody>
       </p:sp>
     </p:spTree>
     <p:extLst>
       <p:ext uri="{BB962C8B-B14F-4D97-AF65-F5344CB8AC3E}">
-        <p14:creationId xmlns:p14="http://schemas.microsoft.com/office/powerpoint/2010/main" val="2724280993"/>
+        <p14:creationId xmlns:p14="http://schemas.microsoft.com/office/powerpoint/2010/main" val="2263133118"/>
       </p:ext>
     </p:extLst>
   </p:cSld>
@@ -3526,7 +3739,7 @@
           <p:cNvPr id="2" name="Title 1">
             <a:extLst>
               <a:ext uri="{FF2B5EF4-FFF2-40B4-BE49-F238E27FC236}">
-                <a16:creationId xmlns:a16="http://schemas.microsoft.com/office/drawing/2014/main" id="{EA40FA76-EFBF-4AD4-9C01-5763F491545C}"/>
+                <a16:creationId xmlns:a16="http://schemas.microsoft.com/office/drawing/2014/main" id="{690061B0-AAB6-4CF9-A3AE-6596B9F84FD7}"/>
               </a:ext>
             </a:extLst>
           </p:cNvPr>
@@ -3551,7 +3764,7 @@
           <p:cNvPr id="3" name="Content Placeholder 2">
             <a:extLst>
               <a:ext uri="{FF2B5EF4-FFF2-40B4-BE49-F238E27FC236}">
-                <a16:creationId xmlns:a16="http://schemas.microsoft.com/office/drawing/2014/main" id="{F206A80F-2714-4A9A-B284-06822276A83A}"/>
+                <a16:creationId xmlns:a16="http://schemas.microsoft.com/office/drawing/2014/main" id="{B4DF1C92-AACF-42F9-B52C-D0FA227AF0C7}"/>
               </a:ext>
             </a:extLst>
           </p:cNvPr>
@@ -3574,7 +3787,7 @@
     </p:spTree>
     <p:extLst>
       <p:ext uri="{BB962C8B-B14F-4D97-AF65-F5344CB8AC3E}">
-        <p14:creationId xmlns:p14="http://schemas.microsoft.com/office/powerpoint/2010/main" val="1956081158"/>
+        <p14:creationId xmlns:p14="http://schemas.microsoft.com/office/powerpoint/2010/main" val="2794420764"/>
       </p:ext>
     </p:extLst>
   </p:cSld>
@@ -3606,7 +3819,7 @@
           <p:cNvPr id="2" name="Title 1">
             <a:extLst>
               <a:ext uri="{FF2B5EF4-FFF2-40B4-BE49-F238E27FC236}">
-                <a16:creationId xmlns:a16="http://schemas.microsoft.com/office/drawing/2014/main" id="{FD728B8E-BCF9-43D6-B597-59C5EF2A6C26}"/>
+                <a16:creationId xmlns:a16="http://schemas.microsoft.com/office/drawing/2014/main" id="{4A593239-0538-4658-9AFC-8C6C299A9C47}"/>
               </a:ext>
             </a:extLst>
           </p:cNvPr>
@@ -3631,7 +3844,7 @@
           <p:cNvPr id="3" name="Content Placeholder 2">
             <a:extLst>
               <a:ext uri="{FF2B5EF4-FFF2-40B4-BE49-F238E27FC236}">
-                <a16:creationId xmlns:a16="http://schemas.microsoft.com/office/drawing/2014/main" id="{3533CB77-64C3-4FD6-8050-17A33C642D31}"/>
+                <a16:creationId xmlns:a16="http://schemas.microsoft.com/office/drawing/2014/main" id="{960C1DB5-B796-4BA2-9F39-42656FACD009}"/>
               </a:ext>
             </a:extLst>
           </p:cNvPr>
@@ -3654,7 +3867,7 @@
     </p:spTree>
     <p:extLst>
       <p:ext uri="{BB962C8B-B14F-4D97-AF65-F5344CB8AC3E}">
-        <p14:creationId xmlns:p14="http://schemas.microsoft.com/office/powerpoint/2010/main" val="3310418908"/>
+        <p14:creationId xmlns:p14="http://schemas.microsoft.com/office/powerpoint/2010/main" val="2724280993"/>
       </p:ext>
     </p:extLst>
   </p:cSld>
@@ -3686,7 +3899,7 @@
           <p:cNvPr id="2" name="Title 1">
             <a:extLst>
               <a:ext uri="{FF2B5EF4-FFF2-40B4-BE49-F238E27FC236}">
-                <a16:creationId xmlns:a16="http://schemas.microsoft.com/office/drawing/2014/main" id="{963685FD-AF24-4D26-9FF4-DF44D8E422C7}"/>
+                <a16:creationId xmlns:a16="http://schemas.microsoft.com/office/drawing/2014/main" id="{EA40FA76-EFBF-4AD4-9C01-5763F491545C}"/>
               </a:ext>
             </a:extLst>
           </p:cNvPr>
@@ -3711,7 +3924,7 @@
           <p:cNvPr id="3" name="Content Placeholder 2">
             <a:extLst>
               <a:ext uri="{FF2B5EF4-FFF2-40B4-BE49-F238E27FC236}">
-                <a16:creationId xmlns:a16="http://schemas.microsoft.com/office/drawing/2014/main" id="{C40D1667-E393-40E3-B9C2-A8898E91E8FB}"/>
+                <a16:creationId xmlns:a16="http://schemas.microsoft.com/office/drawing/2014/main" id="{F206A80F-2714-4A9A-B284-06822276A83A}"/>
               </a:ext>
             </a:extLst>
           </p:cNvPr>
@@ -3734,7 +3947,7 @@
     </p:spTree>
     <p:extLst>
       <p:ext uri="{BB962C8B-B14F-4D97-AF65-F5344CB8AC3E}">
-        <p14:creationId xmlns:p14="http://schemas.microsoft.com/office/powerpoint/2010/main" val="141375469"/>
+        <p14:creationId xmlns:p14="http://schemas.microsoft.com/office/powerpoint/2010/main" val="1956081158"/>
       </p:ext>
     </p:extLst>
   </p:cSld>
@@ -3766,7 +3979,7 @@
           <p:cNvPr id="2" name="Title 1">
             <a:extLst>
               <a:ext uri="{FF2B5EF4-FFF2-40B4-BE49-F238E27FC236}">
-                <a16:creationId xmlns:a16="http://schemas.microsoft.com/office/drawing/2014/main" id="{3AFC1132-58D8-4066-B1FF-7E5F3FB653A4}"/>
+                <a16:creationId xmlns:a16="http://schemas.microsoft.com/office/drawing/2014/main" id="{FD728B8E-BCF9-43D6-B597-59C5EF2A6C26}"/>
               </a:ext>
             </a:extLst>
           </p:cNvPr>
@@ -3791,7 +4004,7 @@
           <p:cNvPr id="3" name="Content Placeholder 2">
             <a:extLst>
               <a:ext uri="{FF2B5EF4-FFF2-40B4-BE49-F238E27FC236}">
-                <a16:creationId xmlns:a16="http://schemas.microsoft.com/office/drawing/2014/main" id="{3C584A2D-05EE-43BB-9294-7CAF9E34D9AB}"/>
+                <a16:creationId xmlns:a16="http://schemas.microsoft.com/office/drawing/2014/main" id="{3533CB77-64C3-4FD6-8050-17A33C642D31}"/>
               </a:ext>
             </a:extLst>
           </p:cNvPr>
@@ -3814,7 +4027,87 @@
     </p:spTree>
     <p:extLst>
       <p:ext uri="{BB962C8B-B14F-4D97-AF65-F5344CB8AC3E}">
-        <p14:creationId xmlns:p14="http://schemas.microsoft.com/office/powerpoint/2010/main" val="2261245798"/>
+        <p14:creationId xmlns:p14="http://schemas.microsoft.com/office/powerpoint/2010/main" val="3310418908"/>
+      </p:ext>
+    </p:extLst>
+  </p:cSld>
+  <p:clrMapOvr>
+    <a:masterClrMapping/>
+  </p:clrMapOvr>
+</p:sld>
+</file>
+
+<file path=ppt/slides/slide19.xml><?xml version="1.0" encoding="utf-8"?>
+<p:sld xmlns:a="http://schemas.openxmlformats.org/drawingml/2006/main" xmlns:r="http://schemas.openxmlformats.org/officeDocument/2006/relationships" xmlns:p="http://schemas.openxmlformats.org/presentationml/2006/main">
+  <p:cSld>
+    <p:spTree>
+      <p:nvGrpSpPr>
+        <p:cNvPr id="1" name=""/>
+        <p:cNvGrpSpPr/>
+        <p:nvPr/>
+      </p:nvGrpSpPr>
+      <p:grpSpPr>
+        <a:xfrm>
+          <a:off x="0" y="0"/>
+          <a:ext cx="0" cy="0"/>
+          <a:chOff x="0" y="0"/>
+          <a:chExt cx="0" cy="0"/>
+        </a:xfrm>
+      </p:grpSpPr>
+      <p:sp>
+        <p:nvSpPr>
+          <p:cNvPr id="2" name="Title 1">
+            <a:extLst>
+              <a:ext uri="{FF2B5EF4-FFF2-40B4-BE49-F238E27FC236}">
+                <a16:creationId xmlns:a16="http://schemas.microsoft.com/office/drawing/2014/main" id="{963685FD-AF24-4D26-9FF4-DF44D8E422C7}"/>
+              </a:ext>
+            </a:extLst>
+          </p:cNvPr>
+          <p:cNvSpPr>
+            <a:spLocks noGrp="1"/>
+          </p:cNvSpPr>
+          <p:nvPr>
+            <p:ph type="title"/>
+          </p:nvPr>
+        </p:nvSpPr>
+        <p:spPr/>
+        <p:txBody>
+          <a:bodyPr/>
+          <a:lstStyle/>
+          <a:p>
+            <a:endParaRPr lang="en-US"/>
+          </a:p>
+        </p:txBody>
+      </p:sp>
+      <p:sp>
+        <p:nvSpPr>
+          <p:cNvPr id="3" name="Content Placeholder 2">
+            <a:extLst>
+              <a:ext uri="{FF2B5EF4-FFF2-40B4-BE49-F238E27FC236}">
+                <a16:creationId xmlns:a16="http://schemas.microsoft.com/office/drawing/2014/main" id="{C40D1667-E393-40E3-B9C2-A8898E91E8FB}"/>
+              </a:ext>
+            </a:extLst>
+          </p:cNvPr>
+          <p:cNvSpPr>
+            <a:spLocks noGrp="1"/>
+          </p:cNvSpPr>
+          <p:nvPr>
+            <p:ph idx="1"/>
+          </p:nvPr>
+        </p:nvSpPr>
+        <p:spPr/>
+        <p:txBody>
+          <a:bodyPr/>
+          <a:lstStyle/>
+          <a:p>
+            <a:endParaRPr lang="en-US"/>
+          </a:p>
+        </p:txBody>
+      </p:sp>
+    </p:spTree>
+    <p:extLst>
+      <p:ext uri="{BB962C8B-B14F-4D97-AF65-F5344CB8AC3E}">
+        <p14:creationId xmlns:p14="http://schemas.microsoft.com/office/powerpoint/2010/main" val="141375469"/>
       </p:ext>
     </p:extLst>
   </p:cSld>
@@ -3964,6 +4257,86 @@
     <p:extLst>
       <p:ext uri="{BB962C8B-B14F-4D97-AF65-F5344CB8AC3E}">
         <p14:creationId xmlns:p14="http://schemas.microsoft.com/office/powerpoint/2010/main" val="2292129006"/>
+      </p:ext>
+    </p:extLst>
+  </p:cSld>
+  <p:clrMapOvr>
+    <a:masterClrMapping/>
+  </p:clrMapOvr>
+</p:sld>
+</file>
+
+<file path=ppt/slides/slide20.xml><?xml version="1.0" encoding="utf-8"?>
+<p:sld xmlns:a="http://schemas.openxmlformats.org/drawingml/2006/main" xmlns:r="http://schemas.openxmlformats.org/officeDocument/2006/relationships" xmlns:p="http://schemas.openxmlformats.org/presentationml/2006/main">
+  <p:cSld>
+    <p:spTree>
+      <p:nvGrpSpPr>
+        <p:cNvPr id="1" name=""/>
+        <p:cNvGrpSpPr/>
+        <p:nvPr/>
+      </p:nvGrpSpPr>
+      <p:grpSpPr>
+        <a:xfrm>
+          <a:off x="0" y="0"/>
+          <a:ext cx="0" cy="0"/>
+          <a:chOff x="0" y="0"/>
+          <a:chExt cx="0" cy="0"/>
+        </a:xfrm>
+      </p:grpSpPr>
+      <p:sp>
+        <p:nvSpPr>
+          <p:cNvPr id="2" name="Title 1">
+            <a:extLst>
+              <a:ext uri="{FF2B5EF4-FFF2-40B4-BE49-F238E27FC236}">
+                <a16:creationId xmlns:a16="http://schemas.microsoft.com/office/drawing/2014/main" id="{3AFC1132-58D8-4066-B1FF-7E5F3FB653A4}"/>
+              </a:ext>
+            </a:extLst>
+          </p:cNvPr>
+          <p:cNvSpPr>
+            <a:spLocks noGrp="1"/>
+          </p:cNvSpPr>
+          <p:nvPr>
+            <p:ph type="title"/>
+          </p:nvPr>
+        </p:nvSpPr>
+        <p:spPr/>
+        <p:txBody>
+          <a:bodyPr/>
+          <a:lstStyle/>
+          <a:p>
+            <a:endParaRPr lang="en-US"/>
+          </a:p>
+        </p:txBody>
+      </p:sp>
+      <p:sp>
+        <p:nvSpPr>
+          <p:cNvPr id="3" name="Content Placeholder 2">
+            <a:extLst>
+              <a:ext uri="{FF2B5EF4-FFF2-40B4-BE49-F238E27FC236}">
+                <a16:creationId xmlns:a16="http://schemas.microsoft.com/office/drawing/2014/main" id="{3C584A2D-05EE-43BB-9294-7CAF9E34D9AB}"/>
+              </a:ext>
+            </a:extLst>
+          </p:cNvPr>
+          <p:cNvSpPr>
+            <a:spLocks noGrp="1"/>
+          </p:cNvSpPr>
+          <p:nvPr>
+            <p:ph idx="1"/>
+          </p:nvPr>
+        </p:nvSpPr>
+        <p:spPr/>
+        <p:txBody>
+          <a:bodyPr/>
+          <a:lstStyle/>
+          <a:p>
+            <a:endParaRPr lang="en-US"/>
+          </a:p>
+        </p:txBody>
+      </p:sp>
+    </p:spTree>
+    <p:extLst>
+      <p:ext uri="{BB962C8B-B14F-4D97-AF65-F5344CB8AC3E}">
+        <p14:creationId xmlns:p14="http://schemas.microsoft.com/office/powerpoint/2010/main" val="2261245798"/>
       </p:ext>
     </p:extLst>
   </p:cSld>
@@ -4392,7 +4765,7 @@
           <p:cNvPr id="2" name="Title 1">
             <a:extLst>
               <a:ext uri="{FF2B5EF4-FFF2-40B4-BE49-F238E27FC236}">
-                <a16:creationId xmlns:a16="http://schemas.microsoft.com/office/drawing/2014/main" id="{A6ACAF4F-5546-49E1-A076-3E02BA52C542}"/>
+                <a16:creationId xmlns:a16="http://schemas.microsoft.com/office/drawing/2014/main" id="{96A1688E-4220-4EF8-BAFE-E511F5F39E6F}"/>
               </a:ext>
             </a:extLst>
           </p:cNvPr>
@@ -4410,8 +4783,13 @@
           <a:p>
             <a:r>
               <a:rPr lang="en-US" dirty="0"/>
+              <a:t>Installation </a:t>
+            </a:r>
+            <a:r>
+              <a:rPr lang="en-US" altLang="zh-CN" dirty="0"/>
               <a:t>TensorFlow</a:t>
             </a:r>
+            <a:endParaRPr lang="en-US" dirty="0"/>
           </a:p>
         </p:txBody>
       </p:sp>
@@ -4420,7 +4798,7 @@
           <p:cNvPr id="3" name="Content Placeholder 2">
             <a:extLst>
               <a:ext uri="{FF2B5EF4-FFF2-40B4-BE49-F238E27FC236}">
-                <a16:creationId xmlns:a16="http://schemas.microsoft.com/office/drawing/2014/main" id="{48A0251A-1206-498A-A7DB-421F269D515B}"/>
+                <a16:creationId xmlns:a16="http://schemas.microsoft.com/office/drawing/2014/main" id="{74A14029-E87B-409E-909C-383E4647B25F}"/>
               </a:ext>
             </a:extLst>
           </p:cNvPr>
@@ -4438,15 +4816,131 @@
           <a:p>
             <a:r>
               <a:rPr lang="en-US" dirty="0"/>
-              <a:t>Initial release‎: ‎November 9, 2015</a:t>
-            </a:r>
+              <a:t>Download and install Python 3 (anaconda) </a:t>
+            </a:r>
+          </a:p>
+          <a:p>
+            <a:pPr lvl="1"/>
+            <a:r>
+              <a:rPr lang="en-US" dirty="0">
+                <a:hlinkClick r:id="rId2"/>
+              </a:rPr>
+              <a:t>https://www.anaconda.com/download/</a:t>
+            </a:r>
+            <a:r>
+              <a:rPr lang="en-US" dirty="0"/>
+              <a:t> </a:t>
+            </a:r>
+          </a:p>
+          <a:p>
+            <a:pPr lvl="1"/>
+            <a:r>
+              <a:rPr lang="en-US" dirty="0"/>
+              <a:t>~30 min</a:t>
+            </a:r>
+          </a:p>
+          <a:p>
+            <a:pPr lvl="1"/>
+            <a:r>
+              <a:rPr lang="en-US" dirty="0"/>
+              <a:t>Open anaconda prompt</a:t>
+            </a:r>
+          </a:p>
+          <a:p>
+            <a:r>
+              <a:rPr lang="en-US" dirty="0"/>
+              <a:t>Install TensorFlow</a:t>
+            </a:r>
+          </a:p>
+          <a:p>
+            <a:pPr lvl="1"/>
+            <a:r>
+              <a:rPr lang="en-US" dirty="0"/>
+              <a:t>GPU version:</a:t>
+            </a:r>
+          </a:p>
+          <a:p>
+            <a:pPr lvl="2"/>
+            <a:r>
+              <a:rPr lang="en-US" dirty="0"/>
+              <a:t>CUDA Toolkit &amp; </a:t>
+            </a:r>
+            <a:r>
+              <a:rPr lang="en-US" dirty="0" err="1"/>
+              <a:t>cuDNN</a:t>
+            </a:r>
+            <a:r>
+              <a:rPr lang="en-US" dirty="0"/>
+              <a:t> </a:t>
+            </a:r>
+          </a:p>
+          <a:p>
+            <a:pPr lvl="2"/>
+            <a:r>
+              <a:rPr lang="en-US" dirty="0" err="1"/>
+              <a:t>conda</a:t>
+            </a:r>
+            <a:r>
+              <a:rPr lang="en-US" dirty="0"/>
+              <a:t> install -c anaconda </a:t>
+            </a:r>
+            <a:r>
+              <a:rPr lang="en-US" dirty="0" err="1"/>
+              <a:t>tensorflow-gpu</a:t>
+            </a:r>
+            <a:r>
+              <a:rPr lang="en-US" dirty="0"/>
+              <a:t> </a:t>
+            </a:r>
+          </a:p>
+          <a:p>
+            <a:pPr lvl="1"/>
+            <a:r>
+              <a:rPr lang="en-US" dirty="0"/>
+              <a:t>CPU version</a:t>
+            </a:r>
+          </a:p>
+          <a:p>
+            <a:pPr lvl="2"/>
+            <a:r>
+              <a:rPr lang="en-US" dirty="0" err="1"/>
+              <a:t>conda</a:t>
+            </a:r>
+            <a:r>
+              <a:rPr lang="en-US" dirty="0"/>
+              <a:t> install -c </a:t>
+            </a:r>
+            <a:r>
+              <a:rPr lang="en-US" dirty="0" err="1"/>
+              <a:t>conda</a:t>
+            </a:r>
+            <a:r>
+              <a:rPr lang="en-US" dirty="0"/>
+              <a:t>-forge </a:t>
+            </a:r>
+            <a:r>
+              <a:rPr lang="en-US" dirty="0" err="1"/>
+              <a:t>tensorflow</a:t>
+            </a:r>
+            <a:r>
+              <a:rPr lang="en-US" dirty="0"/>
+              <a:t> </a:t>
+            </a:r>
+          </a:p>
+          <a:p>
+            <a:pPr lvl="2"/>
+            <a:endParaRPr lang="en-US" dirty="0"/>
+          </a:p>
+          <a:p>
+            <a:pPr lvl="1"/>
+            <a:endParaRPr lang="en-US" dirty="0"/>
           </a:p>
         </p:txBody>
       </p:sp>
     </p:spTree>
     <p:extLst>
       <p:ext uri="{BB962C8B-B14F-4D97-AF65-F5344CB8AC3E}">
-        <p14:creationId xmlns:p14="http://schemas.microsoft.com/office/powerpoint/2010/main" val="2649561430"/>
+        <p14:creationId xmlns:p14="http://schemas.microsoft.com/office/powerpoint/2010/main" val="1520502057"/>
       </p:ext>
     </p:extLst>
   </p:cSld>
@@ -4478,7 +4972,7 @@
           <p:cNvPr id="2" name="Title 1">
             <a:extLst>
               <a:ext uri="{FF2B5EF4-FFF2-40B4-BE49-F238E27FC236}">
-                <a16:creationId xmlns:a16="http://schemas.microsoft.com/office/drawing/2014/main" id="{96A1688E-4220-4EF8-BAFE-E511F5F39E6F}"/>
+                <a16:creationId xmlns:a16="http://schemas.microsoft.com/office/drawing/2014/main" id="{32CFE109-3DBD-4CF9-B318-635497881F62}"/>
               </a:ext>
             </a:extLst>
           </p:cNvPr>
@@ -4496,7 +4990,7 @@
           <a:p>
             <a:r>
               <a:rPr lang="en-US" dirty="0"/>
-              <a:t>Installation (Windows)</a:t>
+              <a:t>Test TensorFlow</a:t>
             </a:r>
           </a:p>
         </p:txBody>
@@ -4506,7 +5000,7 @@
           <p:cNvPr id="3" name="Content Placeholder 2">
             <a:extLst>
               <a:ext uri="{FF2B5EF4-FFF2-40B4-BE49-F238E27FC236}">
-                <a16:creationId xmlns:a16="http://schemas.microsoft.com/office/drawing/2014/main" id="{74A14029-E87B-409E-909C-383E4647B25F}"/>
+                <a16:creationId xmlns:a16="http://schemas.microsoft.com/office/drawing/2014/main" id="{CE30D2A7-C8DF-4010-8D2E-D9902668C571}"/>
               </a:ext>
             </a:extLst>
           </p:cNvPr>
@@ -4524,77 +5018,69 @@
           <a:p>
             <a:r>
               <a:rPr lang="en-US" dirty="0"/>
-              <a:t>Download and install Python 3 (anaconda) </a:t>
-            </a:r>
-          </a:p>
-          <a:p>
-            <a:pPr lvl="1"/>
-            <a:r>
-              <a:rPr lang="en-US" dirty="0">
-                <a:hlinkClick r:id="rId2"/>
-              </a:rPr>
-              <a:t>https://www.anaconda.com/download/</a:t>
-            </a:r>
-            <a:r>
-              <a:rPr lang="en-US" dirty="0"/>
-              <a:t> </a:t>
-            </a:r>
-          </a:p>
-          <a:p>
-            <a:pPr lvl="1"/>
-            <a:r>
-              <a:rPr lang="en-US" dirty="0"/>
-              <a:t>~30 min</a:t>
-            </a:r>
-          </a:p>
-          <a:p>
-            <a:pPr lvl="1"/>
-            <a:r>
-              <a:rPr lang="en-US" dirty="0"/>
-              <a:t>Open anaconda prompt</a:t>
-            </a:r>
-          </a:p>
-          <a:p>
-            <a:r>
-              <a:rPr lang="en-US" dirty="0"/>
-              <a:t>Install TensorFlow</a:t>
-            </a:r>
-          </a:p>
-          <a:p>
-            <a:pPr lvl="1"/>
-            <a:r>
-              <a:rPr lang="en-US" dirty="0"/>
-              <a:t>GPU version:</a:t>
-            </a:r>
-          </a:p>
-          <a:p>
-            <a:pPr lvl="2"/>
-            <a:r>
-              <a:rPr lang="en-US" dirty="0"/>
-              <a:t>CUDA Toolkit &amp; </a:t>
+              <a:t>import </a:t>
             </a:r>
             <a:r>
               <a:rPr lang="en-US" dirty="0" err="1"/>
-              <a:t>cuDNN</a:t>
-            </a:r>
-            <a:r>
-              <a:rPr lang="en-US" dirty="0"/>
-              <a:t> ()</a:t>
-            </a:r>
-          </a:p>
-          <a:p>
-            <a:pPr lvl="1"/>
-            <a:r>
-              <a:rPr lang="en-US" dirty="0"/>
-              <a:t>CPU version</a:t>
-            </a:r>
-          </a:p>
-          <a:p>
-            <a:pPr lvl="2"/>
+              <a:t>tensorflow</a:t>
+            </a:r>
+            <a:r>
+              <a:rPr lang="en-US" dirty="0"/>
+              <a:t> as </a:t>
+            </a:r>
+            <a:r>
+              <a:rPr lang="en-US" dirty="0" err="1"/>
+              <a:t>tf</a:t>
+            </a:r>
             <a:endParaRPr lang="en-US" dirty="0"/>
           </a:p>
           <a:p>
-            <a:pPr lvl="1"/>
+            <a:r>
+              <a:rPr lang="en-US" dirty="0"/>
+              <a:t>hello = </a:t>
+            </a:r>
+            <a:r>
+              <a:rPr lang="en-US" dirty="0" err="1"/>
+              <a:t>tf.constant</a:t>
+            </a:r>
+            <a:r>
+              <a:rPr lang="en-US" dirty="0"/>
+              <a:t>('Hello, TensorFlow!')</a:t>
+            </a:r>
+          </a:p>
+          <a:p>
+            <a:r>
+              <a:rPr lang="en-US" dirty="0" err="1"/>
+              <a:t>sess</a:t>
+            </a:r>
+            <a:r>
+              <a:rPr lang="en-US" dirty="0"/>
+              <a:t> = </a:t>
+            </a:r>
+            <a:r>
+              <a:rPr lang="en-US" dirty="0" err="1"/>
+              <a:t>tf.Session</a:t>
+            </a:r>
+            <a:r>
+              <a:rPr lang="en-US" dirty="0"/>
+              <a:t>()</a:t>
+            </a:r>
+          </a:p>
+          <a:p>
+            <a:r>
+              <a:rPr lang="en-US" dirty="0"/>
+              <a:t>print(</a:t>
+            </a:r>
+            <a:r>
+              <a:rPr lang="en-US" dirty="0" err="1"/>
+              <a:t>sess.run</a:t>
+            </a:r>
+            <a:r>
+              <a:rPr lang="en-US" dirty="0"/>
+              <a:t>(hello))</a:t>
+            </a:r>
+          </a:p>
+          <a:p>
             <a:endParaRPr lang="en-US" dirty="0"/>
           </a:p>
         </p:txBody>
@@ -4602,7 +5088,7 @@
     </p:spTree>
     <p:extLst>
       <p:ext uri="{BB962C8B-B14F-4D97-AF65-F5344CB8AC3E}">
-        <p14:creationId xmlns:p14="http://schemas.microsoft.com/office/powerpoint/2010/main" val="1520502057"/>
+        <p14:creationId xmlns:p14="http://schemas.microsoft.com/office/powerpoint/2010/main" val="570939182"/>
       </p:ext>
     </p:extLst>
   </p:cSld>
@@ -4634,7 +5120,7 @@
           <p:cNvPr id="2" name="Title 1">
             <a:extLst>
               <a:ext uri="{FF2B5EF4-FFF2-40B4-BE49-F238E27FC236}">
-                <a16:creationId xmlns:a16="http://schemas.microsoft.com/office/drawing/2014/main" id="{32CFE109-3DBD-4CF9-B318-635497881F62}"/>
+                <a16:creationId xmlns:a16="http://schemas.microsoft.com/office/drawing/2014/main" id="{F156DEFE-713C-4A6D-90B8-8B520797A0B8}"/>
               </a:ext>
             </a:extLst>
           </p:cNvPr>
@@ -4652,7 +5138,7 @@
           <a:p>
             <a:r>
               <a:rPr lang="en-US" dirty="0"/>
-              <a:t>Test TensorFlow</a:t>
+              <a:t>Install TensorFlow Object Detection API</a:t>
             </a:r>
           </a:p>
         </p:txBody>
@@ -4662,7 +5148,7 @@
           <p:cNvPr id="3" name="Content Placeholder 2">
             <a:extLst>
               <a:ext uri="{FF2B5EF4-FFF2-40B4-BE49-F238E27FC236}">
-                <a16:creationId xmlns:a16="http://schemas.microsoft.com/office/drawing/2014/main" id="{CE30D2A7-C8DF-4010-8D2E-D9902668C571}"/>
+                <a16:creationId xmlns:a16="http://schemas.microsoft.com/office/drawing/2014/main" id="{D975E8AA-4951-4445-BD57-07F0C28D57DC}"/>
               </a:ext>
             </a:extLst>
           </p:cNvPr>
@@ -4673,84 +5159,175 @@
             <p:ph idx="1"/>
           </p:nvPr>
         </p:nvSpPr>
-        <p:spPr/>
-        <p:txBody>
-          <a:bodyPr/>
-          <a:lstStyle/>
-          <a:p>
-            <a:r>
-              <a:rPr lang="en-US" dirty="0"/>
-              <a:t>import </a:t>
-            </a:r>
+        <p:spPr>
+          <a:xfrm>
+            <a:off x="628650" y="1825624"/>
+            <a:ext cx="7886700" cy="4776512"/>
+          </a:xfrm>
+        </p:spPr>
+        <p:txBody>
+          <a:bodyPr>
+            <a:normAutofit/>
+          </a:bodyPr>
+          <a:lstStyle/>
+          <a:p>
+            <a:r>
+              <a:rPr lang="en-US" dirty="0"/>
+              <a:t>Download (~5min) </a:t>
+            </a:r>
+            <a:r>
+              <a:rPr lang="en-US" dirty="0">
+                <a:hlinkClick r:id="rId2"/>
+              </a:rPr>
+              <a:t>https://github.com/tensorflow/models.git</a:t>
+            </a:r>
+            <a:endParaRPr lang="en-US" dirty="0"/>
+          </a:p>
+          <a:p>
+            <a:r>
+              <a:rPr lang="en-US" dirty="0"/>
+              <a:t>Install </a:t>
+            </a:r>
+            <a:r>
+              <a:rPr lang="en-US" dirty="0">
+                <a:hlinkClick r:id="rId3"/>
+              </a:rPr>
+              <a:t>https://github.com/protocolbuffers/protobuf</a:t>
+            </a:r>
+            <a:endParaRPr lang="en-US" dirty="0"/>
+          </a:p>
+          <a:p>
+            <a:pPr lvl="1"/>
+            <a:r>
+              <a:rPr lang="en-US" dirty="0"/>
+              <a:t>use v3.4</a:t>
+            </a:r>
+          </a:p>
+          <a:p>
+            <a:pPr lvl="1"/>
+            <a:r>
+              <a:rPr lang="en-US" dirty="0">
+                <a:solidFill>
+                  <a:schemeClr val="bg2">
+                    <a:lumMod val="75000"/>
+                  </a:schemeClr>
+                </a:solidFill>
+              </a:rPr>
+              <a:t># From </a:t>
+            </a:r>
+            <a:r>
+              <a:rPr lang="en-US" dirty="0" err="1">
+                <a:solidFill>
+                  <a:schemeClr val="bg2">
+                    <a:lumMod val="75000"/>
+                  </a:schemeClr>
+                </a:solidFill>
+              </a:rPr>
+              <a:t>tensorflow</a:t>
+            </a:r>
+            <a:r>
+              <a:rPr lang="en-US" dirty="0">
+                <a:solidFill>
+                  <a:schemeClr val="bg2">
+                    <a:lumMod val="75000"/>
+                  </a:schemeClr>
+                </a:solidFill>
+              </a:rPr>
+              <a:t>/models/research/</a:t>
+            </a:r>
+          </a:p>
+          <a:p>
+            <a:pPr lvl="1"/>
             <a:r>
               <a:rPr lang="en-US" dirty="0" err="1"/>
+              <a:t>protoc</a:t>
+            </a:r>
+            <a:r>
+              <a:rPr lang="en-US" dirty="0"/>
+              <a:t> </a:t>
+            </a:r>
+            <a:r>
+              <a:rPr lang="en-US" dirty="0" err="1"/>
+              <a:t>object_detection</a:t>
+            </a:r>
+            <a:r>
+              <a:rPr lang="en-US" dirty="0"/>
+              <a:t>/protos/*.proto --</a:t>
+            </a:r>
+            <a:r>
+              <a:rPr lang="en-US" dirty="0" err="1"/>
+              <a:t>python_out</a:t>
+            </a:r>
+            <a:r>
+              <a:rPr lang="en-US" dirty="0"/>
+              <a:t>=.</a:t>
+            </a:r>
+          </a:p>
+          <a:p>
+            <a:r>
+              <a:rPr lang="en-US" dirty="0"/>
+              <a:t>Add to environment variable </a:t>
+            </a:r>
+          </a:p>
+          <a:p>
+            <a:pPr lvl="1"/>
+            <a:r>
+              <a:rPr lang="en-US" dirty="0">
+                <a:solidFill>
+                  <a:schemeClr val="bg2">
+                    <a:lumMod val="75000"/>
+                  </a:schemeClr>
+                </a:solidFill>
+              </a:rPr>
+              <a:t># From </a:t>
+            </a:r>
+            <a:r>
+              <a:rPr lang="en-US" dirty="0" err="1">
+                <a:solidFill>
+                  <a:schemeClr val="bg2">
+                    <a:lumMod val="75000"/>
+                  </a:schemeClr>
+                </a:solidFill>
+              </a:rPr>
               <a:t>tensorflow</a:t>
             </a:r>
             <a:r>
-              <a:rPr lang="en-US" dirty="0"/>
-              <a:t> as </a:t>
-            </a:r>
-            <a:r>
-              <a:rPr lang="en-US" dirty="0" err="1"/>
-              <a:t>tf</a:t>
-            </a:r>
-            <a:endParaRPr lang="en-US" dirty="0"/>
-          </a:p>
-          <a:p>
-            <a:r>
-              <a:rPr lang="en-US" dirty="0"/>
-              <a:t>hello = </a:t>
-            </a:r>
-            <a:r>
-              <a:rPr lang="en-US" dirty="0" err="1"/>
-              <a:t>tf.constant</a:t>
-            </a:r>
-            <a:r>
-              <a:rPr lang="en-US" dirty="0"/>
-              <a:t>('Hello, TensorFlow!')</a:t>
-            </a:r>
-          </a:p>
-          <a:p>
-            <a:r>
-              <a:rPr lang="en-US" dirty="0" err="1"/>
-              <a:t>sess</a:t>
-            </a:r>
-            <a:r>
-              <a:rPr lang="en-US" dirty="0"/>
-              <a:t> = </a:t>
-            </a:r>
-            <a:r>
-              <a:rPr lang="en-US" dirty="0" err="1"/>
-              <a:t>tf.Session</a:t>
-            </a:r>
-            <a:r>
-              <a:rPr lang="en-US" dirty="0"/>
-              <a:t>()</a:t>
-            </a:r>
-          </a:p>
-          <a:p>
-            <a:r>
-              <a:rPr lang="en-US" dirty="0"/>
-              <a:t>print(</a:t>
-            </a:r>
-            <a:r>
-              <a:rPr lang="en-US" dirty="0" err="1"/>
-              <a:t>sess.run</a:t>
-            </a:r>
-            <a:r>
-              <a:rPr lang="en-US" dirty="0"/>
-              <a:t>(hello))</a:t>
-            </a:r>
-          </a:p>
-          <a:p>
-            <a:endParaRPr lang="en-US" dirty="0"/>
+              <a:rPr lang="en-US" dirty="0">
+                <a:solidFill>
+                  <a:schemeClr val="bg2">
+                    <a:lumMod val="75000"/>
+                  </a:schemeClr>
+                </a:solidFill>
+              </a:rPr>
+              <a:t>/models/research/</a:t>
+            </a:r>
+          </a:p>
+          <a:p>
+            <a:pPr lvl="1"/>
+            <a:r>
+              <a:rPr lang="en-US" dirty="0"/>
+              <a:t>models\research</a:t>
+            </a:r>
+          </a:p>
+          <a:p>
+            <a:pPr lvl="1"/>
+            <a:r>
+              <a:rPr lang="en-US" dirty="0"/>
+              <a:t>models\research\slim</a:t>
+            </a:r>
+          </a:p>
+          <a:p>
+            <a:r>
+              <a:rPr lang="en-US" dirty="0"/>
+              <a:t>Possibly need to reboot</a:t>
+            </a:r>
           </a:p>
         </p:txBody>
       </p:sp>
     </p:spTree>
     <p:extLst>
       <p:ext uri="{BB962C8B-B14F-4D97-AF65-F5344CB8AC3E}">
-        <p14:creationId xmlns:p14="http://schemas.microsoft.com/office/powerpoint/2010/main" val="570939182"/>
+        <p14:creationId xmlns:p14="http://schemas.microsoft.com/office/powerpoint/2010/main" val="4157873429"/>
       </p:ext>
     </p:extLst>
   </p:cSld>
@@ -4782,7 +5359,7 @@
           <p:cNvPr id="2" name="Title 1">
             <a:extLst>
               <a:ext uri="{FF2B5EF4-FFF2-40B4-BE49-F238E27FC236}">
-                <a16:creationId xmlns:a16="http://schemas.microsoft.com/office/drawing/2014/main" id="{F156DEFE-713C-4A6D-90B8-8B520797A0B8}"/>
+                <a16:creationId xmlns:a16="http://schemas.microsoft.com/office/drawing/2014/main" id="{2408206F-BFDA-4614-BF27-98E8DE5AC4CB}"/>
               </a:ext>
             </a:extLst>
           </p:cNvPr>
@@ -4800,7 +5377,7 @@
           <a:p>
             <a:r>
               <a:rPr lang="en-US" dirty="0"/>
-              <a:t>Installation (cont.)</a:t>
+              <a:t>Test demo</a:t>
             </a:r>
           </a:p>
         </p:txBody>
@@ -4810,7 +5387,7 @@
           <p:cNvPr id="3" name="Content Placeholder 2">
             <a:extLst>
               <a:ext uri="{FF2B5EF4-FFF2-40B4-BE49-F238E27FC236}">
-                <a16:creationId xmlns:a16="http://schemas.microsoft.com/office/drawing/2014/main" id="{D975E8AA-4951-4445-BD57-07F0C28D57DC}"/>
+                <a16:creationId xmlns:a16="http://schemas.microsoft.com/office/drawing/2014/main" id="{DD0EB4C8-7A1A-4D86-940B-67468D8F666E}"/>
               </a:ext>
             </a:extLst>
           </p:cNvPr>
@@ -4821,140 +5398,65 @@
             <p:ph idx="1"/>
           </p:nvPr>
         </p:nvSpPr>
-        <p:spPr>
-          <a:xfrm>
-            <a:off x="628650" y="1825624"/>
-            <a:ext cx="7886700" cy="4667249"/>
-          </a:xfrm>
-        </p:spPr>
-        <p:txBody>
-          <a:bodyPr>
-            <a:normAutofit/>
-          </a:bodyPr>
-          <a:lstStyle/>
-          <a:p>
-            <a:r>
-              <a:rPr lang="en-US" dirty="0"/>
-              <a:t>Install TensorFlow Object Detection API</a:t>
-            </a:r>
-          </a:p>
-          <a:p>
-            <a:r>
-              <a:rPr lang="en-US" dirty="0"/>
-              <a:t>Download (~5min) </a:t>
-            </a:r>
-            <a:r>
-              <a:rPr lang="en-US" dirty="0">
-                <a:hlinkClick r:id="rId2"/>
-              </a:rPr>
-              <a:t>https://github.com/tensorflow/models.git</a:t>
+        <p:spPr/>
+        <p:txBody>
+          <a:bodyPr/>
+          <a:lstStyle/>
+          <a:p>
+            <a:r>
+              <a:rPr lang="en-US" dirty="0"/>
+              <a:t>Run </a:t>
+            </a:r>
+            <a:r>
+              <a:rPr lang="en-US" dirty="0" err="1"/>
+              <a:t>Jupyter</a:t>
+            </a:r>
+            <a:r>
+              <a:rPr lang="en-US" dirty="0"/>
+              <a:t> notebook:</a:t>
+            </a:r>
+          </a:p>
+          <a:p>
+            <a:pPr lvl="1"/>
+            <a:r>
+              <a:rPr lang="en-US" dirty="0" err="1"/>
+              <a:t>object_detection_tutorial.ipynb</a:t>
             </a:r>
             <a:endParaRPr lang="en-US" dirty="0"/>
           </a:p>
           <a:p>
             <a:r>
               <a:rPr lang="en-US" dirty="0"/>
-              <a:t>Install </a:t>
-            </a:r>
-            <a:r>
-              <a:rPr lang="en-US" dirty="0">
-                <a:hlinkClick r:id="rId3"/>
-              </a:rPr>
-              <a:t>https://github.com/protocolbuffers/protobuf</a:t>
-            </a:r>
-            <a:endParaRPr lang="en-US" dirty="0"/>
+              <a:t>Exercise:</a:t>
+            </a:r>
           </a:p>
           <a:p>
             <a:pPr lvl="1"/>
             <a:r>
               <a:rPr lang="en-US" dirty="0"/>
-              <a:t>Windows users have to use v3.4</a:t>
+              <a:t>Put some of your favorite images into </a:t>
+            </a:r>
+            <a:r>
+              <a:rPr lang="en-US" dirty="0" err="1"/>
+              <a:t>test_images</a:t>
+            </a:r>
+            <a:r>
+              <a:rPr lang="en-US" dirty="0"/>
+              <a:t> folder</a:t>
             </a:r>
           </a:p>
           <a:p>
             <a:pPr lvl="1"/>
             <a:r>
               <a:rPr lang="en-US" dirty="0"/>
-              <a:t># From </a:t>
-            </a:r>
-            <a:r>
-              <a:rPr lang="en-US" dirty="0" err="1"/>
-              <a:t>tensorflow</a:t>
-            </a:r>
-            <a:r>
-              <a:rPr lang="en-US" dirty="0"/>
-              <a:t>/models/research/</a:t>
+              <a:t>Name them as image{}.jpg</a:t>
             </a:r>
           </a:p>
           <a:p>
             <a:pPr lvl="1"/>
             <a:r>
-              <a:rPr lang="en-US" dirty="0" err="1"/>
-              <a:t>protoc</a:t>
-            </a:r>
-            <a:r>
-              <a:rPr lang="en-US" dirty="0"/>
-              <a:t> </a:t>
-            </a:r>
-            <a:r>
-              <a:rPr lang="en-US" dirty="0" err="1"/>
-              <a:t>object_detection</a:t>
-            </a:r>
-            <a:r>
-              <a:rPr lang="en-US" dirty="0"/>
-              <a:t>/protos/*.proto --</a:t>
-            </a:r>
-            <a:r>
-              <a:rPr lang="en-US" dirty="0" err="1"/>
-              <a:t>python_out</a:t>
-            </a:r>
-            <a:r>
-              <a:rPr lang="en-US" dirty="0"/>
-              <a:t>=.</a:t>
-            </a:r>
-          </a:p>
-          <a:p>
-            <a:r>
-              <a:rPr lang="en-US" dirty="0"/>
-              <a:t>Add to environment variable </a:t>
-            </a:r>
-          </a:p>
-          <a:p>
-            <a:pPr lvl="1"/>
-            <a:r>
-              <a:rPr lang="en-US" dirty="0"/>
-              <a:t># From </a:t>
-            </a:r>
-            <a:r>
-              <a:rPr lang="en-US" dirty="0" err="1"/>
-              <a:t>tensorflow</a:t>
-            </a:r>
-            <a:r>
-              <a:rPr lang="en-US" dirty="0"/>
-              <a:t>/models/research/</a:t>
-            </a:r>
-          </a:p>
-          <a:p>
-            <a:pPr lvl="1"/>
-            <a:r>
-              <a:rPr lang="en-US" dirty="0"/>
-              <a:t>export PYTHONPATH=$PYTHONPATH:`</a:t>
-            </a:r>
-            <a:r>
-              <a:rPr lang="en-US" dirty="0" err="1"/>
-              <a:t>pwd</a:t>
-            </a:r>
-            <a:r>
-              <a:rPr lang="en-US" dirty="0"/>
-              <a:t>`:`</a:t>
-            </a:r>
-            <a:r>
-              <a:rPr lang="en-US" dirty="0" err="1"/>
-              <a:t>pwd</a:t>
-            </a:r>
-            <a:r>
-              <a:rPr lang="en-US" dirty="0"/>
-              <a:t>`/slim</a:t>
+              <a:rPr lang="en-US" dirty="0"/>
+              <a:t>Run the notebook again</a:t>
             </a:r>
           </a:p>
         </p:txBody>
@@ -4962,7 +5464,7 @@
     </p:spTree>
     <p:extLst>
       <p:ext uri="{BB962C8B-B14F-4D97-AF65-F5344CB8AC3E}">
-        <p14:creationId xmlns:p14="http://schemas.microsoft.com/office/powerpoint/2010/main" val="4157873429"/>
+        <p14:creationId xmlns:p14="http://schemas.microsoft.com/office/powerpoint/2010/main" val="1260332356"/>
       </p:ext>
     </p:extLst>
   </p:cSld>
@@ -4994,7 +5496,7 @@
           <p:cNvPr id="2" name="Title 1">
             <a:extLst>
               <a:ext uri="{FF2B5EF4-FFF2-40B4-BE49-F238E27FC236}">
-                <a16:creationId xmlns:a16="http://schemas.microsoft.com/office/drawing/2014/main" id="{2408206F-BFDA-4614-BF27-98E8DE5AC4CB}"/>
+                <a16:creationId xmlns:a16="http://schemas.microsoft.com/office/drawing/2014/main" id="{2098313D-67C1-4C18-AFDD-21045B3C86D0}"/>
               </a:ext>
             </a:extLst>
           </p:cNvPr>
@@ -5012,7 +5514,7 @@
           <a:p>
             <a:r>
               <a:rPr lang="en-US" dirty="0"/>
-              <a:t>Test demo</a:t>
+              <a:t>TensorFlow pretrained models</a:t>
             </a:r>
           </a:p>
         </p:txBody>
@@ -5022,7 +5524,7 @@
           <p:cNvPr id="3" name="Content Placeholder 2">
             <a:extLst>
               <a:ext uri="{FF2B5EF4-FFF2-40B4-BE49-F238E27FC236}">
-                <a16:creationId xmlns:a16="http://schemas.microsoft.com/office/drawing/2014/main" id="{DD0EB4C8-7A1A-4D86-940B-67468D8F666E}"/>
+                <a16:creationId xmlns:a16="http://schemas.microsoft.com/office/drawing/2014/main" id="{5E34350B-360F-4782-A732-FB2A75CD9908}"/>
               </a:ext>
             </a:extLst>
           </p:cNvPr>
@@ -5039,20 +5541,52 @@
           <a:lstStyle/>
           <a:p>
             <a:r>
-              <a:rPr lang="en-US" dirty="0" err="1"/>
-              <a:t>Jupyter</a:t>
-            </a:r>
-            <a:r>
-              <a:rPr lang="en-US" dirty="0"/>
-              <a:t> notebook</a:t>
-            </a:r>
-          </a:p>
-        </p:txBody>
-      </p:sp>
+              <a:rPr lang="en-US" dirty="0">
+                <a:hlinkClick r:id="rId2"/>
+              </a:rPr>
+              <a:t>https://github.com/tensorflow/models/blob/master/research/object_detection/g3doc/detection_model_zoo.md</a:t>
+            </a:r>
+            <a:endParaRPr lang="en-US" dirty="0"/>
+          </a:p>
+          <a:p>
+            <a:endParaRPr lang="en-US" dirty="0"/>
+          </a:p>
+        </p:txBody>
+      </p:sp>
+      <p:pic>
+        <p:nvPicPr>
+          <p:cNvPr id="4" name="Picture 3">
+            <a:extLst>
+              <a:ext uri="{FF2B5EF4-FFF2-40B4-BE49-F238E27FC236}">
+                <a16:creationId xmlns:a16="http://schemas.microsoft.com/office/drawing/2014/main" id="{D944C062-3C11-40A2-AE77-A44621CDBA3A}"/>
+              </a:ext>
+            </a:extLst>
+          </p:cNvPr>
+          <p:cNvPicPr>
+            <a:picLocks noChangeAspect="1"/>
+          </p:cNvPicPr>
+          <p:nvPr/>
+        </p:nvPicPr>
+        <p:blipFill>
+          <a:blip r:embed="rId3"/>
+          <a:stretch>
+            <a:fillRect/>
+          </a:stretch>
+        </p:blipFill>
+        <p:spPr>
+          <a:xfrm>
+            <a:off x="687898" y="3592143"/>
+            <a:ext cx="7886700" cy="2384195"/>
+          </a:xfrm>
+          <a:prstGeom prst="rect">
+            <a:avLst/>
+          </a:prstGeom>
+        </p:spPr>
+      </p:pic>
     </p:spTree>
     <p:extLst>
       <p:ext uri="{BB962C8B-B14F-4D97-AF65-F5344CB8AC3E}">
-        <p14:creationId xmlns:p14="http://schemas.microsoft.com/office/powerpoint/2010/main" val="1260332356"/>
+        <p14:creationId xmlns:p14="http://schemas.microsoft.com/office/powerpoint/2010/main" val="4280998536"/>
       </p:ext>
     </p:extLst>
   </p:cSld>

--- a/Tutorial/TensorFlow-Obj-API.pptx
+++ b/Tutorial/TensorFlow-Obj-API.pptx
@@ -4811,7 +4811,9 @@
         </p:nvSpPr>
         <p:spPr/>
         <p:txBody>
-          <a:bodyPr/>
+          <a:bodyPr>
+            <a:normAutofit/>
+          </a:bodyPr>
           <a:lstStyle/>
           <a:p>
             <a:r>
@@ -4856,37 +4858,20 @@
             <a:pPr lvl="1"/>
             <a:r>
               <a:rPr lang="en-US" dirty="0"/>
-              <a:t>GPU version:</a:t>
+              <a:t>GPU version</a:t>
             </a:r>
           </a:p>
           <a:p>
             <a:pPr lvl="2"/>
             <a:r>
               <a:rPr lang="en-US" dirty="0"/>
-              <a:t>CUDA Toolkit &amp; </a:t>
-            </a:r>
-            <a:r>
-              <a:rPr lang="en-US" dirty="0" err="1"/>
-              <a:t>cuDNN</a:t>
-            </a:r>
-            <a:r>
-              <a:rPr lang="en-US" dirty="0"/>
-              <a:t> </a:t>
-            </a:r>
-          </a:p>
-          <a:p>
-            <a:pPr lvl="2"/>
-            <a:r>
-              <a:rPr lang="en-US" dirty="0" err="1"/>
-              <a:t>conda</a:t>
-            </a:r>
-            <a:r>
-              <a:rPr lang="en-US" dirty="0"/>
-              <a:t> install -c anaconda </a:t>
-            </a:r>
-            <a:r>
-              <a:rPr lang="en-US" dirty="0" err="1"/>
-              <a:t>tensorflow-gpu</a:t>
+              <a:t>Ref: </a:t>
+            </a:r>
+            <a:r>
+              <a:rPr lang="en-US" dirty="0">
+                <a:hlinkClick r:id="rId3"/>
+              </a:rPr>
+              <a:t>https://www.pugetsystems.com/labs/hpc/The-Best-Way-to-Install-TensorFlow-with-GPU-Support-on-Windows-10-Without-Installing-CUDA-1187/</a:t>
             </a:r>
             <a:r>
               <a:rPr lang="en-US" dirty="0"/>

--- a/Tutorial/TensorFlow-Obj-API.pptx
+++ b/Tutorial/TensorFlow-Obj-API.pptx
@@ -4,6 +4,9 @@
   <p:sldMasterIdLst>
     <p:sldMasterId id="2147483660" r:id="rId1"/>
   </p:sldMasterIdLst>
+  <p:notesMasterIdLst>
+    <p:notesMasterId r:id="rId22"/>
+  </p:notesMasterIdLst>
   <p:sldIdLst>
     <p:sldId id="256" r:id="rId2"/>
     <p:sldId id="257" r:id="rId3"/>
@@ -131,6 +134,784 @@
 </p:presentation>
 </file>
 
+<file path=ppt/notesMasters/notesMaster1.xml><?xml version="1.0" encoding="utf-8"?>
+<p:notesMaster xmlns:a="http://schemas.openxmlformats.org/drawingml/2006/main" xmlns:r="http://schemas.openxmlformats.org/officeDocument/2006/relationships" xmlns:p="http://schemas.openxmlformats.org/presentationml/2006/main">
+  <p:cSld>
+    <p:bg>
+      <p:bgRef idx="1001">
+        <a:schemeClr val="bg1"/>
+      </p:bgRef>
+    </p:bg>
+    <p:spTree>
+      <p:nvGrpSpPr>
+        <p:cNvPr id="1" name=""/>
+        <p:cNvGrpSpPr/>
+        <p:nvPr/>
+      </p:nvGrpSpPr>
+      <p:grpSpPr>
+        <a:xfrm>
+          <a:off x="0" y="0"/>
+          <a:ext cx="0" cy="0"/>
+          <a:chOff x="0" y="0"/>
+          <a:chExt cx="0" cy="0"/>
+        </a:xfrm>
+      </p:grpSpPr>
+      <p:sp>
+        <p:nvSpPr>
+          <p:cNvPr id="2" name="Header Placeholder 1"/>
+          <p:cNvSpPr>
+            <a:spLocks noGrp="1"/>
+          </p:cNvSpPr>
+          <p:nvPr>
+            <p:ph type="hdr" sz="quarter"/>
+          </p:nvPr>
+        </p:nvSpPr>
+        <p:spPr>
+          <a:xfrm>
+            <a:off x="0" y="0"/>
+            <a:ext cx="2971800" cy="458788"/>
+          </a:xfrm>
+          <a:prstGeom prst="rect">
+            <a:avLst/>
+          </a:prstGeom>
+        </p:spPr>
+        <p:txBody>
+          <a:bodyPr vert="horz" lIns="91440" tIns="45720" rIns="91440" bIns="45720" rtlCol="0"/>
+          <a:lstStyle>
+            <a:lvl1pPr algn="l">
+              <a:defRPr sz="1200"/>
+            </a:lvl1pPr>
+          </a:lstStyle>
+          <a:p>
+            <a:endParaRPr lang="en-US"/>
+          </a:p>
+        </p:txBody>
+      </p:sp>
+      <p:sp>
+        <p:nvSpPr>
+          <p:cNvPr id="3" name="Date Placeholder 2"/>
+          <p:cNvSpPr>
+            <a:spLocks noGrp="1"/>
+          </p:cNvSpPr>
+          <p:nvPr>
+            <p:ph type="dt" idx="1"/>
+          </p:nvPr>
+        </p:nvSpPr>
+        <p:spPr>
+          <a:xfrm>
+            <a:off x="3884613" y="0"/>
+            <a:ext cx="2971800" cy="458788"/>
+          </a:xfrm>
+          <a:prstGeom prst="rect">
+            <a:avLst/>
+          </a:prstGeom>
+        </p:spPr>
+        <p:txBody>
+          <a:bodyPr vert="horz" lIns="91440" tIns="45720" rIns="91440" bIns="45720" rtlCol="0"/>
+          <a:lstStyle>
+            <a:lvl1pPr algn="r">
+              <a:defRPr sz="1200"/>
+            </a:lvl1pPr>
+          </a:lstStyle>
+          <a:p>
+            <a:fld id="{2D94770B-D61E-456B-860A-2E83316FB617}" type="datetimeFigureOut">
+              <a:rPr lang="en-US" smtClean="0"/>
+              <a:t>12/6/2018</a:t>
+            </a:fld>
+            <a:endParaRPr lang="en-US"/>
+          </a:p>
+        </p:txBody>
+      </p:sp>
+      <p:sp>
+        <p:nvSpPr>
+          <p:cNvPr id="4" name="Slide Image Placeholder 3"/>
+          <p:cNvSpPr>
+            <a:spLocks noGrp="1" noRot="1" noChangeAspect="1"/>
+          </p:cNvSpPr>
+          <p:nvPr>
+            <p:ph type="sldImg" idx="2"/>
+          </p:nvPr>
+        </p:nvSpPr>
+        <p:spPr>
+          <a:xfrm>
+            <a:off x="1371600" y="1143000"/>
+            <a:ext cx="4114800" cy="3086100"/>
+          </a:xfrm>
+          <a:prstGeom prst="rect">
+            <a:avLst/>
+          </a:prstGeom>
+          <a:noFill/>
+          <a:ln w="12700">
+            <a:solidFill>
+              <a:prstClr val="black"/>
+            </a:solidFill>
+          </a:ln>
+        </p:spPr>
+        <p:txBody>
+          <a:bodyPr vert="horz" lIns="91440" tIns="45720" rIns="91440" bIns="45720" rtlCol="0" anchor="ctr"/>
+          <a:lstStyle/>
+          <a:p>
+            <a:endParaRPr lang="en-US"/>
+          </a:p>
+        </p:txBody>
+      </p:sp>
+      <p:sp>
+        <p:nvSpPr>
+          <p:cNvPr id="5" name="Notes Placeholder 4"/>
+          <p:cNvSpPr>
+            <a:spLocks noGrp="1"/>
+          </p:cNvSpPr>
+          <p:nvPr>
+            <p:ph type="body" sz="quarter" idx="3"/>
+          </p:nvPr>
+        </p:nvSpPr>
+        <p:spPr>
+          <a:xfrm>
+            <a:off x="685800" y="4400550"/>
+            <a:ext cx="5486400" cy="3600450"/>
+          </a:xfrm>
+          <a:prstGeom prst="rect">
+            <a:avLst/>
+          </a:prstGeom>
+        </p:spPr>
+        <p:txBody>
+          <a:bodyPr vert="horz" lIns="91440" tIns="45720" rIns="91440" bIns="45720" rtlCol="0"/>
+          <a:lstStyle/>
+          <a:p>
+            <a:pPr lvl="0"/>
+            <a:r>
+              <a:rPr lang="en-US"/>
+              <a:t>Edit Master text styles</a:t>
+            </a:r>
+          </a:p>
+          <a:p>
+            <a:pPr lvl="1"/>
+            <a:r>
+              <a:rPr lang="en-US"/>
+              <a:t>Second level</a:t>
+            </a:r>
+          </a:p>
+          <a:p>
+            <a:pPr lvl="2"/>
+            <a:r>
+              <a:rPr lang="en-US"/>
+              <a:t>Third level</a:t>
+            </a:r>
+          </a:p>
+          <a:p>
+            <a:pPr lvl="3"/>
+            <a:r>
+              <a:rPr lang="en-US"/>
+              <a:t>Fourth level</a:t>
+            </a:r>
+          </a:p>
+          <a:p>
+            <a:pPr lvl="4"/>
+            <a:r>
+              <a:rPr lang="en-US"/>
+              <a:t>Fifth level</a:t>
+            </a:r>
+          </a:p>
+        </p:txBody>
+      </p:sp>
+      <p:sp>
+        <p:nvSpPr>
+          <p:cNvPr id="6" name="Footer Placeholder 5"/>
+          <p:cNvSpPr>
+            <a:spLocks noGrp="1"/>
+          </p:cNvSpPr>
+          <p:nvPr>
+            <p:ph type="ftr" sz="quarter" idx="4"/>
+          </p:nvPr>
+        </p:nvSpPr>
+        <p:spPr>
+          <a:xfrm>
+            <a:off x="0" y="8685213"/>
+            <a:ext cx="2971800" cy="458787"/>
+          </a:xfrm>
+          <a:prstGeom prst="rect">
+            <a:avLst/>
+          </a:prstGeom>
+        </p:spPr>
+        <p:txBody>
+          <a:bodyPr vert="horz" lIns="91440" tIns="45720" rIns="91440" bIns="45720" rtlCol="0" anchor="b"/>
+          <a:lstStyle>
+            <a:lvl1pPr algn="l">
+              <a:defRPr sz="1200"/>
+            </a:lvl1pPr>
+          </a:lstStyle>
+          <a:p>
+            <a:endParaRPr lang="en-US"/>
+          </a:p>
+        </p:txBody>
+      </p:sp>
+      <p:sp>
+        <p:nvSpPr>
+          <p:cNvPr id="7" name="Slide Number Placeholder 6"/>
+          <p:cNvSpPr>
+            <a:spLocks noGrp="1"/>
+          </p:cNvSpPr>
+          <p:nvPr>
+            <p:ph type="sldNum" sz="quarter" idx="5"/>
+          </p:nvPr>
+        </p:nvSpPr>
+        <p:spPr>
+          <a:xfrm>
+            <a:off x="3884613" y="8685213"/>
+            <a:ext cx="2971800" cy="458787"/>
+          </a:xfrm>
+          <a:prstGeom prst="rect">
+            <a:avLst/>
+          </a:prstGeom>
+        </p:spPr>
+        <p:txBody>
+          <a:bodyPr vert="horz" lIns="91440" tIns="45720" rIns="91440" bIns="45720" rtlCol="0" anchor="b"/>
+          <a:lstStyle>
+            <a:lvl1pPr algn="r">
+              <a:defRPr sz="1200"/>
+            </a:lvl1pPr>
+          </a:lstStyle>
+          <a:p>
+            <a:fld id="{4C16B36B-1BE1-41A3-8000-D85ED522E088}" type="slidenum">
+              <a:rPr lang="en-US" smtClean="0"/>
+              <a:t>‹#›</a:t>
+            </a:fld>
+            <a:endParaRPr lang="en-US"/>
+          </a:p>
+        </p:txBody>
+      </p:sp>
+    </p:spTree>
+    <p:extLst>
+      <p:ext uri="{BB962C8B-B14F-4D97-AF65-F5344CB8AC3E}">
+        <p14:creationId xmlns:p14="http://schemas.microsoft.com/office/powerpoint/2010/main" val="2025471719"/>
+      </p:ext>
+    </p:extLst>
+  </p:cSld>
+  <p:clrMap bg1="lt1" tx1="dk1" bg2="lt2" tx2="dk2" accent1="accent1" accent2="accent2" accent3="accent3" accent4="accent4" accent5="accent5" accent6="accent6" hlink="hlink" folHlink="folHlink"/>
+  <p:notesStyle>
+    <a:lvl1pPr marL="0" algn="l" defTabSz="914400" rtl="0" eaLnBrk="1" latinLnBrk="0" hangingPunct="1">
+      <a:defRPr sz="1200" kern="1200">
+        <a:solidFill>
+          <a:schemeClr val="tx1"/>
+        </a:solidFill>
+        <a:latin typeface="+mn-lt"/>
+        <a:ea typeface="+mn-ea"/>
+        <a:cs typeface="+mn-cs"/>
+      </a:defRPr>
+    </a:lvl1pPr>
+    <a:lvl2pPr marL="457200" algn="l" defTabSz="914400" rtl="0" eaLnBrk="1" latinLnBrk="0" hangingPunct="1">
+      <a:defRPr sz="1200" kern="1200">
+        <a:solidFill>
+          <a:schemeClr val="tx1"/>
+        </a:solidFill>
+        <a:latin typeface="+mn-lt"/>
+        <a:ea typeface="+mn-ea"/>
+        <a:cs typeface="+mn-cs"/>
+      </a:defRPr>
+    </a:lvl2pPr>
+    <a:lvl3pPr marL="914400" algn="l" defTabSz="914400" rtl="0" eaLnBrk="1" latinLnBrk="0" hangingPunct="1">
+      <a:defRPr sz="1200" kern="1200">
+        <a:solidFill>
+          <a:schemeClr val="tx1"/>
+        </a:solidFill>
+        <a:latin typeface="+mn-lt"/>
+        <a:ea typeface="+mn-ea"/>
+        <a:cs typeface="+mn-cs"/>
+      </a:defRPr>
+    </a:lvl3pPr>
+    <a:lvl4pPr marL="1371600" algn="l" defTabSz="914400" rtl="0" eaLnBrk="1" latinLnBrk="0" hangingPunct="1">
+      <a:defRPr sz="1200" kern="1200">
+        <a:solidFill>
+          <a:schemeClr val="tx1"/>
+        </a:solidFill>
+        <a:latin typeface="+mn-lt"/>
+        <a:ea typeface="+mn-ea"/>
+        <a:cs typeface="+mn-cs"/>
+      </a:defRPr>
+    </a:lvl4pPr>
+    <a:lvl5pPr marL="1828800" algn="l" defTabSz="914400" rtl="0" eaLnBrk="1" latinLnBrk="0" hangingPunct="1">
+      <a:defRPr sz="1200" kern="1200">
+        <a:solidFill>
+          <a:schemeClr val="tx1"/>
+        </a:solidFill>
+        <a:latin typeface="+mn-lt"/>
+        <a:ea typeface="+mn-ea"/>
+        <a:cs typeface="+mn-cs"/>
+      </a:defRPr>
+    </a:lvl5pPr>
+    <a:lvl6pPr marL="2286000" algn="l" defTabSz="914400" rtl="0" eaLnBrk="1" latinLnBrk="0" hangingPunct="1">
+      <a:defRPr sz="1200" kern="1200">
+        <a:solidFill>
+          <a:schemeClr val="tx1"/>
+        </a:solidFill>
+        <a:latin typeface="+mn-lt"/>
+        <a:ea typeface="+mn-ea"/>
+        <a:cs typeface="+mn-cs"/>
+      </a:defRPr>
+    </a:lvl6pPr>
+    <a:lvl7pPr marL="2743200" algn="l" defTabSz="914400" rtl="0" eaLnBrk="1" latinLnBrk="0" hangingPunct="1">
+      <a:defRPr sz="1200" kern="1200">
+        <a:solidFill>
+          <a:schemeClr val="tx1"/>
+        </a:solidFill>
+        <a:latin typeface="+mn-lt"/>
+        <a:ea typeface="+mn-ea"/>
+        <a:cs typeface="+mn-cs"/>
+      </a:defRPr>
+    </a:lvl7pPr>
+    <a:lvl8pPr marL="3200400" algn="l" defTabSz="914400" rtl="0" eaLnBrk="1" latinLnBrk="0" hangingPunct="1">
+      <a:defRPr sz="1200" kern="1200">
+        <a:solidFill>
+          <a:schemeClr val="tx1"/>
+        </a:solidFill>
+        <a:latin typeface="+mn-lt"/>
+        <a:ea typeface="+mn-ea"/>
+        <a:cs typeface="+mn-cs"/>
+      </a:defRPr>
+    </a:lvl8pPr>
+    <a:lvl9pPr marL="3657600" algn="l" defTabSz="914400" rtl="0" eaLnBrk="1" latinLnBrk="0" hangingPunct="1">
+      <a:defRPr sz="1200" kern="1200">
+        <a:solidFill>
+          <a:schemeClr val="tx1"/>
+        </a:solidFill>
+        <a:latin typeface="+mn-lt"/>
+        <a:ea typeface="+mn-ea"/>
+        <a:cs typeface="+mn-cs"/>
+      </a:defRPr>
+    </a:lvl9pPr>
+  </p:notesStyle>
+</p:notesMaster>
+</file>
+
+<file path=ppt/notesSlides/notesSlide1.xml><?xml version="1.0" encoding="utf-8"?>
+<p:notes xmlns:a="http://schemas.openxmlformats.org/drawingml/2006/main" xmlns:r="http://schemas.openxmlformats.org/officeDocument/2006/relationships" xmlns:p="http://schemas.openxmlformats.org/presentationml/2006/main">
+  <p:cSld>
+    <p:spTree>
+      <p:nvGrpSpPr>
+        <p:cNvPr id="1" name=""/>
+        <p:cNvGrpSpPr/>
+        <p:nvPr/>
+      </p:nvGrpSpPr>
+      <p:grpSpPr>
+        <a:xfrm>
+          <a:off x="0" y="0"/>
+          <a:ext cx="0" cy="0"/>
+          <a:chOff x="0" y="0"/>
+          <a:chExt cx="0" cy="0"/>
+        </a:xfrm>
+      </p:grpSpPr>
+      <p:sp>
+        <p:nvSpPr>
+          <p:cNvPr id="2" name="Slide Image Placeholder 1"/>
+          <p:cNvSpPr>
+            <a:spLocks noGrp="1" noRot="1" noChangeAspect="1"/>
+          </p:cNvSpPr>
+          <p:nvPr>
+            <p:ph type="sldImg"/>
+          </p:nvPr>
+        </p:nvSpPr>
+        <p:spPr/>
+      </p:sp>
+      <p:sp>
+        <p:nvSpPr>
+          <p:cNvPr id="3" name="Notes Placeholder 2"/>
+          <p:cNvSpPr>
+            <a:spLocks noGrp="1"/>
+          </p:cNvSpPr>
+          <p:nvPr>
+            <p:ph type="body" idx="1"/>
+          </p:nvPr>
+        </p:nvSpPr>
+        <p:spPr/>
+        <p:txBody>
+          <a:bodyPr/>
+          <a:lstStyle/>
+          <a:p>
+            <a:r>
+              <a:rPr lang="en-US" dirty="0"/>
+              <a:t>30 min</a:t>
+            </a:r>
+          </a:p>
+        </p:txBody>
+      </p:sp>
+      <p:sp>
+        <p:nvSpPr>
+          <p:cNvPr id="4" name="Slide Number Placeholder 3"/>
+          <p:cNvSpPr>
+            <a:spLocks noGrp="1"/>
+          </p:cNvSpPr>
+          <p:nvPr>
+            <p:ph type="sldNum" sz="quarter" idx="5"/>
+          </p:nvPr>
+        </p:nvSpPr>
+        <p:spPr/>
+        <p:txBody>
+          <a:bodyPr/>
+          <a:lstStyle/>
+          <a:p>
+            <a:fld id="{4C16B36B-1BE1-41A3-8000-D85ED522E088}" type="slidenum">
+              <a:rPr lang="en-US" smtClean="0"/>
+              <a:t>8</a:t>
+            </a:fld>
+            <a:endParaRPr lang="en-US"/>
+          </a:p>
+        </p:txBody>
+      </p:sp>
+    </p:spTree>
+    <p:extLst>
+      <p:ext uri="{BB962C8B-B14F-4D97-AF65-F5344CB8AC3E}">
+        <p14:creationId xmlns:p14="http://schemas.microsoft.com/office/powerpoint/2010/main" val="4100279207"/>
+      </p:ext>
+    </p:extLst>
+  </p:cSld>
+  <p:clrMapOvr>
+    <a:masterClrMapping/>
+  </p:clrMapOvr>
+</p:notes>
+</file>
+
+<file path=ppt/notesSlides/notesSlide2.xml><?xml version="1.0" encoding="utf-8"?>
+<p:notes xmlns:a="http://schemas.openxmlformats.org/drawingml/2006/main" xmlns:r="http://schemas.openxmlformats.org/officeDocument/2006/relationships" xmlns:p="http://schemas.openxmlformats.org/presentationml/2006/main">
+  <p:cSld>
+    <p:spTree>
+      <p:nvGrpSpPr>
+        <p:cNvPr id="1" name=""/>
+        <p:cNvGrpSpPr/>
+        <p:nvPr/>
+      </p:nvGrpSpPr>
+      <p:grpSpPr>
+        <a:xfrm>
+          <a:off x="0" y="0"/>
+          <a:ext cx="0" cy="0"/>
+          <a:chOff x="0" y="0"/>
+          <a:chExt cx="0" cy="0"/>
+        </a:xfrm>
+      </p:grpSpPr>
+      <p:sp>
+        <p:nvSpPr>
+          <p:cNvPr id="2" name="Slide Image Placeholder 1"/>
+          <p:cNvSpPr>
+            <a:spLocks noGrp="1" noRot="1" noChangeAspect="1"/>
+          </p:cNvSpPr>
+          <p:nvPr>
+            <p:ph type="sldImg"/>
+          </p:nvPr>
+        </p:nvSpPr>
+        <p:spPr/>
+      </p:sp>
+      <p:sp>
+        <p:nvSpPr>
+          <p:cNvPr id="3" name="Notes Placeholder 2"/>
+          <p:cNvSpPr>
+            <a:spLocks noGrp="1"/>
+          </p:cNvSpPr>
+          <p:nvPr>
+            <p:ph type="body" idx="1"/>
+          </p:nvPr>
+        </p:nvSpPr>
+        <p:spPr/>
+        <p:txBody>
+          <a:bodyPr/>
+          <a:lstStyle/>
+          <a:p>
+            <a:r>
+              <a:rPr lang="en-US" dirty="0"/>
+              <a:t>20</a:t>
+            </a:r>
+          </a:p>
+        </p:txBody>
+      </p:sp>
+      <p:sp>
+        <p:nvSpPr>
+          <p:cNvPr id="4" name="Slide Number Placeholder 3"/>
+          <p:cNvSpPr>
+            <a:spLocks noGrp="1"/>
+          </p:cNvSpPr>
+          <p:nvPr>
+            <p:ph type="sldNum" sz="quarter" idx="5"/>
+          </p:nvPr>
+        </p:nvSpPr>
+        <p:spPr/>
+        <p:txBody>
+          <a:bodyPr/>
+          <a:lstStyle/>
+          <a:p>
+            <a:fld id="{4C16B36B-1BE1-41A3-8000-D85ED522E088}" type="slidenum">
+              <a:rPr lang="en-US" smtClean="0"/>
+              <a:t>11</a:t>
+            </a:fld>
+            <a:endParaRPr lang="en-US"/>
+          </a:p>
+        </p:txBody>
+      </p:sp>
+    </p:spTree>
+    <p:extLst>
+      <p:ext uri="{BB962C8B-B14F-4D97-AF65-F5344CB8AC3E}">
+        <p14:creationId xmlns:p14="http://schemas.microsoft.com/office/powerpoint/2010/main" val="1562441747"/>
+      </p:ext>
+    </p:extLst>
+  </p:cSld>
+  <p:clrMapOvr>
+    <a:masterClrMapping/>
+  </p:clrMapOvr>
+</p:notes>
+</file>
+
+<file path=ppt/notesSlides/notesSlide3.xml><?xml version="1.0" encoding="utf-8"?>
+<p:notes xmlns:a="http://schemas.openxmlformats.org/drawingml/2006/main" xmlns:r="http://schemas.openxmlformats.org/officeDocument/2006/relationships" xmlns:p="http://schemas.openxmlformats.org/presentationml/2006/main">
+  <p:cSld>
+    <p:spTree>
+      <p:nvGrpSpPr>
+        <p:cNvPr id="1" name=""/>
+        <p:cNvGrpSpPr/>
+        <p:nvPr/>
+      </p:nvGrpSpPr>
+      <p:grpSpPr>
+        <a:xfrm>
+          <a:off x="0" y="0"/>
+          <a:ext cx="0" cy="0"/>
+          <a:chOff x="0" y="0"/>
+          <a:chExt cx="0" cy="0"/>
+        </a:xfrm>
+      </p:grpSpPr>
+      <p:sp>
+        <p:nvSpPr>
+          <p:cNvPr id="2" name="Slide Image Placeholder 1"/>
+          <p:cNvSpPr>
+            <a:spLocks noGrp="1" noRot="1" noChangeAspect="1"/>
+          </p:cNvSpPr>
+          <p:nvPr>
+            <p:ph type="sldImg"/>
+          </p:nvPr>
+        </p:nvSpPr>
+        <p:spPr/>
+      </p:sp>
+      <p:sp>
+        <p:nvSpPr>
+          <p:cNvPr id="3" name="Notes Placeholder 2"/>
+          <p:cNvSpPr>
+            <a:spLocks noGrp="1"/>
+          </p:cNvSpPr>
+          <p:nvPr>
+            <p:ph type="body" idx="1"/>
+          </p:nvPr>
+        </p:nvSpPr>
+        <p:spPr/>
+        <p:txBody>
+          <a:bodyPr/>
+          <a:lstStyle/>
+          <a:p>
+            <a:r>
+              <a:rPr lang="en-US" dirty="0"/>
+              <a:t>10</a:t>
+            </a:r>
+          </a:p>
+        </p:txBody>
+      </p:sp>
+      <p:sp>
+        <p:nvSpPr>
+          <p:cNvPr id="4" name="Slide Number Placeholder 3"/>
+          <p:cNvSpPr>
+            <a:spLocks noGrp="1"/>
+          </p:cNvSpPr>
+          <p:nvPr>
+            <p:ph type="sldNum" sz="quarter" idx="5"/>
+          </p:nvPr>
+        </p:nvSpPr>
+        <p:spPr/>
+        <p:txBody>
+          <a:bodyPr/>
+          <a:lstStyle/>
+          <a:p>
+            <a:fld id="{4C16B36B-1BE1-41A3-8000-D85ED522E088}" type="slidenum">
+              <a:rPr lang="en-US" smtClean="0"/>
+              <a:t>12</a:t>
+            </a:fld>
+            <a:endParaRPr lang="en-US"/>
+          </a:p>
+        </p:txBody>
+      </p:sp>
+    </p:spTree>
+    <p:extLst>
+      <p:ext uri="{BB962C8B-B14F-4D97-AF65-F5344CB8AC3E}">
+        <p14:creationId xmlns:p14="http://schemas.microsoft.com/office/powerpoint/2010/main" val="945280445"/>
+      </p:ext>
+    </p:extLst>
+  </p:cSld>
+  <p:clrMapOvr>
+    <a:masterClrMapping/>
+  </p:clrMapOvr>
+</p:notes>
+</file>
+
+<file path=ppt/notesSlides/notesSlide4.xml><?xml version="1.0" encoding="utf-8"?>
+<p:notes xmlns:a="http://schemas.openxmlformats.org/drawingml/2006/main" xmlns:r="http://schemas.openxmlformats.org/officeDocument/2006/relationships" xmlns:p="http://schemas.openxmlformats.org/presentationml/2006/main">
+  <p:cSld>
+    <p:spTree>
+      <p:nvGrpSpPr>
+        <p:cNvPr id="1" name=""/>
+        <p:cNvGrpSpPr/>
+        <p:nvPr/>
+      </p:nvGrpSpPr>
+      <p:grpSpPr>
+        <a:xfrm>
+          <a:off x="0" y="0"/>
+          <a:ext cx="0" cy="0"/>
+          <a:chOff x="0" y="0"/>
+          <a:chExt cx="0" cy="0"/>
+        </a:xfrm>
+      </p:grpSpPr>
+      <p:sp>
+        <p:nvSpPr>
+          <p:cNvPr id="2" name="Slide Image Placeholder 1"/>
+          <p:cNvSpPr>
+            <a:spLocks noGrp="1" noRot="1" noChangeAspect="1"/>
+          </p:cNvSpPr>
+          <p:nvPr>
+            <p:ph type="sldImg"/>
+          </p:nvPr>
+        </p:nvSpPr>
+        <p:spPr/>
+      </p:sp>
+      <p:sp>
+        <p:nvSpPr>
+          <p:cNvPr id="3" name="Notes Placeholder 2"/>
+          <p:cNvSpPr>
+            <a:spLocks noGrp="1"/>
+          </p:cNvSpPr>
+          <p:nvPr>
+            <p:ph type="body" idx="1"/>
+          </p:nvPr>
+        </p:nvSpPr>
+        <p:spPr/>
+        <p:txBody>
+          <a:bodyPr/>
+          <a:lstStyle/>
+          <a:p>
+            <a:endParaRPr lang="en-US" dirty="0"/>
+          </a:p>
+        </p:txBody>
+      </p:sp>
+      <p:sp>
+        <p:nvSpPr>
+          <p:cNvPr id="4" name="Slide Number Placeholder 3"/>
+          <p:cNvSpPr>
+            <a:spLocks noGrp="1"/>
+          </p:cNvSpPr>
+          <p:nvPr>
+            <p:ph type="sldNum" sz="quarter" idx="5"/>
+          </p:nvPr>
+        </p:nvSpPr>
+        <p:spPr/>
+        <p:txBody>
+          <a:bodyPr/>
+          <a:lstStyle/>
+          <a:p>
+            <a:fld id="{4C16B36B-1BE1-41A3-8000-D85ED522E088}" type="slidenum">
+              <a:rPr lang="en-US" smtClean="0"/>
+              <a:t>18</a:t>
+            </a:fld>
+            <a:endParaRPr lang="en-US"/>
+          </a:p>
+        </p:txBody>
+      </p:sp>
+    </p:spTree>
+    <p:extLst>
+      <p:ext uri="{BB962C8B-B14F-4D97-AF65-F5344CB8AC3E}">
+        <p14:creationId xmlns:p14="http://schemas.microsoft.com/office/powerpoint/2010/main" val="2339615223"/>
+      </p:ext>
+    </p:extLst>
+  </p:cSld>
+  <p:clrMapOvr>
+    <a:masterClrMapping/>
+  </p:clrMapOvr>
+</p:notes>
+</file>
+
+<file path=ppt/notesSlides/notesSlide5.xml><?xml version="1.0" encoding="utf-8"?>
+<p:notes xmlns:a="http://schemas.openxmlformats.org/drawingml/2006/main" xmlns:r="http://schemas.openxmlformats.org/officeDocument/2006/relationships" xmlns:p="http://schemas.openxmlformats.org/presentationml/2006/main">
+  <p:cSld>
+    <p:spTree>
+      <p:nvGrpSpPr>
+        <p:cNvPr id="1" name=""/>
+        <p:cNvGrpSpPr/>
+        <p:nvPr/>
+      </p:nvGrpSpPr>
+      <p:grpSpPr>
+        <a:xfrm>
+          <a:off x="0" y="0"/>
+          <a:ext cx="0" cy="0"/>
+          <a:chOff x="0" y="0"/>
+          <a:chExt cx="0" cy="0"/>
+        </a:xfrm>
+      </p:grpSpPr>
+      <p:sp>
+        <p:nvSpPr>
+          <p:cNvPr id="2" name="Slide Image Placeholder 1"/>
+          <p:cNvSpPr>
+            <a:spLocks noGrp="1" noRot="1" noChangeAspect="1"/>
+          </p:cNvSpPr>
+          <p:nvPr>
+            <p:ph type="sldImg"/>
+          </p:nvPr>
+        </p:nvSpPr>
+        <p:spPr/>
+      </p:sp>
+      <p:sp>
+        <p:nvSpPr>
+          <p:cNvPr id="3" name="Notes Placeholder 2"/>
+          <p:cNvSpPr>
+            <a:spLocks noGrp="1"/>
+          </p:cNvSpPr>
+          <p:nvPr>
+            <p:ph type="body" idx="1"/>
+          </p:nvPr>
+        </p:nvSpPr>
+        <p:spPr/>
+        <p:txBody>
+          <a:bodyPr/>
+          <a:lstStyle/>
+          <a:p>
+            <a:endParaRPr lang="en-US" dirty="0"/>
+          </a:p>
+        </p:txBody>
+      </p:sp>
+      <p:sp>
+        <p:nvSpPr>
+          <p:cNvPr id="4" name="Slide Number Placeholder 3"/>
+          <p:cNvSpPr>
+            <a:spLocks noGrp="1"/>
+          </p:cNvSpPr>
+          <p:nvPr>
+            <p:ph type="sldNum" sz="quarter" idx="5"/>
+          </p:nvPr>
+        </p:nvSpPr>
+        <p:spPr/>
+        <p:txBody>
+          <a:bodyPr/>
+          <a:lstStyle/>
+          <a:p>
+            <a:fld id="{4C16B36B-1BE1-41A3-8000-D85ED522E088}" type="slidenum">
+              <a:rPr lang="en-US" smtClean="0"/>
+              <a:t>19</a:t>
+            </a:fld>
+            <a:endParaRPr lang="en-US"/>
+          </a:p>
+        </p:txBody>
+      </p:sp>
+    </p:spTree>
+    <p:extLst>
+      <p:ext uri="{BB962C8B-B14F-4D97-AF65-F5344CB8AC3E}">
+        <p14:creationId xmlns:p14="http://schemas.microsoft.com/office/powerpoint/2010/main" val="680988639"/>
+      </p:ext>
+    </p:extLst>
+  </p:cSld>
+  <p:clrMapOvr>
+    <a:masterClrMapping/>
+  </p:clrMapOvr>
+</p:notes>
+</file>
+
 <file path=ppt/slideLayouts/slideLayout1.xml><?xml version="1.0" encoding="utf-8"?>
 <p:sldLayout xmlns:a="http://schemas.openxmlformats.org/drawingml/2006/main" xmlns:r="http://schemas.openxmlformats.org/officeDocument/2006/relationships" xmlns:p="http://schemas.openxmlformats.org/presentationml/2006/main" type="title" preserve="1">
   <p:cSld name="Title Slide">
@@ -262,7 +1043,7 @@
           <a:p>
             <a:fld id="{77F26A44-759D-485D-B14E-CC21BA8C7EF6}" type="datetimeFigureOut">
               <a:rPr lang="en-US" smtClean="0"/>
-              <a:t>12/4/2018</a:t>
+              <a:t>12/6/2018</a:t>
             </a:fld>
             <a:endParaRPr lang="en-US"/>
           </a:p>
@@ -432,7 +1213,7 @@
           <a:p>
             <a:fld id="{77F26A44-759D-485D-B14E-CC21BA8C7EF6}" type="datetimeFigureOut">
               <a:rPr lang="en-US" smtClean="0"/>
-              <a:t>12/4/2018</a:t>
+              <a:t>12/6/2018</a:t>
             </a:fld>
             <a:endParaRPr lang="en-US"/>
           </a:p>
@@ -612,7 +1393,7 @@
           <a:p>
             <a:fld id="{77F26A44-759D-485D-B14E-CC21BA8C7EF6}" type="datetimeFigureOut">
               <a:rPr lang="en-US" smtClean="0"/>
-              <a:t>12/4/2018</a:t>
+              <a:t>12/6/2018</a:t>
             </a:fld>
             <a:endParaRPr lang="en-US"/>
           </a:p>
@@ -782,7 +1563,7 @@
           <a:p>
             <a:fld id="{77F26A44-759D-485D-B14E-CC21BA8C7EF6}" type="datetimeFigureOut">
               <a:rPr lang="en-US" smtClean="0"/>
-              <a:t>12/4/2018</a:t>
+              <a:t>12/6/2018</a:t>
             </a:fld>
             <a:endParaRPr lang="en-US"/>
           </a:p>
@@ -1026,7 +1807,7 @@
           <a:p>
             <a:fld id="{77F26A44-759D-485D-B14E-CC21BA8C7EF6}" type="datetimeFigureOut">
               <a:rPr lang="en-US" smtClean="0"/>
-              <a:t>12/4/2018</a:t>
+              <a:t>12/6/2018</a:t>
             </a:fld>
             <a:endParaRPr lang="en-US"/>
           </a:p>
@@ -1258,7 +2039,7 @@
           <a:p>
             <a:fld id="{77F26A44-759D-485D-B14E-CC21BA8C7EF6}" type="datetimeFigureOut">
               <a:rPr lang="en-US" smtClean="0"/>
-              <a:t>12/4/2018</a:t>
+              <a:t>12/6/2018</a:t>
             </a:fld>
             <a:endParaRPr lang="en-US"/>
           </a:p>
@@ -1625,7 +2406,7 @@
           <a:p>
             <a:fld id="{77F26A44-759D-485D-B14E-CC21BA8C7EF6}" type="datetimeFigureOut">
               <a:rPr lang="en-US" smtClean="0"/>
-              <a:t>12/4/2018</a:t>
+              <a:t>12/6/2018</a:t>
             </a:fld>
             <a:endParaRPr lang="en-US"/>
           </a:p>
@@ -1743,7 +2524,7 @@
           <a:p>
             <a:fld id="{77F26A44-759D-485D-B14E-CC21BA8C7EF6}" type="datetimeFigureOut">
               <a:rPr lang="en-US" smtClean="0"/>
-              <a:t>12/4/2018</a:t>
+              <a:t>12/6/2018</a:t>
             </a:fld>
             <a:endParaRPr lang="en-US"/>
           </a:p>
@@ -1838,7 +2619,7 @@
           <a:p>
             <a:fld id="{77F26A44-759D-485D-B14E-CC21BA8C7EF6}" type="datetimeFigureOut">
               <a:rPr lang="en-US" smtClean="0"/>
-              <a:t>12/4/2018</a:t>
+              <a:t>12/6/2018</a:t>
             </a:fld>
             <a:endParaRPr lang="en-US"/>
           </a:p>
@@ -2115,7 +2896,7 @@
           <a:p>
             <a:fld id="{77F26A44-759D-485D-B14E-CC21BA8C7EF6}" type="datetimeFigureOut">
               <a:rPr lang="en-US" smtClean="0"/>
-              <a:t>12/4/2018</a:t>
+              <a:t>12/6/2018</a:t>
             </a:fld>
             <a:endParaRPr lang="en-US"/>
           </a:p>
@@ -2372,7 +3153,7 @@
           <a:p>
             <a:fld id="{77F26A44-759D-485D-B14E-CC21BA8C7EF6}" type="datetimeFigureOut">
               <a:rPr lang="en-US" smtClean="0"/>
-              <a:t>12/4/2018</a:t>
+              <a:t>12/6/2018</a:t>
             </a:fld>
             <a:endParaRPr lang="en-US"/>
           </a:p>
@@ -2585,7 +3366,7 @@
           <a:p>
             <a:fld id="{77F26A44-759D-485D-B14E-CC21BA8C7EF6}" type="datetimeFigureOut">
               <a:rPr lang="en-US" smtClean="0"/>
-              <a:t>12/4/2018</a:t>
+              <a:t>12/6/2018</a:t>
             </a:fld>
             <a:endParaRPr lang="en-US"/>
           </a:p>
@@ -3478,7 +4259,7 @@
           <a:p>
             <a:r>
               <a:rPr lang="en-US" dirty="0">
-                <a:hlinkClick r:id="rId2"/>
+                <a:hlinkClick r:id="rId3"/>
               </a:rPr>
               <a:t>https://github.com/tzutalin/labelImg</a:t>
             </a:r>
@@ -3750,40 +4531,727 @@
             <p:ph type="title"/>
           </p:nvPr>
         </p:nvSpPr>
-        <p:spPr/>
-        <p:txBody>
-          <a:bodyPr/>
-          <a:lstStyle/>
-          <a:p>
-            <a:endParaRPr lang="en-US"/>
-          </a:p>
-        </p:txBody>
-      </p:sp>
-      <p:sp>
-        <p:nvSpPr>
-          <p:cNvPr id="3" name="Content Placeholder 2">
+        <p:spPr>
+          <a:xfrm>
+            <a:off x="628650" y="-34665"/>
+            <a:ext cx="7886700" cy="1325563"/>
+          </a:xfrm>
+        </p:spPr>
+        <p:txBody>
+          <a:bodyPr/>
+          <a:lstStyle/>
+          <a:p>
+            <a:pPr algn="ctr"/>
+            <a:r>
+              <a:rPr lang="en-US" dirty="0"/>
+              <a:t>Recap of last lecture</a:t>
+            </a:r>
+          </a:p>
+        </p:txBody>
+      </p:sp>
+      <p:sp>
+        <p:nvSpPr>
+          <p:cNvPr id="4" name="Rectangle 3">
             <a:extLst>
               <a:ext uri="{FF2B5EF4-FFF2-40B4-BE49-F238E27FC236}">
-                <a16:creationId xmlns:a16="http://schemas.microsoft.com/office/drawing/2014/main" id="{B4DF1C92-AACF-42F9-B52C-D0FA227AF0C7}"/>
+                <a16:creationId xmlns:a16="http://schemas.microsoft.com/office/drawing/2014/main" id="{36A01137-1BD3-4B6F-9029-B632B87C2D48}"/>
               </a:ext>
             </a:extLst>
           </p:cNvPr>
-          <p:cNvSpPr>
-            <a:spLocks noGrp="1"/>
-          </p:cNvSpPr>
-          <p:nvPr>
-            <p:ph idx="1"/>
-          </p:nvPr>
-        </p:nvSpPr>
-        <p:spPr/>
-        <p:txBody>
-          <a:bodyPr/>
-          <a:lstStyle/>
-          <a:p>
-            <a:endParaRPr lang="en-US"/>
-          </a:p>
-        </p:txBody>
-      </p:sp>
+          <p:cNvSpPr/>
+          <p:nvPr/>
+        </p:nvSpPr>
+        <p:spPr>
+          <a:xfrm>
+            <a:off x="1597742" y="1297399"/>
+            <a:ext cx="2703871" cy="472408"/>
+          </a:xfrm>
+          <a:prstGeom prst="rect">
+            <a:avLst/>
+          </a:prstGeom>
+        </p:spPr>
+        <p:style>
+          <a:lnRef idx="2">
+            <a:schemeClr val="accent1"/>
+          </a:lnRef>
+          <a:fillRef idx="1">
+            <a:schemeClr val="lt1"/>
+          </a:fillRef>
+          <a:effectRef idx="0">
+            <a:schemeClr val="accent1"/>
+          </a:effectRef>
+          <a:fontRef idx="minor">
+            <a:schemeClr val="dk1"/>
+          </a:fontRef>
+        </p:style>
+        <p:txBody>
+          <a:bodyPr rtlCol="0" anchor="ctr"/>
+          <a:lstStyle/>
+          <a:p>
+            <a:pPr algn="ctr"/>
+            <a:r>
+              <a:rPr lang="en-US" dirty="0"/>
+              <a:t>Anaconda (Python)</a:t>
+            </a:r>
+          </a:p>
+        </p:txBody>
+      </p:sp>
+      <p:sp>
+        <p:nvSpPr>
+          <p:cNvPr id="5" name="Rectangle 4">
+            <a:extLst>
+              <a:ext uri="{FF2B5EF4-FFF2-40B4-BE49-F238E27FC236}">
+                <a16:creationId xmlns:a16="http://schemas.microsoft.com/office/drawing/2014/main" id="{07E9B681-3E5A-47F7-96A3-D4C533A09426}"/>
+              </a:ext>
+            </a:extLst>
+          </p:cNvPr>
+          <p:cNvSpPr/>
+          <p:nvPr/>
+        </p:nvSpPr>
+        <p:spPr>
+          <a:xfrm>
+            <a:off x="1597742" y="2150554"/>
+            <a:ext cx="2703871" cy="472408"/>
+          </a:xfrm>
+          <a:prstGeom prst="rect">
+            <a:avLst/>
+          </a:prstGeom>
+        </p:spPr>
+        <p:style>
+          <a:lnRef idx="2">
+            <a:schemeClr val="accent1"/>
+          </a:lnRef>
+          <a:fillRef idx="1">
+            <a:schemeClr val="lt1"/>
+          </a:fillRef>
+          <a:effectRef idx="0">
+            <a:schemeClr val="accent1"/>
+          </a:effectRef>
+          <a:fontRef idx="minor">
+            <a:schemeClr val="dk1"/>
+          </a:fontRef>
+        </p:style>
+        <p:txBody>
+          <a:bodyPr rtlCol="0" anchor="ctr"/>
+          <a:lstStyle/>
+          <a:p>
+            <a:pPr algn="ctr"/>
+            <a:r>
+              <a:rPr lang="en-US" dirty="0"/>
+              <a:t>TensorFlow</a:t>
+            </a:r>
+          </a:p>
+        </p:txBody>
+      </p:sp>
+      <p:sp>
+        <p:nvSpPr>
+          <p:cNvPr id="6" name="Rectangle 5">
+            <a:extLst>
+              <a:ext uri="{FF2B5EF4-FFF2-40B4-BE49-F238E27FC236}">
+                <a16:creationId xmlns:a16="http://schemas.microsoft.com/office/drawing/2014/main" id="{16E1065C-AF70-42C2-854B-2D1CFF87B159}"/>
+              </a:ext>
+            </a:extLst>
+          </p:cNvPr>
+          <p:cNvSpPr/>
+          <p:nvPr/>
+        </p:nvSpPr>
+        <p:spPr>
+          <a:xfrm>
+            <a:off x="1597741" y="3016712"/>
+            <a:ext cx="2703871" cy="472408"/>
+          </a:xfrm>
+          <a:prstGeom prst="rect">
+            <a:avLst/>
+          </a:prstGeom>
+        </p:spPr>
+        <p:style>
+          <a:lnRef idx="2">
+            <a:schemeClr val="accent1"/>
+          </a:lnRef>
+          <a:fillRef idx="1">
+            <a:schemeClr val="lt1"/>
+          </a:fillRef>
+          <a:effectRef idx="0">
+            <a:schemeClr val="accent1"/>
+          </a:effectRef>
+          <a:fontRef idx="minor">
+            <a:schemeClr val="dk1"/>
+          </a:fontRef>
+        </p:style>
+        <p:txBody>
+          <a:bodyPr rtlCol="0" anchor="ctr"/>
+          <a:lstStyle/>
+          <a:p>
+            <a:pPr algn="ctr"/>
+            <a:r>
+              <a:rPr lang="en-US" dirty="0"/>
+              <a:t>TensorFlow Obj API</a:t>
+            </a:r>
+          </a:p>
+        </p:txBody>
+      </p:sp>
+      <p:sp>
+        <p:nvSpPr>
+          <p:cNvPr id="7" name="Rectangle 6">
+            <a:extLst>
+              <a:ext uri="{FF2B5EF4-FFF2-40B4-BE49-F238E27FC236}">
+                <a16:creationId xmlns:a16="http://schemas.microsoft.com/office/drawing/2014/main" id="{B87C15A8-B055-4A68-982D-6F9D374A2E15}"/>
+              </a:ext>
+            </a:extLst>
+          </p:cNvPr>
+          <p:cNvSpPr/>
+          <p:nvPr/>
+        </p:nvSpPr>
+        <p:spPr>
+          <a:xfrm>
+            <a:off x="1597740" y="3829389"/>
+            <a:ext cx="2703871" cy="472408"/>
+          </a:xfrm>
+          <a:prstGeom prst="rect">
+            <a:avLst/>
+          </a:prstGeom>
+        </p:spPr>
+        <p:style>
+          <a:lnRef idx="2">
+            <a:schemeClr val="accent1"/>
+          </a:lnRef>
+          <a:fillRef idx="1">
+            <a:schemeClr val="lt1"/>
+          </a:fillRef>
+          <a:effectRef idx="0">
+            <a:schemeClr val="accent1"/>
+          </a:effectRef>
+          <a:fontRef idx="minor">
+            <a:schemeClr val="dk1"/>
+          </a:fontRef>
+        </p:style>
+        <p:txBody>
+          <a:bodyPr rtlCol="0" anchor="ctr"/>
+          <a:lstStyle/>
+          <a:p>
+            <a:pPr algn="ctr"/>
+            <a:r>
+              <a:rPr lang="en-US" dirty="0" err="1"/>
+              <a:t>Protobuf</a:t>
+            </a:r>
+            <a:endParaRPr lang="en-US" dirty="0"/>
+          </a:p>
+        </p:txBody>
+      </p:sp>
+      <p:sp>
+        <p:nvSpPr>
+          <p:cNvPr id="8" name="Rectangle 7">
+            <a:extLst>
+              <a:ext uri="{FF2B5EF4-FFF2-40B4-BE49-F238E27FC236}">
+                <a16:creationId xmlns:a16="http://schemas.microsoft.com/office/drawing/2014/main" id="{CD42F9EE-5102-4E5A-91C5-50913E10CFF3}"/>
+              </a:ext>
+            </a:extLst>
+          </p:cNvPr>
+          <p:cNvSpPr/>
+          <p:nvPr/>
+        </p:nvSpPr>
+        <p:spPr>
+          <a:xfrm>
+            <a:off x="1597739" y="4674320"/>
+            <a:ext cx="2703871" cy="472408"/>
+          </a:xfrm>
+          <a:prstGeom prst="rect">
+            <a:avLst/>
+          </a:prstGeom>
+        </p:spPr>
+        <p:style>
+          <a:lnRef idx="2">
+            <a:schemeClr val="accent1"/>
+          </a:lnRef>
+          <a:fillRef idx="1">
+            <a:schemeClr val="lt1"/>
+          </a:fillRef>
+          <a:effectRef idx="0">
+            <a:schemeClr val="accent1"/>
+          </a:effectRef>
+          <a:fontRef idx="minor">
+            <a:schemeClr val="dk1"/>
+          </a:fontRef>
+        </p:style>
+        <p:txBody>
+          <a:bodyPr rtlCol="0" anchor="ctr"/>
+          <a:lstStyle/>
+          <a:p>
+            <a:pPr algn="ctr"/>
+            <a:r>
+              <a:rPr lang="en-US" dirty="0"/>
+              <a:t>Add env var</a:t>
+            </a:r>
+          </a:p>
+        </p:txBody>
+      </p:sp>
+      <p:sp>
+        <p:nvSpPr>
+          <p:cNvPr id="9" name="Rectangle 8">
+            <a:extLst>
+              <a:ext uri="{FF2B5EF4-FFF2-40B4-BE49-F238E27FC236}">
+                <a16:creationId xmlns:a16="http://schemas.microsoft.com/office/drawing/2014/main" id="{0C9446EF-646F-492A-B3FD-466E0E6D22ED}"/>
+              </a:ext>
+            </a:extLst>
+          </p:cNvPr>
+          <p:cNvSpPr/>
+          <p:nvPr/>
+        </p:nvSpPr>
+        <p:spPr>
+          <a:xfrm>
+            <a:off x="1597738" y="5491776"/>
+            <a:ext cx="2703871" cy="472408"/>
+          </a:xfrm>
+          <a:prstGeom prst="rect">
+            <a:avLst/>
+          </a:prstGeom>
+        </p:spPr>
+        <p:style>
+          <a:lnRef idx="2">
+            <a:schemeClr val="accent1"/>
+          </a:lnRef>
+          <a:fillRef idx="1">
+            <a:schemeClr val="lt1"/>
+          </a:fillRef>
+          <a:effectRef idx="0">
+            <a:schemeClr val="accent1"/>
+          </a:effectRef>
+          <a:fontRef idx="minor">
+            <a:schemeClr val="dk1"/>
+          </a:fontRef>
+        </p:style>
+        <p:txBody>
+          <a:bodyPr rtlCol="0" anchor="ctr"/>
+          <a:lstStyle/>
+          <a:p>
+            <a:pPr algn="ctr"/>
+            <a:r>
+              <a:rPr lang="en-US" dirty="0"/>
+              <a:t>Test installation</a:t>
+            </a:r>
+          </a:p>
+        </p:txBody>
+      </p:sp>
+      <p:cxnSp>
+        <p:nvCxnSpPr>
+          <p:cNvPr id="11" name="Straight Arrow Connector 10">
+            <a:extLst>
+              <a:ext uri="{FF2B5EF4-FFF2-40B4-BE49-F238E27FC236}">
+                <a16:creationId xmlns:a16="http://schemas.microsoft.com/office/drawing/2014/main" id="{6B33C74F-4F14-4536-81FE-954B18E376B2}"/>
+              </a:ext>
+            </a:extLst>
+          </p:cNvPr>
+          <p:cNvCxnSpPr>
+            <a:stCxn id="4" idx="2"/>
+            <a:endCxn id="5" idx="0"/>
+          </p:cNvCxnSpPr>
+          <p:nvPr/>
+        </p:nvCxnSpPr>
+        <p:spPr>
+          <a:xfrm>
+            <a:off x="2949678" y="1769807"/>
+            <a:ext cx="0" cy="380747"/>
+          </a:xfrm>
+          <a:prstGeom prst="straightConnector1">
+            <a:avLst/>
+          </a:prstGeom>
+          <a:ln>
+            <a:tailEnd type="triangle"/>
+          </a:ln>
+        </p:spPr>
+        <p:style>
+          <a:lnRef idx="1">
+            <a:schemeClr val="accent1"/>
+          </a:lnRef>
+          <a:fillRef idx="0">
+            <a:schemeClr val="accent1"/>
+          </a:fillRef>
+          <a:effectRef idx="0">
+            <a:schemeClr val="accent1"/>
+          </a:effectRef>
+          <a:fontRef idx="minor">
+            <a:schemeClr val="tx1"/>
+          </a:fontRef>
+        </p:style>
+      </p:cxnSp>
+      <p:cxnSp>
+        <p:nvCxnSpPr>
+          <p:cNvPr id="12" name="Straight Arrow Connector 11">
+            <a:extLst>
+              <a:ext uri="{FF2B5EF4-FFF2-40B4-BE49-F238E27FC236}">
+                <a16:creationId xmlns:a16="http://schemas.microsoft.com/office/drawing/2014/main" id="{4884850E-6E62-4365-9BCE-52A1600A9EA4}"/>
+              </a:ext>
+            </a:extLst>
+          </p:cNvPr>
+          <p:cNvCxnSpPr>
+            <a:cxnSpLocks/>
+            <a:stCxn id="5" idx="2"/>
+            <a:endCxn id="6" idx="0"/>
+          </p:cNvCxnSpPr>
+          <p:nvPr/>
+        </p:nvCxnSpPr>
+        <p:spPr>
+          <a:xfrm flipH="1">
+            <a:off x="2949677" y="2622962"/>
+            <a:ext cx="1" cy="393750"/>
+          </a:xfrm>
+          <a:prstGeom prst="straightConnector1">
+            <a:avLst/>
+          </a:prstGeom>
+          <a:ln>
+            <a:tailEnd type="triangle"/>
+          </a:ln>
+        </p:spPr>
+        <p:style>
+          <a:lnRef idx="1">
+            <a:schemeClr val="accent1"/>
+          </a:lnRef>
+          <a:fillRef idx="0">
+            <a:schemeClr val="accent1"/>
+          </a:fillRef>
+          <a:effectRef idx="0">
+            <a:schemeClr val="accent1"/>
+          </a:effectRef>
+          <a:fontRef idx="minor">
+            <a:schemeClr val="tx1"/>
+          </a:fontRef>
+        </p:style>
+      </p:cxnSp>
+      <p:cxnSp>
+        <p:nvCxnSpPr>
+          <p:cNvPr id="15" name="Straight Arrow Connector 14">
+            <a:extLst>
+              <a:ext uri="{FF2B5EF4-FFF2-40B4-BE49-F238E27FC236}">
+                <a16:creationId xmlns:a16="http://schemas.microsoft.com/office/drawing/2014/main" id="{F844DAB2-E805-4C28-AD46-F9186A062763}"/>
+              </a:ext>
+            </a:extLst>
+          </p:cNvPr>
+          <p:cNvCxnSpPr>
+            <a:cxnSpLocks/>
+            <a:stCxn id="6" idx="2"/>
+            <a:endCxn id="7" idx="0"/>
+          </p:cNvCxnSpPr>
+          <p:nvPr/>
+        </p:nvCxnSpPr>
+        <p:spPr>
+          <a:xfrm flipH="1">
+            <a:off x="2949676" y="3489120"/>
+            <a:ext cx="1" cy="340269"/>
+          </a:xfrm>
+          <a:prstGeom prst="straightConnector1">
+            <a:avLst/>
+          </a:prstGeom>
+          <a:ln>
+            <a:tailEnd type="triangle"/>
+          </a:ln>
+        </p:spPr>
+        <p:style>
+          <a:lnRef idx="1">
+            <a:schemeClr val="accent1"/>
+          </a:lnRef>
+          <a:fillRef idx="0">
+            <a:schemeClr val="accent1"/>
+          </a:fillRef>
+          <a:effectRef idx="0">
+            <a:schemeClr val="accent1"/>
+          </a:effectRef>
+          <a:fontRef idx="minor">
+            <a:schemeClr val="tx1"/>
+          </a:fontRef>
+        </p:style>
+      </p:cxnSp>
+      <p:cxnSp>
+        <p:nvCxnSpPr>
+          <p:cNvPr id="18" name="Straight Arrow Connector 17">
+            <a:extLst>
+              <a:ext uri="{FF2B5EF4-FFF2-40B4-BE49-F238E27FC236}">
+                <a16:creationId xmlns:a16="http://schemas.microsoft.com/office/drawing/2014/main" id="{969A8DB2-F7AA-40D5-84EE-7D27D6C0F5BB}"/>
+              </a:ext>
+            </a:extLst>
+          </p:cNvPr>
+          <p:cNvCxnSpPr>
+            <a:cxnSpLocks/>
+            <a:stCxn id="7" idx="2"/>
+            <a:endCxn id="8" idx="0"/>
+          </p:cNvCxnSpPr>
+          <p:nvPr/>
+        </p:nvCxnSpPr>
+        <p:spPr>
+          <a:xfrm flipH="1">
+            <a:off x="2949675" y="4301797"/>
+            <a:ext cx="1" cy="372523"/>
+          </a:xfrm>
+          <a:prstGeom prst="straightConnector1">
+            <a:avLst/>
+          </a:prstGeom>
+          <a:ln>
+            <a:tailEnd type="triangle"/>
+          </a:ln>
+        </p:spPr>
+        <p:style>
+          <a:lnRef idx="1">
+            <a:schemeClr val="accent1"/>
+          </a:lnRef>
+          <a:fillRef idx="0">
+            <a:schemeClr val="accent1"/>
+          </a:fillRef>
+          <a:effectRef idx="0">
+            <a:schemeClr val="accent1"/>
+          </a:effectRef>
+          <a:fontRef idx="minor">
+            <a:schemeClr val="tx1"/>
+          </a:fontRef>
+        </p:style>
+      </p:cxnSp>
+      <p:cxnSp>
+        <p:nvCxnSpPr>
+          <p:cNvPr id="21" name="Straight Arrow Connector 20">
+            <a:extLst>
+              <a:ext uri="{FF2B5EF4-FFF2-40B4-BE49-F238E27FC236}">
+                <a16:creationId xmlns:a16="http://schemas.microsoft.com/office/drawing/2014/main" id="{31D98B57-00CB-4FAB-8B91-C9E5D67541B4}"/>
+              </a:ext>
+            </a:extLst>
+          </p:cNvPr>
+          <p:cNvCxnSpPr>
+            <a:cxnSpLocks/>
+            <a:stCxn id="8" idx="2"/>
+            <a:endCxn id="9" idx="0"/>
+          </p:cNvCxnSpPr>
+          <p:nvPr/>
+        </p:nvCxnSpPr>
+        <p:spPr>
+          <a:xfrm flipH="1">
+            <a:off x="2949674" y="5146728"/>
+            <a:ext cx="1" cy="345048"/>
+          </a:xfrm>
+          <a:prstGeom prst="straightConnector1">
+            <a:avLst/>
+          </a:prstGeom>
+          <a:ln>
+            <a:tailEnd type="triangle"/>
+          </a:ln>
+        </p:spPr>
+        <p:style>
+          <a:lnRef idx="1">
+            <a:schemeClr val="accent1"/>
+          </a:lnRef>
+          <a:fillRef idx="0">
+            <a:schemeClr val="accent1"/>
+          </a:fillRef>
+          <a:effectRef idx="0">
+            <a:schemeClr val="accent1"/>
+          </a:effectRef>
+          <a:fontRef idx="minor">
+            <a:schemeClr val="tx1"/>
+          </a:fontRef>
+        </p:style>
+      </p:cxnSp>
+      <p:sp>
+        <p:nvSpPr>
+          <p:cNvPr id="24" name="Rectangle 23">
+            <a:extLst>
+              <a:ext uri="{FF2B5EF4-FFF2-40B4-BE49-F238E27FC236}">
+                <a16:creationId xmlns:a16="http://schemas.microsoft.com/office/drawing/2014/main" id="{1A5FF59D-AFD3-4BF4-89D1-8C35BEB37C6D}"/>
+              </a:ext>
+            </a:extLst>
+          </p:cNvPr>
+          <p:cNvSpPr/>
+          <p:nvPr/>
+        </p:nvSpPr>
+        <p:spPr>
+          <a:xfrm>
+            <a:off x="5653547" y="2819837"/>
+            <a:ext cx="2703871" cy="832181"/>
+          </a:xfrm>
+          <a:prstGeom prst="rect">
+            <a:avLst/>
+          </a:prstGeom>
+        </p:spPr>
+        <p:style>
+          <a:lnRef idx="2">
+            <a:schemeClr val="accent1"/>
+          </a:lnRef>
+          <a:fillRef idx="1">
+            <a:schemeClr val="lt1"/>
+          </a:fillRef>
+          <a:effectRef idx="0">
+            <a:schemeClr val="accent1"/>
+          </a:effectRef>
+          <a:fontRef idx="minor">
+            <a:schemeClr val="dk1"/>
+          </a:fontRef>
+        </p:style>
+        <p:txBody>
+          <a:bodyPr rtlCol="0" anchor="ctr"/>
+          <a:lstStyle/>
+          <a:p>
+            <a:pPr algn="ctr"/>
+            <a:r>
+              <a:rPr lang="en-US" dirty="0"/>
+              <a:t>Use </a:t>
+            </a:r>
+            <a:r>
+              <a:rPr lang="en-US" dirty="0" err="1"/>
+              <a:t>LabelImg</a:t>
+            </a:r>
+            <a:r>
+              <a:rPr lang="en-US" dirty="0"/>
+              <a:t> to create training samples</a:t>
+            </a:r>
+          </a:p>
+        </p:txBody>
+      </p:sp>
+      <p:sp>
+        <p:nvSpPr>
+          <p:cNvPr id="25" name="Rectangle 1">
+            <a:extLst>
+              <a:ext uri="{FF2B5EF4-FFF2-40B4-BE49-F238E27FC236}">
+                <a16:creationId xmlns:a16="http://schemas.microsoft.com/office/drawing/2014/main" id="{AEF50D45-37FF-4810-83FE-98F5784F72BA}"/>
+              </a:ext>
+            </a:extLst>
+          </p:cNvPr>
+          <p:cNvSpPr>
+            <a:spLocks noChangeArrowheads="1"/>
+          </p:cNvSpPr>
+          <p:nvPr/>
+        </p:nvSpPr>
+        <p:spPr bwMode="auto">
+          <a:xfrm>
+            <a:off x="4375354" y="5186333"/>
+            <a:ext cx="4316355" cy="430887"/>
+          </a:xfrm>
+          <a:prstGeom prst="rect">
+            <a:avLst/>
+          </a:prstGeom>
+          <a:solidFill>
+            <a:srgbClr val="F6F8FA"/>
+          </a:solidFill>
+          <a:ln>
+            <a:noFill/>
+          </a:ln>
+          <a:effectLst/>
+          <a:extLst>
+            <a:ext uri="{91240B29-F687-4F45-9708-019B960494DF}">
+              <a14:hiddenLine xmlns:a14="http://schemas.microsoft.com/office/drawing/2010/main" w="9525">
+                <a:solidFill>
+                  <a:schemeClr val="tx1"/>
+                </a:solidFill>
+                <a:miter lim="800000"/>
+                <a:headEnd/>
+                <a:tailEnd/>
+              </a14:hiddenLine>
+            </a:ext>
+            <a:ext uri="{AF507438-7753-43E0-B8FC-AC1667EBCBE1}">
+              <a14:hiddenEffects xmlns:a14="http://schemas.microsoft.com/office/drawing/2010/main">
+                <a:effectLst>
+                  <a:outerShdw dist="35921" dir="2700000" algn="ctr" rotWithShape="0">
+                    <a:schemeClr val="bg2"/>
+                  </a:outerShdw>
+                </a:effectLst>
+              </a14:hiddenEffects>
+            </a:ext>
+          </a:extLst>
+        </p:spPr>
+        <p:txBody>
+          <a:bodyPr vert="horz" wrap="square" lIns="91440" tIns="0" rIns="91440" bIns="0" numCol="1" anchor="ctr" anchorCtr="0" compatLnSpc="1">
+            <a:prstTxWarp prst="textNoShape">
+              <a:avLst/>
+            </a:prstTxWarp>
+            <a:spAutoFit/>
+          </a:bodyPr>
+          <a:lstStyle/>
+          <a:p>
+            <a:pPr marL="0" marR="0" lvl="0" indent="0" algn="l" defTabSz="914400" rtl="0" eaLnBrk="0" fontAlgn="base" latinLnBrk="0" hangingPunct="0">
+              <a:lnSpc>
+                <a:spcPct val="100000"/>
+              </a:lnSpc>
+              <a:spcBef>
+                <a:spcPct val="0"/>
+              </a:spcBef>
+              <a:spcAft>
+                <a:spcPct val="0"/>
+              </a:spcAft>
+              <a:buClrTx/>
+              <a:buSzTx/>
+              <a:buFontTx/>
+              <a:buNone/>
+              <a:tabLst/>
+            </a:pPr>
+            <a:r>
+              <a:rPr kumimoji="0" lang="en-US" altLang="en-US" sz="1400" b="0" i="0" u="none" strike="noStrike" cap="none" normalizeH="0" baseline="0" dirty="0">
+                <a:ln>
+                  <a:noFill/>
+                </a:ln>
+                <a:solidFill>
+                  <a:srgbClr val="24292E"/>
+                </a:solidFill>
+                <a:effectLst/>
+                <a:latin typeface="Arial Unicode MS" panose="020B0604020202020204" pitchFamily="34" charset="-128"/>
+                <a:ea typeface="SFMono-Regular"/>
+              </a:rPr>
+              <a:t>python object_detection/builders/model_builder_test.py</a:t>
+            </a:r>
+            <a:r>
+              <a:rPr kumimoji="0" lang="en-US" altLang="en-US" sz="1050" b="0" i="0" u="none" strike="noStrike" cap="none" normalizeH="0" baseline="0" dirty="0">
+                <a:ln>
+                  <a:noFill/>
+                </a:ln>
+                <a:solidFill>
+                  <a:schemeClr val="tx1"/>
+                </a:solidFill>
+                <a:effectLst/>
+              </a:rPr>
+              <a:t> </a:t>
+            </a:r>
+            <a:endParaRPr kumimoji="0" lang="en-US" altLang="en-US" sz="3600" b="0" i="0" u="none" strike="noStrike" cap="none" normalizeH="0" baseline="0" dirty="0">
+              <a:ln>
+                <a:noFill/>
+              </a:ln>
+              <a:solidFill>
+                <a:schemeClr val="tx1"/>
+              </a:solidFill>
+              <a:effectLst/>
+              <a:latin typeface="Arial" panose="020B0604020202020204" pitchFamily="34" charset="0"/>
+            </a:endParaRPr>
+          </a:p>
+        </p:txBody>
+      </p:sp>
+      <p:pic>
+        <p:nvPicPr>
+          <p:cNvPr id="27" name="Picture 26">
+            <a:extLst>
+              <a:ext uri="{FF2B5EF4-FFF2-40B4-BE49-F238E27FC236}">
+                <a16:creationId xmlns:a16="http://schemas.microsoft.com/office/drawing/2014/main" id="{2B0E7A74-CDFE-4586-90AC-87CBF30D9CF7}"/>
+              </a:ext>
+            </a:extLst>
+          </p:cNvPr>
+          <p:cNvPicPr>
+            <a:picLocks noChangeAspect="1"/>
+          </p:cNvPicPr>
+          <p:nvPr/>
+        </p:nvPicPr>
+        <p:blipFill>
+          <a:blip r:embed="rId2">
+            <a:extLst>
+              <a:ext uri="{28A0092B-C50C-407E-A947-70E740481C1C}">
+                <a14:useLocalDpi xmlns:a14="http://schemas.microsoft.com/office/drawing/2010/main" val="0"/>
+              </a:ext>
+            </a:extLst>
+          </a:blip>
+          <a:stretch>
+            <a:fillRect/>
+          </a:stretch>
+        </p:blipFill>
+        <p:spPr>
+          <a:xfrm>
+            <a:off x="4468281" y="5718148"/>
+            <a:ext cx="2616334" cy="1079555"/>
+          </a:xfrm>
+          <a:prstGeom prst="rect">
+            <a:avLst/>
+          </a:prstGeom>
+        </p:spPr>
+      </p:pic>
     </p:spTree>
     <p:extLst>
       <p:ext uri="{BB962C8B-B14F-4D97-AF65-F5344CB8AC3E}">
@@ -3830,37 +5298,519 @@
             <p:ph type="title"/>
           </p:nvPr>
         </p:nvSpPr>
-        <p:spPr/>
-        <p:txBody>
-          <a:bodyPr/>
-          <a:lstStyle/>
-          <a:p>
-            <a:endParaRPr lang="en-US"/>
-          </a:p>
-        </p:txBody>
-      </p:sp>
-      <p:sp>
-        <p:nvSpPr>
-          <p:cNvPr id="3" name="Content Placeholder 2">
+        <p:spPr>
+          <a:xfrm>
+            <a:off x="628650" y="365126"/>
+            <a:ext cx="7886700" cy="1325563"/>
+          </a:xfrm>
+        </p:spPr>
+        <p:txBody>
+          <a:bodyPr/>
+          <a:lstStyle/>
+          <a:p>
+            <a:r>
+              <a:rPr lang="en-US" dirty="0"/>
+              <a:t>Generate </a:t>
+            </a:r>
+            <a:r>
+              <a:rPr lang="en-US" dirty="0" err="1">
+                <a:hlinkClick r:id="rId2"/>
+              </a:rPr>
+              <a:t>TFRecords</a:t>
+            </a:r>
+            <a:r>
+              <a:rPr lang="en-US" dirty="0">
+                <a:hlinkClick r:id="rId2"/>
+              </a:rPr>
+              <a:t> Format</a:t>
+            </a:r>
+            <a:r>
+              <a:rPr lang="en-US" dirty="0"/>
+              <a:t> training samples </a:t>
+            </a:r>
+          </a:p>
+        </p:txBody>
+      </p:sp>
+      <p:sp>
+        <p:nvSpPr>
+          <p:cNvPr id="4" name="Rectangle 3">
             <a:extLst>
               <a:ext uri="{FF2B5EF4-FFF2-40B4-BE49-F238E27FC236}">
-                <a16:creationId xmlns:a16="http://schemas.microsoft.com/office/drawing/2014/main" id="{960C1DB5-B796-4BA2-9F39-42656FACD009}"/>
+                <a16:creationId xmlns:a16="http://schemas.microsoft.com/office/drawing/2014/main" id="{3D0E8824-F8BF-490F-800F-98E5B679233C}"/>
               </a:ext>
             </a:extLst>
           </p:cNvPr>
-          <p:cNvSpPr>
-            <a:spLocks noGrp="1"/>
-          </p:cNvSpPr>
-          <p:nvPr>
-            <p:ph idx="1"/>
-          </p:nvPr>
-        </p:nvSpPr>
-        <p:spPr/>
-        <p:txBody>
-          <a:bodyPr/>
-          <a:lstStyle/>
-          <a:p>
-            <a:endParaRPr lang="en-US"/>
+          <p:cNvSpPr/>
+          <p:nvPr/>
+        </p:nvSpPr>
+        <p:spPr>
+          <a:xfrm>
+            <a:off x="1185068" y="2062857"/>
+            <a:ext cx="2703871" cy="832181"/>
+          </a:xfrm>
+          <a:prstGeom prst="rect">
+            <a:avLst/>
+          </a:prstGeom>
+        </p:spPr>
+        <p:style>
+          <a:lnRef idx="2">
+            <a:schemeClr val="accent1"/>
+          </a:lnRef>
+          <a:fillRef idx="1">
+            <a:schemeClr val="lt1"/>
+          </a:fillRef>
+          <a:effectRef idx="0">
+            <a:schemeClr val="accent1"/>
+          </a:effectRef>
+          <a:fontRef idx="minor">
+            <a:schemeClr val="dk1"/>
+          </a:fontRef>
+        </p:style>
+        <p:txBody>
+          <a:bodyPr rtlCol="0" anchor="ctr"/>
+          <a:lstStyle/>
+          <a:p>
+            <a:pPr algn="ctr"/>
+            <a:r>
+              <a:rPr lang="en-US" dirty="0"/>
+              <a:t>Use </a:t>
+            </a:r>
+            <a:r>
+              <a:rPr lang="en-US" dirty="0" err="1"/>
+              <a:t>LabelImg</a:t>
+            </a:r>
+            <a:r>
+              <a:rPr lang="en-US" dirty="0"/>
+              <a:t> to create training samples</a:t>
+            </a:r>
+          </a:p>
+        </p:txBody>
+      </p:sp>
+      <p:sp>
+        <p:nvSpPr>
+          <p:cNvPr id="5" name="Rectangle 4">
+            <a:extLst>
+              <a:ext uri="{FF2B5EF4-FFF2-40B4-BE49-F238E27FC236}">
+                <a16:creationId xmlns:a16="http://schemas.microsoft.com/office/drawing/2014/main" id="{CC16DA9E-AA9D-40AC-AE6E-C4F5D3DDA663}"/>
+              </a:ext>
+            </a:extLst>
+          </p:cNvPr>
+          <p:cNvSpPr/>
+          <p:nvPr/>
+        </p:nvSpPr>
+        <p:spPr>
+          <a:xfrm>
+            <a:off x="1185067" y="3444750"/>
+            <a:ext cx="2703871" cy="498757"/>
+          </a:xfrm>
+          <a:prstGeom prst="rect">
+            <a:avLst/>
+          </a:prstGeom>
+        </p:spPr>
+        <p:style>
+          <a:lnRef idx="2">
+            <a:schemeClr val="accent1"/>
+          </a:lnRef>
+          <a:fillRef idx="1">
+            <a:schemeClr val="lt1"/>
+          </a:fillRef>
+          <a:effectRef idx="0">
+            <a:schemeClr val="accent1"/>
+          </a:effectRef>
+          <a:fontRef idx="minor">
+            <a:schemeClr val="dk1"/>
+          </a:fontRef>
+        </p:style>
+        <p:txBody>
+          <a:bodyPr rtlCol="0" anchor="ctr"/>
+          <a:lstStyle/>
+          <a:p>
+            <a:pPr algn="ctr"/>
+            <a:r>
+              <a:rPr lang="en-US" dirty="0"/>
+              <a:t>xml_to_csv.py</a:t>
+            </a:r>
+          </a:p>
+        </p:txBody>
+      </p:sp>
+      <p:sp>
+        <p:nvSpPr>
+          <p:cNvPr id="6" name="Rectangle 5">
+            <a:extLst>
+              <a:ext uri="{FF2B5EF4-FFF2-40B4-BE49-F238E27FC236}">
+                <a16:creationId xmlns:a16="http://schemas.microsoft.com/office/drawing/2014/main" id="{2A2D317E-1DF7-47F2-8B09-B3E9A4A9AFAD}"/>
+              </a:ext>
+            </a:extLst>
+          </p:cNvPr>
+          <p:cNvSpPr/>
+          <p:nvPr/>
+        </p:nvSpPr>
+        <p:spPr>
+          <a:xfrm>
+            <a:off x="1185066" y="4493219"/>
+            <a:ext cx="2703871" cy="498757"/>
+          </a:xfrm>
+          <a:prstGeom prst="rect">
+            <a:avLst/>
+          </a:prstGeom>
+        </p:spPr>
+        <p:style>
+          <a:lnRef idx="2">
+            <a:schemeClr val="accent1"/>
+          </a:lnRef>
+          <a:fillRef idx="1">
+            <a:schemeClr val="lt1"/>
+          </a:fillRef>
+          <a:effectRef idx="0">
+            <a:schemeClr val="accent1"/>
+          </a:effectRef>
+          <a:fontRef idx="minor">
+            <a:schemeClr val="dk1"/>
+          </a:fontRef>
+        </p:style>
+        <p:txBody>
+          <a:bodyPr rtlCol="0" anchor="ctr"/>
+          <a:lstStyle/>
+          <a:p>
+            <a:pPr algn="ctr"/>
+            <a:r>
+              <a:rPr lang="en-US" dirty="0"/>
+              <a:t>generate_tfrecord.py</a:t>
+            </a:r>
+          </a:p>
+        </p:txBody>
+      </p:sp>
+      <p:sp>
+        <p:nvSpPr>
+          <p:cNvPr id="7" name="Rectangle 6">
+            <a:extLst>
+              <a:ext uri="{FF2B5EF4-FFF2-40B4-BE49-F238E27FC236}">
+                <a16:creationId xmlns:a16="http://schemas.microsoft.com/office/drawing/2014/main" id="{2BAA241A-A294-48F9-A6DF-F33ABEE76DA7}"/>
+              </a:ext>
+            </a:extLst>
+          </p:cNvPr>
+          <p:cNvSpPr/>
+          <p:nvPr/>
+        </p:nvSpPr>
+        <p:spPr>
+          <a:xfrm>
+            <a:off x="1671760" y="5457917"/>
+            <a:ext cx="1730481" cy="498757"/>
+          </a:xfrm>
+          <a:prstGeom prst="rect">
+            <a:avLst/>
+          </a:prstGeom>
+        </p:spPr>
+        <p:style>
+          <a:lnRef idx="2">
+            <a:schemeClr val="accent1"/>
+          </a:lnRef>
+          <a:fillRef idx="1">
+            <a:schemeClr val="lt1"/>
+          </a:fillRef>
+          <a:effectRef idx="0">
+            <a:schemeClr val="accent1"/>
+          </a:effectRef>
+          <a:fontRef idx="minor">
+            <a:schemeClr val="dk1"/>
+          </a:fontRef>
+        </p:style>
+        <p:txBody>
+          <a:bodyPr rtlCol="0" anchor="ctr"/>
+          <a:lstStyle/>
+          <a:p>
+            <a:pPr algn="ctr"/>
+            <a:r>
+              <a:rPr lang="en-US" dirty="0" err="1"/>
+              <a:t>Train.record</a:t>
+            </a:r>
+            <a:endParaRPr lang="en-US" dirty="0"/>
+          </a:p>
+        </p:txBody>
+      </p:sp>
+      <p:cxnSp>
+        <p:nvCxnSpPr>
+          <p:cNvPr id="8" name="Straight Arrow Connector 7">
+            <a:extLst>
+              <a:ext uri="{FF2B5EF4-FFF2-40B4-BE49-F238E27FC236}">
+                <a16:creationId xmlns:a16="http://schemas.microsoft.com/office/drawing/2014/main" id="{DBE862B0-C686-4E8D-95AF-77668F1DBCC8}"/>
+              </a:ext>
+            </a:extLst>
+          </p:cNvPr>
+          <p:cNvCxnSpPr>
+            <a:cxnSpLocks/>
+            <a:stCxn id="4" idx="2"/>
+            <a:endCxn id="5" idx="0"/>
+          </p:cNvCxnSpPr>
+          <p:nvPr/>
+        </p:nvCxnSpPr>
+        <p:spPr>
+          <a:xfrm flipH="1">
+            <a:off x="2537003" y="2895038"/>
+            <a:ext cx="1" cy="549712"/>
+          </a:xfrm>
+          <a:prstGeom prst="straightConnector1">
+            <a:avLst/>
+          </a:prstGeom>
+          <a:ln>
+            <a:tailEnd type="triangle"/>
+          </a:ln>
+        </p:spPr>
+        <p:style>
+          <a:lnRef idx="1">
+            <a:schemeClr val="accent1"/>
+          </a:lnRef>
+          <a:fillRef idx="0">
+            <a:schemeClr val="accent1"/>
+          </a:fillRef>
+          <a:effectRef idx="0">
+            <a:schemeClr val="accent1"/>
+          </a:effectRef>
+          <a:fontRef idx="minor">
+            <a:schemeClr val="tx1"/>
+          </a:fontRef>
+        </p:style>
+      </p:cxnSp>
+      <p:cxnSp>
+        <p:nvCxnSpPr>
+          <p:cNvPr id="11" name="Straight Arrow Connector 10">
+            <a:extLst>
+              <a:ext uri="{FF2B5EF4-FFF2-40B4-BE49-F238E27FC236}">
+                <a16:creationId xmlns:a16="http://schemas.microsoft.com/office/drawing/2014/main" id="{218AA023-916A-42D0-ACC4-E7E45693D0D9}"/>
+              </a:ext>
+            </a:extLst>
+          </p:cNvPr>
+          <p:cNvCxnSpPr>
+            <a:cxnSpLocks/>
+            <a:stCxn id="5" idx="2"/>
+            <a:endCxn id="6" idx="0"/>
+          </p:cNvCxnSpPr>
+          <p:nvPr/>
+        </p:nvCxnSpPr>
+        <p:spPr>
+          <a:xfrm flipH="1">
+            <a:off x="2537002" y="3943507"/>
+            <a:ext cx="1" cy="549712"/>
+          </a:xfrm>
+          <a:prstGeom prst="straightConnector1">
+            <a:avLst/>
+          </a:prstGeom>
+          <a:ln>
+            <a:tailEnd type="triangle"/>
+          </a:ln>
+        </p:spPr>
+        <p:style>
+          <a:lnRef idx="1">
+            <a:schemeClr val="accent1"/>
+          </a:lnRef>
+          <a:fillRef idx="0">
+            <a:schemeClr val="accent1"/>
+          </a:fillRef>
+          <a:effectRef idx="0">
+            <a:schemeClr val="accent1"/>
+          </a:effectRef>
+          <a:fontRef idx="minor">
+            <a:schemeClr val="tx1"/>
+          </a:fontRef>
+        </p:style>
+      </p:cxnSp>
+      <p:cxnSp>
+        <p:nvCxnSpPr>
+          <p:cNvPr id="14" name="Straight Arrow Connector 13">
+            <a:extLst>
+              <a:ext uri="{FF2B5EF4-FFF2-40B4-BE49-F238E27FC236}">
+                <a16:creationId xmlns:a16="http://schemas.microsoft.com/office/drawing/2014/main" id="{136B2E24-410A-43DC-8C1D-B8787B7E3CC8}"/>
+              </a:ext>
+            </a:extLst>
+          </p:cNvPr>
+          <p:cNvCxnSpPr>
+            <a:cxnSpLocks/>
+            <a:stCxn id="6" idx="2"/>
+            <a:endCxn id="7" idx="0"/>
+          </p:cNvCxnSpPr>
+          <p:nvPr/>
+        </p:nvCxnSpPr>
+        <p:spPr>
+          <a:xfrm flipH="1">
+            <a:off x="2537001" y="4991976"/>
+            <a:ext cx="1" cy="465941"/>
+          </a:xfrm>
+          <a:prstGeom prst="straightConnector1">
+            <a:avLst/>
+          </a:prstGeom>
+          <a:ln>
+            <a:tailEnd type="triangle"/>
+          </a:ln>
+        </p:spPr>
+        <p:style>
+          <a:lnRef idx="1">
+            <a:schemeClr val="accent1"/>
+          </a:lnRef>
+          <a:fillRef idx="0">
+            <a:schemeClr val="accent1"/>
+          </a:fillRef>
+          <a:effectRef idx="0">
+            <a:schemeClr val="accent1"/>
+          </a:effectRef>
+          <a:fontRef idx="minor">
+            <a:schemeClr val="tx1"/>
+          </a:fontRef>
+        </p:style>
+      </p:cxnSp>
+      <p:sp>
+        <p:nvSpPr>
+          <p:cNvPr id="17" name="Rectangle 16">
+            <a:extLst>
+              <a:ext uri="{FF2B5EF4-FFF2-40B4-BE49-F238E27FC236}">
+                <a16:creationId xmlns:a16="http://schemas.microsoft.com/office/drawing/2014/main" id="{B0E05105-7374-4E71-849D-1C798415364D}"/>
+              </a:ext>
+            </a:extLst>
+          </p:cNvPr>
+          <p:cNvSpPr/>
+          <p:nvPr/>
+        </p:nvSpPr>
+        <p:spPr>
+          <a:xfrm>
+            <a:off x="4777484" y="2117593"/>
+            <a:ext cx="2165314" cy="646331"/>
+          </a:xfrm>
+          <a:prstGeom prst="rect">
+            <a:avLst/>
+          </a:prstGeom>
+        </p:spPr>
+        <p:txBody>
+          <a:bodyPr wrap="square">
+            <a:spAutoFit/>
+          </a:bodyPr>
+          <a:lstStyle/>
+          <a:p>
+            <a:r>
+              <a:rPr lang="en-US" dirty="0"/>
+              <a:t>All images have to be in the same folder</a:t>
+            </a:r>
+          </a:p>
+        </p:txBody>
+      </p:sp>
+      <p:sp>
+        <p:nvSpPr>
+          <p:cNvPr id="18" name="Rectangle 17">
+            <a:extLst>
+              <a:ext uri="{FF2B5EF4-FFF2-40B4-BE49-F238E27FC236}">
+                <a16:creationId xmlns:a16="http://schemas.microsoft.com/office/drawing/2014/main" id="{AE6F58AA-68B5-407D-AC11-D9059C150C62}"/>
+              </a:ext>
+            </a:extLst>
+          </p:cNvPr>
+          <p:cNvSpPr/>
+          <p:nvPr/>
+        </p:nvSpPr>
+        <p:spPr>
+          <a:xfrm>
+            <a:off x="4441684" y="3284814"/>
+            <a:ext cx="2165314" cy="646331"/>
+          </a:xfrm>
+          <a:prstGeom prst="rect">
+            <a:avLst/>
+          </a:prstGeom>
+        </p:spPr>
+        <p:txBody>
+          <a:bodyPr wrap="square">
+            <a:spAutoFit/>
+          </a:bodyPr>
+          <a:lstStyle/>
+          <a:p>
+            <a:r>
+              <a:rPr lang="en-US" dirty="0"/>
+              <a:t>Move output csv to the image folder</a:t>
+            </a:r>
+          </a:p>
+        </p:txBody>
+      </p:sp>
+      <p:sp>
+        <p:nvSpPr>
+          <p:cNvPr id="19" name="Rectangle 18">
+            <a:extLst>
+              <a:ext uri="{FF2B5EF4-FFF2-40B4-BE49-F238E27FC236}">
+                <a16:creationId xmlns:a16="http://schemas.microsoft.com/office/drawing/2014/main" id="{46874150-0402-420F-A09B-2D76E105C67C}"/>
+              </a:ext>
+            </a:extLst>
+          </p:cNvPr>
+          <p:cNvSpPr/>
+          <p:nvPr/>
+        </p:nvSpPr>
+        <p:spPr>
+          <a:xfrm>
+            <a:off x="6606998" y="3444750"/>
+            <a:ext cx="2793964" cy="369332"/>
+          </a:xfrm>
+          <a:prstGeom prst="rect">
+            <a:avLst/>
+          </a:prstGeom>
+        </p:spPr>
+        <p:txBody>
+          <a:bodyPr wrap="square">
+            <a:spAutoFit/>
+          </a:bodyPr>
+          <a:lstStyle/>
+          <a:p>
+            <a:r>
+              <a:rPr lang="en-US" dirty="0"/>
+              <a:t>python xml_to_csv.py</a:t>
+            </a:r>
+          </a:p>
+        </p:txBody>
+      </p:sp>
+      <p:sp>
+        <p:nvSpPr>
+          <p:cNvPr id="20" name="Rectangle 19">
+            <a:extLst>
+              <a:ext uri="{FF2B5EF4-FFF2-40B4-BE49-F238E27FC236}">
+                <a16:creationId xmlns:a16="http://schemas.microsoft.com/office/drawing/2014/main" id="{7C8636F1-5F41-4A67-817E-4D8476899DD3}"/>
+              </a:ext>
+            </a:extLst>
+          </p:cNvPr>
+          <p:cNvSpPr/>
+          <p:nvPr/>
+        </p:nvSpPr>
+        <p:spPr>
+          <a:xfrm>
+            <a:off x="4320998" y="4358049"/>
+            <a:ext cx="4572000" cy="923330"/>
+          </a:xfrm>
+          <a:prstGeom prst="rect">
+            <a:avLst/>
+          </a:prstGeom>
+        </p:spPr>
+        <p:txBody>
+          <a:bodyPr>
+            <a:spAutoFit/>
+          </a:bodyPr>
+          <a:lstStyle/>
+          <a:p>
+            <a:r>
+              <a:rPr lang="en-US" dirty="0"/>
+              <a:t>python generate_tfrecord.py --</a:t>
+            </a:r>
+            <a:r>
+              <a:rPr lang="en-US" dirty="0" err="1"/>
+              <a:t>csv_input</a:t>
+            </a:r>
+            <a:r>
+              <a:rPr lang="en-US" dirty="0"/>
+              <a:t> traffic_light_labels.csv --</a:t>
+            </a:r>
+            <a:r>
+              <a:rPr lang="en-US" dirty="0" err="1"/>
+              <a:t>output_path</a:t>
+            </a:r>
+            <a:r>
+              <a:rPr lang="en-US" dirty="0"/>
+              <a:t>=</a:t>
+            </a:r>
+            <a:r>
+              <a:rPr lang="en-US" dirty="0" err="1"/>
+              <a:t>train.record</a:t>
+            </a:r>
+            <a:endParaRPr lang="en-US" dirty="0"/>
           </a:p>
         </p:txBody>
       </p:sp>
@@ -3896,31 +5846,6 @@
       </p:grpSpPr>
       <p:sp>
         <p:nvSpPr>
-          <p:cNvPr id="2" name="Title 1">
-            <a:extLst>
-              <a:ext uri="{FF2B5EF4-FFF2-40B4-BE49-F238E27FC236}">
-                <a16:creationId xmlns:a16="http://schemas.microsoft.com/office/drawing/2014/main" id="{EA40FA76-EFBF-4AD4-9C01-5763F491545C}"/>
-              </a:ext>
-            </a:extLst>
-          </p:cNvPr>
-          <p:cNvSpPr>
-            <a:spLocks noGrp="1"/>
-          </p:cNvSpPr>
-          <p:nvPr>
-            <p:ph type="title"/>
-          </p:nvPr>
-        </p:nvSpPr>
-        <p:spPr/>
-        <p:txBody>
-          <a:bodyPr/>
-          <a:lstStyle/>
-          <a:p>
-            <a:endParaRPr lang="en-US"/>
-          </a:p>
-        </p:txBody>
-      </p:sp>
-      <p:sp>
-        <p:nvSpPr>
           <p:cNvPr id="3" name="Content Placeholder 2">
             <a:extLst>
               <a:ext uri="{FF2B5EF4-FFF2-40B4-BE49-F238E27FC236}">
@@ -3935,15 +5860,73 @@
             <p:ph idx="1"/>
           </p:nvPr>
         </p:nvSpPr>
-        <p:spPr/>
-        <p:txBody>
-          <a:bodyPr/>
-          <a:lstStyle/>
-          <a:p>
-            <a:endParaRPr lang="en-US"/>
-          </a:p>
-        </p:txBody>
-      </p:sp>
+        <p:spPr>
+          <a:xfrm>
+            <a:off x="628650" y="365126"/>
+            <a:ext cx="7886700" cy="5811837"/>
+          </a:xfrm>
+        </p:spPr>
+        <p:txBody>
+          <a:bodyPr/>
+          <a:lstStyle/>
+          <a:p>
+            <a:r>
+              <a:rPr lang="en-US" dirty="0"/>
+              <a:t>Download a model from </a:t>
+            </a:r>
+            <a:r>
+              <a:rPr lang="en-US" dirty="0">
+                <a:hlinkClick r:id="rId2"/>
+              </a:rPr>
+              <a:t>https://github.com/tensorflow/models/blob/master/research/object_detection/g3doc/detection_model_zoo.md</a:t>
+            </a:r>
+            <a:r>
+              <a:rPr lang="en-US" dirty="0"/>
+              <a:t> </a:t>
+            </a:r>
+          </a:p>
+          <a:p>
+            <a:r>
+              <a:rPr lang="en-US" dirty="0" err="1"/>
+              <a:t>Uncompress</a:t>
+            </a:r>
+            <a:r>
+              <a:rPr lang="en-US" dirty="0"/>
+              <a:t> the file</a:t>
+            </a:r>
+          </a:p>
+        </p:txBody>
+      </p:sp>
+      <p:pic>
+        <p:nvPicPr>
+          <p:cNvPr id="4" name="Picture 3">
+            <a:extLst>
+              <a:ext uri="{FF2B5EF4-FFF2-40B4-BE49-F238E27FC236}">
+                <a16:creationId xmlns:a16="http://schemas.microsoft.com/office/drawing/2014/main" id="{2EBF5CBF-06CE-4903-9191-B44644DA60C7}"/>
+              </a:ext>
+            </a:extLst>
+          </p:cNvPr>
+          <p:cNvPicPr>
+            <a:picLocks noChangeAspect="1"/>
+          </p:cNvPicPr>
+          <p:nvPr/>
+        </p:nvPicPr>
+        <p:blipFill>
+          <a:blip r:embed="rId3"/>
+          <a:stretch>
+            <a:fillRect/>
+          </a:stretch>
+        </p:blipFill>
+        <p:spPr>
+          <a:xfrm>
+            <a:off x="525294" y="3107107"/>
+            <a:ext cx="7886700" cy="2928567"/>
+          </a:xfrm>
+          <a:prstGeom prst="rect">
+            <a:avLst/>
+          </a:prstGeom>
+        </p:spPr>
+      </p:pic>
     </p:spTree>
     <p:extLst>
       <p:ext uri="{BB962C8B-B14F-4D97-AF65-F5344CB8AC3E}">
@@ -3995,7 +5978,10 @@
           <a:bodyPr/>
           <a:lstStyle/>
           <a:p>
-            <a:endParaRPr lang="en-US"/>
+            <a:r>
+              <a:rPr lang="en-US" dirty="0"/>
+              <a:t>Create a training folder</a:t>
+            </a:r>
           </a:p>
         </p:txBody>
       </p:sp>
@@ -4020,10 +6006,80 @@
           <a:bodyPr/>
           <a:lstStyle/>
           <a:p>
-            <a:endParaRPr lang="en-US"/>
-          </a:p>
-        </p:txBody>
-      </p:sp>
+            <a:r>
+              <a:rPr lang="en-US" dirty="0"/>
+              <a:t>In the folder:</a:t>
+            </a:r>
+          </a:p>
+          <a:p>
+            <a:pPr lvl="1"/>
+            <a:r>
+              <a:rPr lang="en-US" dirty="0"/>
+              <a:t>Copy </a:t>
+            </a:r>
+            <a:r>
+              <a:rPr lang="en-US" dirty="0" err="1"/>
+              <a:t>train.record</a:t>
+            </a:r>
+            <a:r>
+              <a:rPr lang="en-US" dirty="0"/>
+              <a:t> to this folder</a:t>
+            </a:r>
+          </a:p>
+          <a:p>
+            <a:pPr lvl="1"/>
+            <a:r>
+              <a:rPr lang="en-US" dirty="0"/>
+              <a:t>Copy </a:t>
+            </a:r>
+            <a:r>
+              <a:rPr lang="en-US" dirty="0" err="1"/>
+              <a:t>pipeline.config</a:t>
+            </a:r>
+            <a:r>
+              <a:rPr lang="en-US" dirty="0"/>
+              <a:t> (from the downloaded model)</a:t>
+            </a:r>
+          </a:p>
+          <a:p>
+            <a:pPr lvl="1"/>
+            <a:r>
+              <a:rPr lang="en-US" dirty="0"/>
+              <a:t>Create a label.txt file shown below</a:t>
+            </a:r>
+          </a:p>
+        </p:txBody>
+      </p:sp>
+      <p:pic>
+        <p:nvPicPr>
+          <p:cNvPr id="4" name="Picture 3">
+            <a:extLst>
+              <a:ext uri="{FF2B5EF4-FFF2-40B4-BE49-F238E27FC236}">
+                <a16:creationId xmlns:a16="http://schemas.microsoft.com/office/drawing/2014/main" id="{0D452299-E859-47CE-ADC8-809D81D34FDD}"/>
+              </a:ext>
+            </a:extLst>
+          </p:cNvPr>
+          <p:cNvPicPr>
+            <a:picLocks noChangeAspect="1"/>
+          </p:cNvPicPr>
+          <p:nvPr/>
+        </p:nvPicPr>
+        <p:blipFill>
+          <a:blip r:embed="rId3"/>
+          <a:stretch>
+            <a:fillRect/>
+          </a:stretch>
+        </p:blipFill>
+        <p:spPr>
+          <a:xfrm>
+            <a:off x="3050838" y="3555459"/>
+            <a:ext cx="2400300" cy="2400300"/>
+          </a:xfrm>
+          <a:prstGeom prst="rect">
+            <a:avLst/>
+          </a:prstGeom>
+        </p:spPr>
+      </p:pic>
     </p:spTree>
     <p:extLst>
       <p:ext uri="{BB962C8B-B14F-4D97-AF65-F5344CB8AC3E}">
@@ -4075,7 +6131,15 @@
           <a:bodyPr/>
           <a:lstStyle/>
           <a:p>
-            <a:endParaRPr lang="en-US"/>
+            <a:r>
+              <a:rPr lang="en-US" dirty="0"/>
+              <a:t>Edit </a:t>
+            </a:r>
+            <a:r>
+              <a:rPr lang="en-US" dirty="0" err="1"/>
+              <a:t>pipeline.config</a:t>
+            </a:r>
+            <a:endParaRPr lang="en-US" dirty="0"/>
           </a:p>
         </p:txBody>
       </p:sp>
@@ -4104,6 +6168,95 @@
           </a:p>
         </p:txBody>
       </p:sp>
+      <p:pic>
+        <p:nvPicPr>
+          <p:cNvPr id="4" name="Picture 3">
+            <a:extLst>
+              <a:ext uri="{FF2B5EF4-FFF2-40B4-BE49-F238E27FC236}">
+                <a16:creationId xmlns:a16="http://schemas.microsoft.com/office/drawing/2014/main" id="{648BA816-5FC9-4BA5-A45D-4872DE16CA41}"/>
+              </a:ext>
+            </a:extLst>
+          </p:cNvPr>
+          <p:cNvPicPr>
+            <a:picLocks noChangeAspect="1"/>
+          </p:cNvPicPr>
+          <p:nvPr/>
+        </p:nvPicPr>
+        <p:blipFill>
+          <a:blip r:embed="rId3"/>
+          <a:stretch>
+            <a:fillRect/>
+          </a:stretch>
+        </p:blipFill>
+        <p:spPr>
+          <a:xfrm>
+            <a:off x="540291" y="1825625"/>
+            <a:ext cx="4152900" cy="1866900"/>
+          </a:xfrm>
+          <a:prstGeom prst="rect">
+            <a:avLst/>
+          </a:prstGeom>
+        </p:spPr>
+      </p:pic>
+      <p:pic>
+        <p:nvPicPr>
+          <p:cNvPr id="5" name="Picture 4">
+            <a:extLst>
+              <a:ext uri="{FF2B5EF4-FFF2-40B4-BE49-F238E27FC236}">
+                <a16:creationId xmlns:a16="http://schemas.microsoft.com/office/drawing/2014/main" id="{463F786A-68DA-4442-A22B-8E1D9C302F16}"/>
+              </a:ext>
+            </a:extLst>
+          </p:cNvPr>
+          <p:cNvPicPr>
+            <a:picLocks noChangeAspect="1"/>
+          </p:cNvPicPr>
+          <p:nvPr/>
+        </p:nvPicPr>
+        <p:blipFill>
+          <a:blip r:embed="rId4"/>
+          <a:stretch>
+            <a:fillRect/>
+          </a:stretch>
+        </p:blipFill>
+        <p:spPr>
+          <a:xfrm>
+            <a:off x="533400" y="4001294"/>
+            <a:ext cx="4038600" cy="1562100"/>
+          </a:xfrm>
+          <a:prstGeom prst="rect">
+            <a:avLst/>
+          </a:prstGeom>
+        </p:spPr>
+      </p:pic>
+      <p:pic>
+        <p:nvPicPr>
+          <p:cNvPr id="6" name="Picture 5">
+            <a:extLst>
+              <a:ext uri="{FF2B5EF4-FFF2-40B4-BE49-F238E27FC236}">
+                <a16:creationId xmlns:a16="http://schemas.microsoft.com/office/drawing/2014/main" id="{A0D51F24-1340-4F25-B623-ABA1AE14D3DA}"/>
+              </a:ext>
+            </a:extLst>
+          </p:cNvPr>
+          <p:cNvPicPr>
+            <a:picLocks noChangeAspect="1"/>
+          </p:cNvPicPr>
+          <p:nvPr/>
+        </p:nvPicPr>
+        <p:blipFill rotWithShape="1">
+          <a:blip r:embed="rId5"/>
+          <a:srcRect r="73997"/>
+          <a:stretch/>
+        </p:blipFill>
+        <p:spPr>
+          <a:xfrm>
+            <a:off x="5695950" y="917756"/>
+            <a:ext cx="2819400" cy="5549537"/>
+          </a:xfrm>
+          <a:prstGeom prst="rect">
+            <a:avLst/>
+          </a:prstGeom>
+        </p:spPr>
+      </p:pic>
     </p:spTree>
     <p:extLst>
       <p:ext uri="{BB962C8B-B14F-4D97-AF65-F5344CB8AC3E}">
@@ -4329,7 +6482,39 @@
           <a:bodyPr/>
           <a:lstStyle/>
           <a:p>
-            <a:endParaRPr lang="en-US"/>
+            <a:r>
+              <a:rPr lang="en-US" dirty="0"/>
+              <a:t>python train.py --</a:t>
+            </a:r>
+            <a:r>
+              <a:rPr lang="en-US" dirty="0" err="1"/>
+              <a:t>logtostderr</a:t>
+            </a:r>
+            <a:r>
+              <a:rPr lang="en-US" dirty="0"/>
+              <a:t> --</a:t>
+            </a:r>
+            <a:r>
+              <a:rPr lang="en-US" dirty="0" err="1"/>
+              <a:t>train_dir</a:t>
+            </a:r>
+            <a:r>
+              <a:rPr lang="en-US" dirty="0"/>
+              <a:t>=training7 --</a:t>
+            </a:r>
+            <a:r>
+              <a:rPr lang="en-US" dirty="0" err="1"/>
+              <a:t>pipeline_config</a:t>
+            </a:r>
+            <a:r>
+              <a:rPr lang="en-US" dirty="0"/>
+              <a:t>=training7\</a:t>
+            </a:r>
+            <a:r>
+              <a:rPr lang="en-US" dirty="0" err="1"/>
+              <a:t>pipeline.config</a:t>
+            </a:r>
+            <a:endParaRPr lang="en-US" dirty="0"/>
           </a:p>
         </p:txBody>
       </p:sp>
@@ -5840,4 +8025,299 @@
     </a:ext>
   </a:extLst>
 </a:theme>
+</file>
+
+<file path=ppt/theme/theme2.xml><?xml version="1.0" encoding="utf-8"?>
+<a:theme xmlns:a="http://schemas.openxmlformats.org/drawingml/2006/main" name="Office Theme">
+  <a:themeElements>
+    <a:clrScheme name="Office">
+      <a:dk1>
+        <a:sysClr val="windowText" lastClr="000000"/>
+      </a:dk1>
+      <a:lt1>
+        <a:sysClr val="window" lastClr="FFFFFF"/>
+      </a:lt1>
+      <a:dk2>
+        <a:srgbClr val="44546A"/>
+      </a:dk2>
+      <a:lt2>
+        <a:srgbClr val="E7E6E6"/>
+      </a:lt2>
+      <a:accent1>
+        <a:srgbClr val="4472C4"/>
+      </a:accent1>
+      <a:accent2>
+        <a:srgbClr val="ED7D31"/>
+      </a:accent2>
+      <a:accent3>
+        <a:srgbClr val="A5A5A5"/>
+      </a:accent3>
+      <a:accent4>
+        <a:srgbClr val="FFC000"/>
+      </a:accent4>
+      <a:accent5>
+        <a:srgbClr val="5B9BD5"/>
+      </a:accent5>
+      <a:accent6>
+        <a:srgbClr val="70AD47"/>
+      </a:accent6>
+      <a:hlink>
+        <a:srgbClr val="0563C1"/>
+      </a:hlink>
+      <a:folHlink>
+        <a:srgbClr val="954F72"/>
+      </a:folHlink>
+    </a:clrScheme>
+    <a:fontScheme name="Office">
+      <a:majorFont>
+        <a:latin typeface="Calibri Light" panose="020F0302020204030204"/>
+        <a:ea typeface=""/>
+        <a:cs typeface=""/>
+        <a:font script="Jpan" typeface="游ゴシック Light"/>
+        <a:font script="Hang" typeface="맑은 고딕"/>
+        <a:font script="Hans" typeface="等线 Light"/>
+        <a:font script="Hant" typeface="新細明體"/>
+        <a:font script="Arab" typeface="Times New Roman"/>
+        <a:font script="Hebr" typeface="Times New Roman"/>
+        <a:font script="Thai" typeface="Angsana New"/>
+        <a:font script="Ethi" typeface="Nyala"/>
+        <a:font script="Beng" typeface="Vrinda"/>
+        <a:font script="Gujr" typeface="Shruti"/>
+        <a:font script="Khmr" typeface="MoolBoran"/>
+        <a:font script="Knda" typeface="Tunga"/>
+        <a:font script="Guru" typeface="Raavi"/>
+        <a:font script="Cans" typeface="Euphemia"/>
+        <a:font script="Cher" typeface="Plantagenet Cherokee"/>
+        <a:font script="Yiii" typeface="Microsoft Yi Baiti"/>
+        <a:font script="Tibt" typeface="Microsoft Himalaya"/>
+        <a:font script="Thaa" typeface="MV Boli"/>
+        <a:font script="Deva" typeface="Mangal"/>
+        <a:font script="Telu" typeface="Gautami"/>
+        <a:font script="Taml" typeface="Latha"/>
+        <a:font script="Syrc" typeface="Estrangelo Edessa"/>
+        <a:font script="Orya" typeface="Kalinga"/>
+        <a:font script="Mlym" typeface="Kartika"/>
+        <a:font script="Laoo" typeface="DokChampa"/>
+        <a:font script="Sinh" typeface="Iskoola Pota"/>
+        <a:font script="Mong" typeface="Mongolian Baiti"/>
+        <a:font script="Viet" typeface="Times New Roman"/>
+        <a:font script="Uigh" typeface="Microsoft Uighur"/>
+        <a:font script="Geor" typeface="Sylfaen"/>
+        <a:font script="Armn" typeface="Arial"/>
+        <a:font script="Bugi" typeface="Leelawadee UI"/>
+        <a:font script="Bopo" typeface="Microsoft JhengHei"/>
+        <a:font script="Java" typeface="Javanese Text"/>
+        <a:font script="Lisu" typeface="Segoe UI"/>
+        <a:font script="Mymr" typeface="Myanmar Text"/>
+        <a:font script="Nkoo" typeface="Ebrima"/>
+        <a:font script="Olck" typeface="Nirmala UI"/>
+        <a:font script="Osma" typeface="Ebrima"/>
+        <a:font script="Phag" typeface="Phagspa"/>
+        <a:font script="Syrn" typeface="Estrangelo Edessa"/>
+        <a:font script="Syrj" typeface="Estrangelo Edessa"/>
+        <a:font script="Syre" typeface="Estrangelo Edessa"/>
+        <a:font script="Sora" typeface="Nirmala UI"/>
+        <a:font script="Tale" typeface="Microsoft Tai Le"/>
+        <a:font script="Talu" typeface="Microsoft New Tai Lue"/>
+        <a:font script="Tfng" typeface="Ebrima"/>
+      </a:majorFont>
+      <a:minorFont>
+        <a:latin typeface="Calibri" panose="020F0502020204030204"/>
+        <a:ea typeface=""/>
+        <a:cs typeface=""/>
+        <a:font script="Jpan" typeface="游ゴシック"/>
+        <a:font script="Hang" typeface="맑은 고딕"/>
+        <a:font script="Hans" typeface="等线"/>
+        <a:font script="Hant" typeface="新細明體"/>
+        <a:font script="Arab" typeface="Arial"/>
+        <a:font script="Hebr" typeface="Arial"/>
+        <a:font script="Thai" typeface="Cordia New"/>
+        <a:font script="Ethi" typeface="Nyala"/>
+        <a:font script="Beng" typeface="Vrinda"/>
+        <a:font script="Gujr" typeface="Shruti"/>
+        <a:font script="Khmr" typeface="DaunPenh"/>
+        <a:font script="Knda" typeface="Tunga"/>
+        <a:font script="Guru" typeface="Raavi"/>
+        <a:font script="Cans" typeface="Euphemia"/>
+        <a:font script="Cher" typeface="Plantagenet Cherokee"/>
+        <a:font script="Yiii" typeface="Microsoft Yi Baiti"/>
+        <a:font script="Tibt" typeface="Microsoft Himalaya"/>
+        <a:font script="Thaa" typeface="MV Boli"/>
+        <a:font script="Deva" typeface="Mangal"/>
+        <a:font script="Telu" typeface="Gautami"/>
+        <a:font script="Taml" typeface="Latha"/>
+        <a:font script="Syrc" typeface="Estrangelo Edessa"/>
+        <a:font script="Orya" typeface="Kalinga"/>
+        <a:font script="Mlym" typeface="Kartika"/>
+        <a:font script="Laoo" typeface="DokChampa"/>
+        <a:font script="Sinh" typeface="Iskoola Pota"/>
+        <a:font script="Mong" typeface="Mongolian Baiti"/>
+        <a:font script="Viet" typeface="Arial"/>
+        <a:font script="Uigh" typeface="Microsoft Uighur"/>
+        <a:font script="Geor" typeface="Sylfaen"/>
+        <a:font script="Armn" typeface="Arial"/>
+        <a:font script="Bugi" typeface="Leelawadee UI"/>
+        <a:font script="Bopo" typeface="Microsoft JhengHei"/>
+        <a:font script="Java" typeface="Javanese Text"/>
+        <a:font script="Lisu" typeface="Segoe UI"/>
+        <a:font script="Mymr" typeface="Myanmar Text"/>
+        <a:font script="Nkoo" typeface="Ebrima"/>
+        <a:font script="Olck" typeface="Nirmala UI"/>
+        <a:font script="Osma" typeface="Ebrima"/>
+        <a:font script="Phag" typeface="Phagspa"/>
+        <a:font script="Syrn" typeface="Estrangelo Edessa"/>
+        <a:font script="Syrj" typeface="Estrangelo Edessa"/>
+        <a:font script="Syre" typeface="Estrangelo Edessa"/>
+        <a:font script="Sora" typeface="Nirmala UI"/>
+        <a:font script="Tale" typeface="Microsoft Tai Le"/>
+        <a:font script="Talu" typeface="Microsoft New Tai Lue"/>
+        <a:font script="Tfng" typeface="Ebrima"/>
+      </a:minorFont>
+    </a:fontScheme>
+    <a:fmtScheme name="Office">
+      <a:fillStyleLst>
+        <a:solidFill>
+          <a:schemeClr val="phClr"/>
+        </a:solidFill>
+        <a:gradFill rotWithShape="1">
+          <a:gsLst>
+            <a:gs pos="0">
+              <a:schemeClr val="phClr">
+                <a:lumMod val="110000"/>
+                <a:satMod val="105000"/>
+                <a:tint val="67000"/>
+              </a:schemeClr>
+            </a:gs>
+            <a:gs pos="50000">
+              <a:schemeClr val="phClr">
+                <a:lumMod val="105000"/>
+                <a:satMod val="103000"/>
+                <a:tint val="73000"/>
+              </a:schemeClr>
+            </a:gs>
+            <a:gs pos="100000">
+              <a:schemeClr val="phClr">
+                <a:lumMod val="105000"/>
+                <a:satMod val="109000"/>
+                <a:tint val="81000"/>
+              </a:schemeClr>
+            </a:gs>
+          </a:gsLst>
+          <a:lin ang="5400000" scaled="0"/>
+        </a:gradFill>
+        <a:gradFill rotWithShape="1">
+          <a:gsLst>
+            <a:gs pos="0">
+              <a:schemeClr val="phClr">
+                <a:satMod val="103000"/>
+                <a:lumMod val="102000"/>
+                <a:tint val="94000"/>
+              </a:schemeClr>
+            </a:gs>
+            <a:gs pos="50000">
+              <a:schemeClr val="phClr">
+                <a:satMod val="110000"/>
+                <a:lumMod val="100000"/>
+                <a:shade val="100000"/>
+              </a:schemeClr>
+            </a:gs>
+            <a:gs pos="100000">
+              <a:schemeClr val="phClr">
+                <a:lumMod val="99000"/>
+                <a:satMod val="120000"/>
+                <a:shade val="78000"/>
+              </a:schemeClr>
+            </a:gs>
+          </a:gsLst>
+          <a:lin ang="5400000" scaled="0"/>
+        </a:gradFill>
+      </a:fillStyleLst>
+      <a:lnStyleLst>
+        <a:ln w="6350" cap="flat" cmpd="sng" algn="ctr">
+          <a:solidFill>
+            <a:schemeClr val="phClr"/>
+          </a:solidFill>
+          <a:prstDash val="solid"/>
+          <a:miter lim="800000"/>
+        </a:ln>
+        <a:ln w="12700" cap="flat" cmpd="sng" algn="ctr">
+          <a:solidFill>
+            <a:schemeClr val="phClr"/>
+          </a:solidFill>
+          <a:prstDash val="solid"/>
+          <a:miter lim="800000"/>
+        </a:ln>
+        <a:ln w="19050" cap="flat" cmpd="sng" algn="ctr">
+          <a:solidFill>
+            <a:schemeClr val="phClr"/>
+          </a:solidFill>
+          <a:prstDash val="solid"/>
+          <a:miter lim="800000"/>
+        </a:ln>
+      </a:lnStyleLst>
+      <a:effectStyleLst>
+        <a:effectStyle>
+          <a:effectLst/>
+        </a:effectStyle>
+        <a:effectStyle>
+          <a:effectLst/>
+        </a:effectStyle>
+        <a:effectStyle>
+          <a:effectLst>
+            <a:outerShdw blurRad="57150" dist="19050" dir="5400000" algn="ctr" rotWithShape="0">
+              <a:srgbClr val="000000">
+                <a:alpha val="63000"/>
+              </a:srgbClr>
+            </a:outerShdw>
+          </a:effectLst>
+        </a:effectStyle>
+      </a:effectStyleLst>
+      <a:bgFillStyleLst>
+        <a:solidFill>
+          <a:schemeClr val="phClr"/>
+        </a:solidFill>
+        <a:solidFill>
+          <a:schemeClr val="phClr">
+            <a:tint val="95000"/>
+            <a:satMod val="170000"/>
+          </a:schemeClr>
+        </a:solidFill>
+        <a:gradFill rotWithShape="1">
+          <a:gsLst>
+            <a:gs pos="0">
+              <a:schemeClr val="phClr">
+                <a:tint val="93000"/>
+                <a:satMod val="150000"/>
+                <a:shade val="98000"/>
+                <a:lumMod val="102000"/>
+              </a:schemeClr>
+            </a:gs>
+            <a:gs pos="50000">
+              <a:schemeClr val="phClr">
+                <a:tint val="98000"/>
+                <a:satMod val="130000"/>
+                <a:shade val="90000"/>
+                <a:lumMod val="103000"/>
+              </a:schemeClr>
+            </a:gs>
+            <a:gs pos="100000">
+              <a:schemeClr val="phClr">
+                <a:shade val="63000"/>
+                <a:satMod val="120000"/>
+              </a:schemeClr>
+            </a:gs>
+          </a:gsLst>
+          <a:lin ang="5400000" scaled="0"/>
+        </a:gradFill>
+      </a:bgFillStyleLst>
+    </a:fmtScheme>
+  </a:themeElements>
+  <a:objectDefaults/>
+  <a:extraClrSchemeLst/>
+  <a:extLst>
+    <a:ext uri="{05A4C25C-085E-4340-85A3-A5531E510DB2}">
+      <thm15:themeFamily xmlns:thm15="http://schemas.microsoft.com/office/thememl/2012/main" name="Office Theme" id="{62F939B6-93AF-4DB8-9C6B-D6C7DFDC589F}" vid="{4A3C46E8-61CC-4603-A589-7422A47A8E4A}"/>
+    </a:ext>
+  </a:extLst>
+</a:theme>
 </file>
--- a/Tutorial/TensorFlow-Obj-API.pptx
+++ b/Tutorial/TensorFlow-Obj-API.pptx
@@ -5,7 +5,7 @@
     <p:sldMasterId id="2147483660" r:id="rId1"/>
   </p:sldMasterIdLst>
   <p:notesMasterIdLst>
-    <p:notesMasterId r:id="rId22"/>
+    <p:notesMasterId r:id="rId25"/>
   </p:notesMasterIdLst>
   <p:sldIdLst>
     <p:sldId id="256" r:id="rId2"/>
@@ -28,6 +28,9 @@
     <p:sldId id="268" r:id="rId19"/>
     <p:sldId id="269" r:id="rId20"/>
     <p:sldId id="270" r:id="rId21"/>
+    <p:sldId id="277" r:id="rId22"/>
+    <p:sldId id="278" r:id="rId23"/>
+    <p:sldId id="279" r:id="rId24"/>
   </p:sldIdLst>
   <p:sldSz cx="9144000" cy="6858000" type="screen4x3"/>
   <p:notesSz cx="6858000" cy="9144000"/>
@@ -5345,7 +5348,7 @@
         </p:nvSpPr>
         <p:spPr>
           <a:xfrm>
-            <a:off x="1185068" y="2062857"/>
+            <a:off x="1666849" y="2062857"/>
             <a:ext cx="2703871" cy="832181"/>
           </a:xfrm>
           <a:prstGeom prst="rect">
@@ -5400,7 +5403,7 @@
         </p:nvSpPr>
         <p:spPr>
           <a:xfrm>
-            <a:off x="1185067" y="3444750"/>
+            <a:off x="1666848" y="3444750"/>
             <a:ext cx="2703871" cy="498757"/>
           </a:xfrm>
           <a:prstGeom prst="rect">
@@ -5447,7 +5450,7 @@
         </p:nvSpPr>
         <p:spPr>
           <a:xfrm>
-            <a:off x="1185066" y="4493219"/>
+            <a:off x="1666847" y="4493219"/>
             <a:ext cx="2703871" cy="498757"/>
           </a:xfrm>
           <a:prstGeom prst="rect">
@@ -5494,7 +5497,7 @@
         </p:nvSpPr>
         <p:spPr>
           <a:xfrm>
-            <a:off x="1671760" y="5457917"/>
+            <a:off x="2153541" y="5457917"/>
             <a:ext cx="1730481" cy="498757"/>
           </a:xfrm>
           <a:prstGeom prst="rect">
@@ -5546,7 +5549,7 @@
         </p:nvCxnSpPr>
         <p:spPr>
           <a:xfrm flipH="1">
-            <a:off x="2537003" y="2895038"/>
+            <a:off x="3018784" y="2895038"/>
             <a:ext cx="1" cy="549712"/>
           </a:xfrm>
           <a:prstGeom prst="straightConnector1">
@@ -5589,7 +5592,7 @@
         </p:nvCxnSpPr>
         <p:spPr>
           <a:xfrm flipH="1">
-            <a:off x="2537002" y="3943507"/>
+            <a:off x="3018783" y="3943507"/>
             <a:ext cx="1" cy="549712"/>
           </a:xfrm>
           <a:prstGeom prst="straightConnector1">
@@ -5632,7 +5635,7 @@
         </p:nvCxnSpPr>
         <p:spPr>
           <a:xfrm flipH="1">
-            <a:off x="2537001" y="4991976"/>
+            <a:off x="3018782" y="4991976"/>
             <a:ext cx="1" cy="465941"/>
           </a:xfrm>
           <a:prstGeom prst="straightConnector1">
@@ -5671,7 +5674,7 @@
         </p:nvSpPr>
         <p:spPr>
           <a:xfrm>
-            <a:off x="4777484" y="2117593"/>
+            <a:off x="4994876" y="2117593"/>
             <a:ext cx="2165314" cy="646331"/>
           </a:xfrm>
           <a:prstGeom prst="rect">
@@ -5705,7 +5708,7 @@
         </p:nvSpPr>
         <p:spPr>
           <a:xfrm>
-            <a:off x="4441684" y="3284814"/>
+            <a:off x="4659076" y="3284814"/>
             <a:ext cx="2165314" cy="646331"/>
           </a:xfrm>
           <a:prstGeom prst="rect">
@@ -5739,7 +5742,7 @@
         </p:nvSpPr>
         <p:spPr>
           <a:xfrm>
-            <a:off x="6606998" y="3444750"/>
+            <a:off x="6824390" y="3444750"/>
             <a:ext cx="2793964" cy="369332"/>
           </a:xfrm>
           <a:prstGeom prst="rect">
@@ -5753,7 +5756,11 @@
           <a:lstStyle/>
           <a:p>
             <a:r>
-              <a:rPr lang="en-US" dirty="0"/>
+              <a:rPr lang="en-US" dirty="0">
+                <a:highlight>
+                  <a:srgbClr val="C0C0C0"/>
+                </a:highlight>
+              </a:rPr>
               <a:t>python xml_to_csv.py</a:t>
             </a:r>
           </a:p>
@@ -5773,7 +5780,7 @@
         </p:nvSpPr>
         <p:spPr>
           <a:xfrm>
-            <a:off x="4320998" y="4358049"/>
+            <a:off x="4538390" y="4358049"/>
             <a:ext cx="4572000" cy="923330"/>
           </a:xfrm>
           <a:prstGeom prst="rect">
@@ -5787,30 +5794,212 @@
           <a:lstStyle/>
           <a:p>
             <a:r>
-              <a:rPr lang="en-US" dirty="0"/>
+              <a:rPr lang="en-US" dirty="0">
+                <a:highlight>
+                  <a:srgbClr val="C0C0C0"/>
+                </a:highlight>
+              </a:rPr>
               <a:t>python generate_tfrecord.py --</a:t>
             </a:r>
             <a:r>
+              <a:rPr lang="en-US" dirty="0" err="1">
+                <a:highlight>
+                  <a:srgbClr val="C0C0C0"/>
+                </a:highlight>
+              </a:rPr>
+              <a:t>csv_input</a:t>
+            </a:r>
+            <a:r>
+              <a:rPr lang="en-US" dirty="0">
+                <a:highlight>
+                  <a:srgbClr val="C0C0C0"/>
+                </a:highlight>
+              </a:rPr>
+              <a:t> traffic_light_labels.csv --</a:t>
+            </a:r>
+            <a:r>
+              <a:rPr lang="en-US" dirty="0" err="1">
+                <a:highlight>
+                  <a:srgbClr val="C0C0C0"/>
+                </a:highlight>
+              </a:rPr>
+              <a:t>output_path</a:t>
+            </a:r>
+            <a:r>
+              <a:rPr lang="en-US" dirty="0">
+                <a:highlight>
+                  <a:srgbClr val="C0C0C0"/>
+                </a:highlight>
+              </a:rPr>
+              <a:t>=</a:t>
+            </a:r>
+            <a:r>
+              <a:rPr lang="en-US" dirty="0" err="1">
+                <a:highlight>
+                  <a:srgbClr val="C0C0C0"/>
+                </a:highlight>
+              </a:rPr>
+              <a:t>train.record</a:t>
+            </a:r>
+            <a:endParaRPr lang="en-US" dirty="0">
+              <a:highlight>
+                <a:srgbClr val="C0C0C0"/>
+              </a:highlight>
+            </a:endParaRPr>
+          </a:p>
+        </p:txBody>
+      </p:sp>
+      <p:sp>
+        <p:nvSpPr>
+          <p:cNvPr id="3" name="Rectangle 2">
+            <a:extLst>
+              <a:ext uri="{FF2B5EF4-FFF2-40B4-BE49-F238E27FC236}">
+                <a16:creationId xmlns:a16="http://schemas.microsoft.com/office/drawing/2014/main" id="{946B7B80-9BE0-48A6-B472-9C1B13B3B76B}"/>
+              </a:ext>
+            </a:extLst>
+          </p:cNvPr>
+          <p:cNvSpPr/>
+          <p:nvPr/>
+        </p:nvSpPr>
+        <p:spPr>
+          <a:xfrm>
+            <a:off x="0" y="2907288"/>
+            <a:ext cx="1516762" cy="369332"/>
+          </a:xfrm>
+          <a:prstGeom prst="rect">
+            <a:avLst/>
+          </a:prstGeom>
+        </p:spPr>
+        <p:txBody>
+          <a:bodyPr wrap="none">
+            <a:spAutoFit/>
+          </a:bodyPr>
+          <a:lstStyle/>
+          <a:p>
+            <a:r>
+              <a:rPr lang="en-US" dirty="0"/>
+              <a:t>Dependencies</a:t>
+            </a:r>
+          </a:p>
+        </p:txBody>
+      </p:sp>
+      <p:sp>
+        <p:nvSpPr>
+          <p:cNvPr id="15" name="Rectangle 14">
+            <a:extLst>
+              <a:ext uri="{FF2B5EF4-FFF2-40B4-BE49-F238E27FC236}">
+                <a16:creationId xmlns:a16="http://schemas.microsoft.com/office/drawing/2014/main" id="{29B425DA-FA1D-41B2-8ADC-25C165284556}"/>
+              </a:ext>
+            </a:extLst>
+          </p:cNvPr>
+          <p:cNvSpPr/>
+          <p:nvPr/>
+        </p:nvSpPr>
+        <p:spPr>
+          <a:xfrm>
+            <a:off x="11807" y="3528008"/>
+            <a:ext cx="1537409" cy="830997"/>
+          </a:xfrm>
+          <a:prstGeom prst="rect">
+            <a:avLst/>
+          </a:prstGeom>
+        </p:spPr>
+        <p:txBody>
+          <a:bodyPr wrap="none">
+            <a:spAutoFit/>
+          </a:bodyPr>
+          <a:lstStyle/>
+          <a:p>
+            <a:pPr marL="457200" indent="-457200">
+              <a:buFont typeface="+mj-lt"/>
+              <a:buAutoNum type="arabicPeriod"/>
+            </a:pPr>
+            <a:r>
+              <a:rPr lang="en-US" sz="2400" dirty="0"/>
+              <a:t>Pandas</a:t>
+            </a:r>
+          </a:p>
+          <a:p>
+            <a:pPr marL="457200" indent="-457200">
+              <a:buFont typeface="+mj-lt"/>
+              <a:buAutoNum type="arabicPeriod"/>
+            </a:pPr>
+            <a:r>
+              <a:rPr lang="en-US" sz="2400" dirty="0"/>
+              <a:t>Pillow </a:t>
+            </a:r>
+          </a:p>
+        </p:txBody>
+      </p:sp>
+      <p:sp>
+        <p:nvSpPr>
+          <p:cNvPr id="13" name="Rectangle 12">
+            <a:extLst>
+              <a:ext uri="{FF2B5EF4-FFF2-40B4-BE49-F238E27FC236}">
+                <a16:creationId xmlns:a16="http://schemas.microsoft.com/office/drawing/2014/main" id="{030938E9-6FE9-4E87-A01A-3E2955241CCA}"/>
+              </a:ext>
+            </a:extLst>
+          </p:cNvPr>
+          <p:cNvSpPr/>
+          <p:nvPr/>
+        </p:nvSpPr>
+        <p:spPr>
+          <a:xfrm>
+            <a:off x="-62508" y="6492874"/>
+            <a:ext cx="3223447" cy="369332"/>
+          </a:xfrm>
+          <a:prstGeom prst="rect">
+            <a:avLst/>
+          </a:prstGeom>
+        </p:spPr>
+        <p:txBody>
+          <a:bodyPr wrap="none">
+            <a:spAutoFit/>
+          </a:bodyPr>
+          <a:lstStyle/>
+          <a:p>
+            <a:r>
               <a:rPr lang="en-US" dirty="0" err="1"/>
-              <a:t>csv_input</a:t>
-            </a:r>
-            <a:r>
-              <a:rPr lang="en-US" dirty="0"/>
-              <a:t> traffic_light_labels.csv --</a:t>
-            </a:r>
-            <a:r>
-              <a:rPr lang="en-US" dirty="0" err="1"/>
-              <a:t>output_path</a:t>
-            </a:r>
-            <a:r>
-              <a:rPr lang="en-US" dirty="0"/>
-              <a:t>=</a:t>
-            </a:r>
-            <a:r>
-              <a:rPr lang="en-US" dirty="0" err="1"/>
-              <a:t>train.record</a:t>
-            </a:r>
-            <a:endParaRPr lang="en-US" dirty="0"/>
+              <a:t>conda</a:t>
+            </a:r>
+            <a:r>
+              <a:rPr lang="en-US" dirty="0"/>
+              <a:t> install -c anaconda pillow </a:t>
+            </a:r>
+          </a:p>
+        </p:txBody>
+      </p:sp>
+      <p:sp>
+        <p:nvSpPr>
+          <p:cNvPr id="16" name="Rectangle 15">
+            <a:extLst>
+              <a:ext uri="{FF2B5EF4-FFF2-40B4-BE49-F238E27FC236}">
+                <a16:creationId xmlns:a16="http://schemas.microsoft.com/office/drawing/2014/main" id="{4007EBC5-D208-491A-9C8D-5562453A38B7}"/>
+              </a:ext>
+            </a:extLst>
+          </p:cNvPr>
+          <p:cNvSpPr/>
+          <p:nvPr/>
+        </p:nvSpPr>
+        <p:spPr>
+          <a:xfrm>
+            <a:off x="-62508" y="6209164"/>
+            <a:ext cx="3333348" cy="369332"/>
+          </a:xfrm>
+          <a:prstGeom prst="rect">
+            <a:avLst/>
+          </a:prstGeom>
+        </p:spPr>
+        <p:txBody>
+          <a:bodyPr wrap="none">
+            <a:spAutoFit/>
+          </a:bodyPr>
+          <a:lstStyle/>
+          <a:p>
+            <a:r>
+              <a:rPr lang="pt-BR" dirty="0"/>
+              <a:t>conda install -c anaconda pandas </a:t>
+            </a:r>
           </a:p>
         </p:txBody>
       </p:sp>
@@ -5899,10 +6088,10 @@
       </p:sp>
       <p:pic>
         <p:nvPicPr>
-          <p:cNvPr id="4" name="Picture 3">
+          <p:cNvPr id="2" name="Picture 1">
             <a:extLst>
               <a:ext uri="{FF2B5EF4-FFF2-40B4-BE49-F238E27FC236}">
-                <a16:creationId xmlns:a16="http://schemas.microsoft.com/office/drawing/2014/main" id="{2EBF5CBF-06CE-4903-9191-B44644DA60C7}"/>
+                <a16:creationId xmlns:a16="http://schemas.microsoft.com/office/drawing/2014/main" id="{9CC7836F-54E4-4A1B-A569-C2FCD0301FB0}"/>
               </a:ext>
             </a:extLst>
           </p:cNvPr>
@@ -5919,8 +6108,8 @@
         </p:blipFill>
         <p:spPr>
           <a:xfrm>
-            <a:off x="525294" y="3107107"/>
-            <a:ext cx="7886700" cy="2928567"/>
+            <a:off x="835742" y="2483198"/>
+            <a:ext cx="7472516" cy="4276479"/>
           </a:xfrm>
           <a:prstGeom prst="rect">
             <a:avLst/>
@@ -5980,7 +6169,7 @@
           <a:p>
             <a:r>
               <a:rPr lang="en-US" dirty="0"/>
-              <a:t>Create a training folder</a:t>
+              <a:t>Create a data folder, call it data2/</a:t>
             </a:r>
           </a:p>
         </p:txBody>
@@ -6136,8 +6325,10 @@
               <a:t>Edit </a:t>
             </a:r>
             <a:r>
-              <a:rPr lang="en-US" dirty="0" err="1"/>
-              <a:t>pipeline.config</a:t>
+              <a:rPr lang="en-US" dirty="0">
+                <a:hlinkClick r:id="rId3" tooltip="ssdlite_mobilenet_v2_coco.config"/>
+              </a:rPr>
+              <a:t>ssdlite_mobilenet_v2_coco.config</a:t>
             </a:r>
             <a:endParaRPr lang="en-US" dirty="0"/>
           </a:p>
@@ -6164,46 +6355,33 @@
           <a:bodyPr/>
           <a:lstStyle/>
           <a:p>
-            <a:endParaRPr lang="en-US"/>
+            <a:r>
+              <a:rPr lang="en-US" dirty="0"/>
+              <a:t>This file is inside </a:t>
+            </a:r>
+            <a:r>
+              <a:rPr lang="en-US" dirty="0" err="1"/>
+              <a:t>object_detection</a:t>
+            </a:r>
+            <a:r>
+              <a:rPr lang="en-US" dirty="0"/>
+              <a:t>/samples/configs</a:t>
+            </a:r>
+          </a:p>
+          <a:p>
+            <a:r>
+              <a:rPr lang="en-US" dirty="0"/>
+              <a:t>Copy it to data2/ then edit it</a:t>
+            </a:r>
           </a:p>
         </p:txBody>
       </p:sp>
       <p:pic>
         <p:nvPicPr>
-          <p:cNvPr id="4" name="Picture 3">
+          <p:cNvPr id="7" name="Picture 6">
             <a:extLst>
               <a:ext uri="{FF2B5EF4-FFF2-40B4-BE49-F238E27FC236}">
-                <a16:creationId xmlns:a16="http://schemas.microsoft.com/office/drawing/2014/main" id="{648BA816-5FC9-4BA5-A45D-4872DE16CA41}"/>
-              </a:ext>
-            </a:extLst>
-          </p:cNvPr>
-          <p:cNvPicPr>
-            <a:picLocks noChangeAspect="1"/>
-          </p:cNvPicPr>
-          <p:nvPr/>
-        </p:nvPicPr>
-        <p:blipFill>
-          <a:blip r:embed="rId3"/>
-          <a:stretch>
-            <a:fillRect/>
-          </a:stretch>
-        </p:blipFill>
-        <p:spPr>
-          <a:xfrm>
-            <a:off x="540291" y="1825625"/>
-            <a:ext cx="4152900" cy="1866900"/>
-          </a:xfrm>
-          <a:prstGeom prst="rect">
-            <a:avLst/>
-          </a:prstGeom>
-        </p:spPr>
-      </p:pic>
-      <p:pic>
-        <p:nvPicPr>
-          <p:cNvPr id="5" name="Picture 4">
-            <a:extLst>
-              <a:ext uri="{FF2B5EF4-FFF2-40B4-BE49-F238E27FC236}">
-                <a16:creationId xmlns:a16="http://schemas.microsoft.com/office/drawing/2014/main" id="{463F786A-68DA-4442-A22B-8E1D9C302F16}"/>
+                <a16:creationId xmlns:a16="http://schemas.microsoft.com/office/drawing/2014/main" id="{25061F05-0BD5-4969-8F69-696F8C8B6193}"/>
               </a:ext>
             </a:extLst>
           </p:cNvPr>
@@ -6220,8 +6398,8 @@
         </p:blipFill>
         <p:spPr>
           <a:xfrm>
-            <a:off x="533400" y="4001294"/>
-            <a:ext cx="4038600" cy="1562100"/>
+            <a:off x="175751" y="2885818"/>
+            <a:ext cx="3203707" cy="2067847"/>
           </a:xfrm>
           <a:prstGeom prst="rect">
             <a:avLst/>
@@ -6230,10 +6408,10 @@
       </p:pic>
       <p:pic>
         <p:nvPicPr>
-          <p:cNvPr id="6" name="Picture 5">
+          <p:cNvPr id="8" name="Picture 7">
             <a:extLst>
               <a:ext uri="{FF2B5EF4-FFF2-40B4-BE49-F238E27FC236}">
-                <a16:creationId xmlns:a16="http://schemas.microsoft.com/office/drawing/2014/main" id="{A0D51F24-1340-4F25-B623-ABA1AE14D3DA}"/>
+                <a16:creationId xmlns:a16="http://schemas.microsoft.com/office/drawing/2014/main" id="{DCCC8F1E-9254-4FBD-83B4-63749FC8C6E0}"/>
               </a:ext>
             </a:extLst>
           </p:cNvPr>
@@ -6242,15 +6420,140 @@
           </p:cNvPicPr>
           <p:nvPr/>
         </p:nvPicPr>
-        <p:blipFill rotWithShape="1">
+        <p:blipFill>
           <a:blip r:embed="rId5"/>
-          <a:srcRect r="73997"/>
-          <a:stretch/>
+          <a:stretch>
+            <a:fillRect/>
+          </a:stretch>
         </p:blipFill>
         <p:spPr>
           <a:xfrm>
-            <a:off x="5695950" y="917756"/>
-            <a:ext cx="2819400" cy="5549537"/>
+            <a:off x="0" y="5236708"/>
+            <a:ext cx="3776817" cy="1256166"/>
+          </a:xfrm>
+          <a:prstGeom prst="rect">
+            <a:avLst/>
+          </a:prstGeom>
+        </p:spPr>
+      </p:pic>
+      <p:pic>
+        <p:nvPicPr>
+          <p:cNvPr id="9" name="Picture 8">
+            <a:extLst>
+              <a:ext uri="{FF2B5EF4-FFF2-40B4-BE49-F238E27FC236}">
+                <a16:creationId xmlns:a16="http://schemas.microsoft.com/office/drawing/2014/main" id="{26823CA6-0CAF-421D-8CF8-4F03A7D4D37C}"/>
+              </a:ext>
+            </a:extLst>
+          </p:cNvPr>
+          <p:cNvPicPr>
+            <a:picLocks noChangeAspect="1"/>
+          </p:cNvPicPr>
+          <p:nvPr/>
+        </p:nvPicPr>
+        <p:blipFill>
+          <a:blip r:embed="rId6"/>
+          <a:stretch>
+            <a:fillRect/>
+          </a:stretch>
+        </p:blipFill>
+        <p:spPr>
+          <a:xfrm>
+            <a:off x="3515623" y="3095410"/>
+            <a:ext cx="5628377" cy="523882"/>
+          </a:xfrm>
+          <a:prstGeom prst="rect">
+            <a:avLst/>
+          </a:prstGeom>
+        </p:spPr>
+      </p:pic>
+      <p:pic>
+        <p:nvPicPr>
+          <p:cNvPr id="10" name="Picture 9">
+            <a:extLst>
+              <a:ext uri="{FF2B5EF4-FFF2-40B4-BE49-F238E27FC236}">
+                <a16:creationId xmlns:a16="http://schemas.microsoft.com/office/drawing/2014/main" id="{71099FB4-4719-4DC1-8DF5-991461EF6971}"/>
+              </a:ext>
+            </a:extLst>
+          </p:cNvPr>
+          <p:cNvPicPr>
+            <a:picLocks noChangeAspect="1"/>
+          </p:cNvPicPr>
+          <p:nvPr/>
+        </p:nvPicPr>
+        <p:blipFill>
+          <a:blip r:embed="rId7"/>
+          <a:stretch>
+            <a:fillRect/>
+          </a:stretch>
+        </p:blipFill>
+        <p:spPr>
+          <a:xfrm>
+            <a:off x="5179296" y="4838472"/>
+            <a:ext cx="1933575" cy="2052638"/>
+          </a:xfrm>
+          <a:prstGeom prst="rect">
+            <a:avLst/>
+          </a:prstGeom>
+        </p:spPr>
+      </p:pic>
+      <p:sp>
+        <p:nvSpPr>
+          <p:cNvPr id="11" name="Rectangle 10">
+            <a:extLst>
+              <a:ext uri="{FF2B5EF4-FFF2-40B4-BE49-F238E27FC236}">
+                <a16:creationId xmlns:a16="http://schemas.microsoft.com/office/drawing/2014/main" id="{C9A4C25F-687A-4D66-99D5-85109A58F365}"/>
+              </a:ext>
+            </a:extLst>
+          </p:cNvPr>
+          <p:cNvSpPr/>
+          <p:nvPr/>
+        </p:nvSpPr>
+        <p:spPr>
+          <a:xfrm>
+            <a:off x="7112871" y="6381396"/>
+            <a:ext cx="1351139" cy="369332"/>
+          </a:xfrm>
+          <a:prstGeom prst="rect">
+            <a:avLst/>
+          </a:prstGeom>
+        </p:spPr>
+        <p:txBody>
+          <a:bodyPr wrap="none">
+            <a:spAutoFit/>
+          </a:bodyPr>
+          <a:lstStyle/>
+          <a:p>
+            <a:r>
+              <a:rPr lang="en-US" dirty="0"/>
+              <a:t>Delete them</a:t>
+            </a:r>
+          </a:p>
+        </p:txBody>
+      </p:sp>
+      <p:pic>
+        <p:nvPicPr>
+          <p:cNvPr id="12" name="Picture 11">
+            <a:extLst>
+              <a:ext uri="{FF2B5EF4-FFF2-40B4-BE49-F238E27FC236}">
+                <a16:creationId xmlns:a16="http://schemas.microsoft.com/office/drawing/2014/main" id="{282A6047-A69D-4CB0-A531-A8E427C67E86}"/>
+              </a:ext>
+            </a:extLst>
+          </p:cNvPr>
+          <p:cNvPicPr>
+            <a:picLocks noChangeAspect="1"/>
+          </p:cNvPicPr>
+          <p:nvPr/>
+        </p:nvPicPr>
+        <p:blipFill>
+          <a:blip r:embed="rId8"/>
+          <a:stretch>
+            <a:fillRect/>
+          </a:stretch>
+        </p:blipFill>
+        <p:spPr>
+          <a:xfrm>
+            <a:off x="3515623" y="3688328"/>
+            <a:ext cx="3451277" cy="1012071"/>
           </a:xfrm>
           <a:prstGeom prst="rect">
             <a:avLst/>
@@ -6457,7 +6760,10 @@
           <a:bodyPr/>
           <a:lstStyle/>
           <a:p>
-            <a:endParaRPr lang="en-US"/>
+            <a:r>
+              <a:rPr lang="en-US" dirty="0"/>
+              <a:t>Train a model (transfer learning)</a:t>
+            </a:r>
           </a:p>
         </p:txBody>
       </p:sp>
@@ -6483,38 +6789,123 @@
           <a:lstStyle/>
           <a:p>
             <a:r>
-              <a:rPr lang="en-US" dirty="0"/>
+              <a:rPr lang="en-US" dirty="0">
+                <a:solidFill>
+                  <a:schemeClr val="bg1">
+                    <a:lumMod val="75000"/>
+                  </a:schemeClr>
+                </a:solidFill>
+              </a:rPr>
+              <a:t>OLD API training command:</a:t>
+            </a:r>
+          </a:p>
+          <a:p>
+            <a:r>
+              <a:rPr lang="en-US" dirty="0">
+                <a:solidFill>
+                  <a:schemeClr val="bg1">
+                    <a:lumMod val="75000"/>
+                  </a:schemeClr>
+                </a:solidFill>
+              </a:rPr>
               <a:t>python train.py --</a:t>
             </a:r>
             <a:r>
+              <a:rPr lang="en-US" dirty="0" err="1">
+                <a:solidFill>
+                  <a:schemeClr val="bg1">
+                    <a:lumMod val="75000"/>
+                  </a:schemeClr>
+                </a:solidFill>
+              </a:rPr>
+              <a:t>logtostderr</a:t>
+            </a:r>
+            <a:r>
+              <a:rPr lang="en-US" dirty="0">
+                <a:solidFill>
+                  <a:schemeClr val="bg1">
+                    <a:lumMod val="75000"/>
+                  </a:schemeClr>
+                </a:solidFill>
+              </a:rPr>
+              <a:t> --</a:t>
+            </a:r>
+            <a:r>
+              <a:rPr lang="en-US" dirty="0" err="1">
+                <a:solidFill>
+                  <a:schemeClr val="bg1">
+                    <a:lumMod val="75000"/>
+                  </a:schemeClr>
+                </a:solidFill>
+              </a:rPr>
+              <a:t>train_dir</a:t>
+            </a:r>
+            <a:r>
+              <a:rPr lang="en-US" dirty="0">
+                <a:solidFill>
+                  <a:schemeClr val="bg1">
+                    <a:lumMod val="75000"/>
+                  </a:schemeClr>
+                </a:solidFill>
+              </a:rPr>
+              <a:t>=model_from_data2/ --</a:t>
+            </a:r>
+            <a:r>
+              <a:rPr lang="en-US" dirty="0" err="1">
+                <a:solidFill>
+                  <a:schemeClr val="bg1">
+                    <a:lumMod val="75000"/>
+                  </a:schemeClr>
+                </a:solidFill>
+              </a:rPr>
+              <a:t>pipeline_config_path</a:t>
+            </a:r>
+            <a:r>
+              <a:rPr lang="en-US" dirty="0">
+                <a:solidFill>
+                  <a:schemeClr val="bg1">
+                    <a:lumMod val="75000"/>
+                  </a:schemeClr>
+                </a:solidFill>
+              </a:rPr>
+              <a:t>=data2/ssdlite_mobilenet_v2_coco.config</a:t>
+            </a:r>
+          </a:p>
+          <a:p>
+            <a:r>
+              <a:rPr lang="en-US" dirty="0"/>
+              <a:t>NEW command</a:t>
+            </a:r>
+          </a:p>
+          <a:p>
+            <a:r>
+              <a:rPr lang="en-US" dirty="0"/>
+              <a:t>python object_detection/model_main.py --</a:t>
+            </a:r>
+            <a:r>
               <a:rPr lang="en-US" dirty="0" err="1"/>
-              <a:t>logtostderr</a:t>
-            </a:r>
-            <a:r>
-              <a:rPr lang="en-US" dirty="0"/>
-              <a:t> --</a:t>
+              <a:t>pipeline_config_path</a:t>
+            </a:r>
+            <a:r>
+              <a:rPr lang="en-US" dirty="0"/>
+              <a:t>=data2/ssdlite_mobilenet_v2_coco.config  --</a:t>
             </a:r>
             <a:r>
               <a:rPr lang="en-US" dirty="0" err="1"/>
-              <a:t>train_dir</a:t>
-            </a:r>
-            <a:r>
-              <a:rPr lang="en-US" dirty="0"/>
-              <a:t>=training7 --</a:t>
+              <a:t>model_dir</a:t>
+            </a:r>
+            <a:r>
+              <a:rPr lang="en-US" dirty="0"/>
+              <a:t>=model_from_data2/  --</a:t>
             </a:r>
             <a:r>
               <a:rPr lang="en-US" dirty="0" err="1"/>
-              <a:t>pipeline_config</a:t>
-            </a:r>
-            <a:r>
-              <a:rPr lang="en-US" dirty="0"/>
-              <a:t>=training7\</a:t>
-            </a:r>
-            <a:r>
-              <a:rPr lang="en-US" dirty="0" err="1"/>
-              <a:t>pipeline.config</a:t>
-            </a:r>
-            <a:endParaRPr lang="en-US" dirty="0"/>
+              <a:t>num_train_steps</a:t>
+            </a:r>
+            <a:r>
+              <a:rPr lang="en-US" dirty="0"/>
+              <a:t>=500</a:t>
+            </a:r>
           </a:p>
         </p:txBody>
       </p:sp>
@@ -6522,6 +6913,461 @@
     <p:extLst>
       <p:ext uri="{BB962C8B-B14F-4D97-AF65-F5344CB8AC3E}">
         <p14:creationId xmlns:p14="http://schemas.microsoft.com/office/powerpoint/2010/main" val="2261245798"/>
+      </p:ext>
+    </p:extLst>
+  </p:cSld>
+  <p:clrMapOvr>
+    <a:masterClrMapping/>
+  </p:clrMapOvr>
+</p:sld>
+</file>
+
+<file path=ppt/slides/slide21.xml><?xml version="1.0" encoding="utf-8"?>
+<p:sld xmlns:a="http://schemas.openxmlformats.org/drawingml/2006/main" xmlns:r="http://schemas.openxmlformats.org/officeDocument/2006/relationships" xmlns:p="http://schemas.openxmlformats.org/presentationml/2006/main">
+  <p:cSld>
+    <p:spTree>
+      <p:nvGrpSpPr>
+        <p:cNvPr id="1" name=""/>
+        <p:cNvGrpSpPr/>
+        <p:nvPr/>
+      </p:nvGrpSpPr>
+      <p:grpSpPr>
+        <a:xfrm>
+          <a:off x="0" y="0"/>
+          <a:ext cx="0" cy="0"/>
+          <a:chOff x="0" y="0"/>
+          <a:chExt cx="0" cy="0"/>
+        </a:xfrm>
+      </p:grpSpPr>
+      <p:sp>
+        <p:nvSpPr>
+          <p:cNvPr id="2" name="Title 1">
+            <a:extLst>
+              <a:ext uri="{FF2B5EF4-FFF2-40B4-BE49-F238E27FC236}">
+                <a16:creationId xmlns:a16="http://schemas.microsoft.com/office/drawing/2014/main" id="{51A80976-F5CB-4A43-A46F-329EA6FE68B9}"/>
+              </a:ext>
+            </a:extLst>
+          </p:cNvPr>
+          <p:cNvSpPr>
+            <a:spLocks noGrp="1"/>
+          </p:cNvSpPr>
+          <p:nvPr>
+            <p:ph type="title"/>
+          </p:nvPr>
+        </p:nvSpPr>
+        <p:spPr/>
+        <p:txBody>
+          <a:bodyPr/>
+          <a:lstStyle/>
+          <a:p>
+            <a:r>
+              <a:rPr lang="en-US" dirty="0"/>
+              <a:t>Export graph</a:t>
+            </a:r>
+          </a:p>
+        </p:txBody>
+      </p:sp>
+      <p:sp>
+        <p:nvSpPr>
+          <p:cNvPr id="3" name="Content Placeholder 2">
+            <a:extLst>
+              <a:ext uri="{FF2B5EF4-FFF2-40B4-BE49-F238E27FC236}">
+                <a16:creationId xmlns:a16="http://schemas.microsoft.com/office/drawing/2014/main" id="{5E226547-7211-49C5-A746-06DD37264C47}"/>
+              </a:ext>
+            </a:extLst>
+          </p:cNvPr>
+          <p:cNvSpPr>
+            <a:spLocks noGrp="1"/>
+          </p:cNvSpPr>
+          <p:nvPr>
+            <p:ph idx="1"/>
+          </p:nvPr>
+        </p:nvSpPr>
+        <p:spPr>
+          <a:xfrm>
+            <a:off x="628650" y="1690689"/>
+            <a:ext cx="8417027" cy="4351338"/>
+          </a:xfrm>
+        </p:spPr>
+        <p:txBody>
+          <a:bodyPr/>
+          <a:lstStyle/>
+          <a:p>
+            <a:r>
+              <a:rPr lang="en-US" dirty="0">
+                <a:cs typeface="Courier New" panose="02070309020205020404" pitchFamily="49" charset="0"/>
+              </a:rPr>
+              <a:t>python export_inference_graph.py</a:t>
+            </a:r>
+            <a:r>
+              <a:rPr lang="en-US" dirty="0">
+                <a:highlight>
+                  <a:srgbClr val="0000FF"/>
+                </a:highlight>
+                <a:cs typeface="Courier New" panose="02070309020205020404" pitchFamily="49" charset="0"/>
+              </a:rPr>
+              <a:t> </a:t>
+            </a:r>
+            <a:r>
+              <a:rPr lang="en-US" dirty="0">
+                <a:cs typeface="Courier New" panose="02070309020205020404" pitchFamily="49" charset="0"/>
+              </a:rPr>
+              <a:t>--</a:t>
+            </a:r>
+            <a:r>
+              <a:rPr lang="en-US" dirty="0" err="1">
+                <a:cs typeface="Courier New" panose="02070309020205020404" pitchFamily="49" charset="0"/>
+              </a:rPr>
+              <a:t>input_type</a:t>
+            </a:r>
+            <a:r>
+              <a:rPr lang="en-US" dirty="0">
+                <a:solidFill>
+                  <a:schemeClr val="bg1">
+                    <a:lumMod val="75000"/>
+                  </a:schemeClr>
+                </a:solidFill>
+                <a:highlight>
+                  <a:srgbClr val="0000FF"/>
+                </a:highlight>
+                <a:cs typeface="Courier New" panose="02070309020205020404" pitchFamily="49" charset="0"/>
+              </a:rPr>
+              <a:t> </a:t>
+            </a:r>
+            <a:r>
+              <a:rPr lang="en-US" dirty="0" err="1">
+                <a:cs typeface="Courier New" panose="02070309020205020404" pitchFamily="49" charset="0"/>
+              </a:rPr>
+              <a:t>image_tensor</a:t>
+            </a:r>
+            <a:r>
+              <a:rPr lang="en-US" dirty="0">
+                <a:highlight>
+                  <a:srgbClr val="0000FF"/>
+                </a:highlight>
+                <a:cs typeface="Courier New" panose="02070309020205020404" pitchFamily="49" charset="0"/>
+              </a:rPr>
+              <a:t> </a:t>
+            </a:r>
+            <a:r>
+              <a:rPr lang="en-US" dirty="0">
+                <a:cs typeface="Courier New" panose="02070309020205020404" pitchFamily="49" charset="0"/>
+              </a:rPr>
+              <a:t>--</a:t>
+            </a:r>
+            <a:r>
+              <a:rPr lang="en-US" dirty="0" err="1">
+                <a:cs typeface="Courier New" panose="02070309020205020404" pitchFamily="49" charset="0"/>
+              </a:rPr>
+              <a:t>pipeline_config_path</a:t>
+            </a:r>
+            <a:r>
+              <a:rPr lang="en-US" dirty="0">
+                <a:highlight>
+                  <a:srgbClr val="0000FF"/>
+                </a:highlight>
+                <a:cs typeface="Courier New" panose="02070309020205020404" pitchFamily="49" charset="0"/>
+              </a:rPr>
+              <a:t> </a:t>
+            </a:r>
+            <a:r>
+              <a:rPr lang="en-US" dirty="0">
+                <a:cs typeface="Courier New" panose="02070309020205020404" pitchFamily="49" charset="0"/>
+              </a:rPr>
+              <a:t>data2/ssdlite_mobilenet_v2_coco.config</a:t>
+            </a:r>
+            <a:r>
+              <a:rPr lang="en-US" dirty="0">
+                <a:highlight>
+                  <a:srgbClr val="0000FF"/>
+                </a:highlight>
+                <a:cs typeface="Courier New" panose="02070309020205020404" pitchFamily="49" charset="0"/>
+              </a:rPr>
+              <a:t> </a:t>
+            </a:r>
+            <a:r>
+              <a:rPr lang="en-US" dirty="0">
+                <a:cs typeface="Courier New" panose="02070309020205020404" pitchFamily="49" charset="0"/>
+              </a:rPr>
+              <a:t> --</a:t>
+            </a:r>
+            <a:r>
+              <a:rPr lang="en-US" dirty="0" err="1">
+                <a:cs typeface="Courier New" panose="02070309020205020404" pitchFamily="49" charset="0"/>
+              </a:rPr>
+              <a:t>trained_checkpoint_prefix</a:t>
+            </a:r>
+            <a:r>
+              <a:rPr lang="en-US" dirty="0">
+                <a:highlight>
+                  <a:srgbClr val="0000FF"/>
+                </a:highlight>
+                <a:cs typeface="Courier New" panose="02070309020205020404" pitchFamily="49" charset="0"/>
+              </a:rPr>
+              <a:t> </a:t>
+            </a:r>
+            <a:r>
+              <a:rPr lang="en-US" dirty="0">
+                <a:cs typeface="Courier New" panose="02070309020205020404" pitchFamily="49" charset="0"/>
+              </a:rPr>
+              <a:t>model_from_data2/model.ckpt-237</a:t>
+            </a:r>
+            <a:r>
+              <a:rPr lang="en-US" dirty="0">
+                <a:highlight>
+                  <a:srgbClr val="0000FF"/>
+                </a:highlight>
+                <a:cs typeface="Courier New" panose="02070309020205020404" pitchFamily="49" charset="0"/>
+              </a:rPr>
+              <a:t> </a:t>
+            </a:r>
+            <a:r>
+              <a:rPr lang="en-US" dirty="0">
+                <a:cs typeface="Courier New" panose="02070309020205020404" pitchFamily="49" charset="0"/>
+              </a:rPr>
+              <a:t> --</a:t>
+            </a:r>
+            <a:r>
+              <a:rPr lang="en-US" dirty="0" err="1">
+                <a:cs typeface="Courier New" panose="02070309020205020404" pitchFamily="49" charset="0"/>
+              </a:rPr>
+              <a:t>output_directory</a:t>
+            </a:r>
+            <a:r>
+              <a:rPr lang="en-US" dirty="0">
+                <a:highlight>
+                  <a:srgbClr val="0000FF"/>
+                </a:highlight>
+                <a:cs typeface="Courier New" panose="02070309020205020404" pitchFamily="49" charset="0"/>
+              </a:rPr>
+              <a:t> </a:t>
+            </a:r>
+            <a:r>
+              <a:rPr lang="en-US" dirty="0" err="1">
+                <a:cs typeface="Courier New" panose="02070309020205020404" pitchFamily="49" charset="0"/>
+              </a:rPr>
+              <a:t>traffic_inference_graph</a:t>
+            </a:r>
+            <a:endParaRPr lang="en-US" dirty="0">
+              <a:cs typeface="Courier New" panose="02070309020205020404" pitchFamily="49" charset="0"/>
+            </a:endParaRPr>
+          </a:p>
+          <a:p>
+            <a:endParaRPr lang="en-US" dirty="0">
+              <a:latin typeface="Courier New" panose="02070309020205020404" pitchFamily="49" charset="0"/>
+              <a:cs typeface="Courier New" panose="02070309020205020404" pitchFamily="49" charset="0"/>
+            </a:endParaRPr>
+          </a:p>
+          <a:p>
+            <a:r>
+              <a:rPr lang="en-US" dirty="0">
+                <a:cs typeface="Courier New" panose="02070309020205020404" pitchFamily="49" charset="0"/>
+              </a:rPr>
+              <a:t>Space is denoted by </a:t>
+            </a:r>
+            <a:r>
+              <a:rPr lang="en-US" dirty="0">
+                <a:highlight>
+                  <a:srgbClr val="0000FF"/>
+                </a:highlight>
+                <a:cs typeface="Courier New" panose="02070309020205020404" pitchFamily="49" charset="0"/>
+              </a:rPr>
+              <a:t>_ </a:t>
+            </a:r>
+            <a:r>
+              <a:rPr lang="en-US" dirty="0">
+                <a:cs typeface="Courier New" panose="02070309020205020404" pitchFamily="49" charset="0"/>
+              </a:rPr>
+              <a:t> </a:t>
+            </a:r>
+            <a:r>
+              <a:rPr lang="en-US" dirty="0">
+                <a:highlight>
+                  <a:srgbClr val="0000FF"/>
+                </a:highlight>
+                <a:cs typeface="Courier New" panose="02070309020205020404" pitchFamily="49" charset="0"/>
+              </a:rPr>
+              <a:t> </a:t>
+            </a:r>
+          </a:p>
+        </p:txBody>
+      </p:sp>
+    </p:spTree>
+    <p:extLst>
+      <p:ext uri="{BB962C8B-B14F-4D97-AF65-F5344CB8AC3E}">
+        <p14:creationId xmlns:p14="http://schemas.microsoft.com/office/powerpoint/2010/main" val="3131081034"/>
+      </p:ext>
+    </p:extLst>
+  </p:cSld>
+  <p:clrMapOvr>
+    <a:masterClrMapping/>
+  </p:clrMapOvr>
+</p:sld>
+</file>
+
+<file path=ppt/slides/slide22.xml><?xml version="1.0" encoding="utf-8"?>
+<p:sld xmlns:a="http://schemas.openxmlformats.org/drawingml/2006/main" xmlns:r="http://schemas.openxmlformats.org/officeDocument/2006/relationships" xmlns:p="http://schemas.openxmlformats.org/presentationml/2006/main">
+  <p:cSld>
+    <p:spTree>
+      <p:nvGrpSpPr>
+        <p:cNvPr id="1" name=""/>
+        <p:cNvGrpSpPr/>
+        <p:nvPr/>
+      </p:nvGrpSpPr>
+      <p:grpSpPr>
+        <a:xfrm>
+          <a:off x="0" y="0"/>
+          <a:ext cx="0" cy="0"/>
+          <a:chOff x="0" y="0"/>
+          <a:chExt cx="0" cy="0"/>
+        </a:xfrm>
+      </p:grpSpPr>
+      <p:sp>
+        <p:nvSpPr>
+          <p:cNvPr id="2" name="Title 1">
+            <a:extLst>
+              <a:ext uri="{FF2B5EF4-FFF2-40B4-BE49-F238E27FC236}">
+                <a16:creationId xmlns:a16="http://schemas.microsoft.com/office/drawing/2014/main" id="{2A71B8F1-0643-4372-92A0-CA3B9C8594AA}"/>
+              </a:ext>
+            </a:extLst>
+          </p:cNvPr>
+          <p:cNvSpPr>
+            <a:spLocks noGrp="1"/>
+          </p:cNvSpPr>
+          <p:nvPr>
+            <p:ph type="title"/>
+          </p:nvPr>
+        </p:nvSpPr>
+        <p:spPr/>
+        <p:txBody>
+          <a:bodyPr/>
+          <a:lstStyle/>
+          <a:p>
+            <a:r>
+              <a:rPr lang="en-US" dirty="0"/>
+              <a:t>Test the trained model</a:t>
+            </a:r>
+          </a:p>
+        </p:txBody>
+      </p:sp>
+      <p:sp>
+        <p:nvSpPr>
+          <p:cNvPr id="3" name="Content Placeholder 2">
+            <a:extLst>
+              <a:ext uri="{FF2B5EF4-FFF2-40B4-BE49-F238E27FC236}">
+                <a16:creationId xmlns:a16="http://schemas.microsoft.com/office/drawing/2014/main" id="{EC9725A7-35E6-48CF-958B-0C3341AB935A}"/>
+              </a:ext>
+            </a:extLst>
+          </p:cNvPr>
+          <p:cNvSpPr>
+            <a:spLocks noGrp="1"/>
+          </p:cNvSpPr>
+          <p:nvPr>
+            <p:ph idx="1"/>
+          </p:nvPr>
+        </p:nvSpPr>
+        <p:spPr/>
+        <p:txBody>
+          <a:bodyPr/>
+          <a:lstStyle/>
+          <a:p>
+            <a:r>
+              <a:rPr lang="en-US" dirty="0"/>
+              <a:t>Lecture-2-test-traffic-light-image.ipynb</a:t>
+            </a:r>
+          </a:p>
+          <a:p>
+            <a:r>
+              <a:rPr lang="en-US" dirty="0"/>
+              <a:t>vision-own-model.py</a:t>
+            </a:r>
+          </a:p>
+        </p:txBody>
+      </p:sp>
+    </p:spTree>
+    <p:extLst>
+      <p:ext uri="{BB962C8B-B14F-4D97-AF65-F5344CB8AC3E}">
+        <p14:creationId xmlns:p14="http://schemas.microsoft.com/office/powerpoint/2010/main" val="3295213920"/>
+      </p:ext>
+    </p:extLst>
+  </p:cSld>
+  <p:clrMapOvr>
+    <a:masterClrMapping/>
+  </p:clrMapOvr>
+</p:sld>
+</file>
+
+<file path=ppt/slides/slide23.xml><?xml version="1.0" encoding="utf-8"?>
+<p:sld xmlns:a="http://schemas.openxmlformats.org/drawingml/2006/main" xmlns:r="http://schemas.openxmlformats.org/officeDocument/2006/relationships" xmlns:p="http://schemas.openxmlformats.org/presentationml/2006/main">
+  <p:cSld>
+    <p:spTree>
+      <p:nvGrpSpPr>
+        <p:cNvPr id="1" name=""/>
+        <p:cNvGrpSpPr/>
+        <p:nvPr/>
+      </p:nvGrpSpPr>
+      <p:grpSpPr>
+        <a:xfrm>
+          <a:off x="0" y="0"/>
+          <a:ext cx="0" cy="0"/>
+          <a:chOff x="0" y="0"/>
+          <a:chExt cx="0" cy="0"/>
+        </a:xfrm>
+      </p:grpSpPr>
+      <p:sp>
+        <p:nvSpPr>
+          <p:cNvPr id="2" name="Title 1">
+            <a:extLst>
+              <a:ext uri="{FF2B5EF4-FFF2-40B4-BE49-F238E27FC236}">
+                <a16:creationId xmlns:a16="http://schemas.microsoft.com/office/drawing/2014/main" id="{9366E27B-0A56-43ED-9014-8ABCEB4EEE24}"/>
+              </a:ext>
+            </a:extLst>
+          </p:cNvPr>
+          <p:cNvSpPr>
+            <a:spLocks noGrp="1"/>
+          </p:cNvSpPr>
+          <p:nvPr>
+            <p:ph type="title"/>
+          </p:nvPr>
+        </p:nvSpPr>
+        <p:spPr/>
+        <p:txBody>
+          <a:bodyPr/>
+          <a:lstStyle/>
+          <a:p>
+            <a:endParaRPr lang="en-US"/>
+          </a:p>
+        </p:txBody>
+      </p:sp>
+      <p:sp>
+        <p:nvSpPr>
+          <p:cNvPr id="3" name="Content Placeholder 2">
+            <a:extLst>
+              <a:ext uri="{FF2B5EF4-FFF2-40B4-BE49-F238E27FC236}">
+                <a16:creationId xmlns:a16="http://schemas.microsoft.com/office/drawing/2014/main" id="{795A8C18-9FA5-4F79-BB64-C348FDF45C3F}"/>
+              </a:ext>
+            </a:extLst>
+          </p:cNvPr>
+          <p:cNvSpPr>
+            <a:spLocks noGrp="1"/>
+          </p:cNvSpPr>
+          <p:nvPr>
+            <p:ph idx="1"/>
+          </p:nvPr>
+        </p:nvSpPr>
+        <p:spPr/>
+        <p:txBody>
+          <a:bodyPr/>
+          <a:lstStyle/>
+          <a:p>
+            <a:endParaRPr lang="en-US"/>
+          </a:p>
+        </p:txBody>
+      </p:sp>
+    </p:spTree>
+    <p:extLst>
+      <p:ext uri="{BB962C8B-B14F-4D97-AF65-F5344CB8AC3E}">
+        <p14:creationId xmlns:p14="http://schemas.microsoft.com/office/powerpoint/2010/main" val="748634417"/>
       </p:ext>
     </p:extLst>
   </p:cSld>
